--- a/docs/Presentazione-TW.pptx
+++ b/docs/Presentazione-TW.pptx
@@ -4016,7 +4016,7 @@
       </p:grpSpPr>
       <p:sp>
         <p:nvSpPr>
-          <p:cNvPr id="193" name="Focus Group"/>
+          <p:cNvPr id="194" name="Focus Group"/>
           <p:cNvSpPr txBox="1"/>
           <p:nvPr>
             <p:ph type="title"/>
@@ -4053,7 +4053,7 @@
       </p:sp>
       <p:sp>
         <p:nvSpPr>
-          <p:cNvPr id="194" name="A seguito dei riscontri ottenuti della UX Prototyping, è stata  effettuata una sessione di Focus Group, dalla quale sono state proposte e valutate varie modifiche:…"/>
+          <p:cNvPr id="195" name="A seguito dei riscontri ottenuti della UX Prototyping, è stata  effettuata una sessione di Focus Group, dalla quale sono state proposte e valutate varie modifiche:…"/>
           <p:cNvSpPr txBox="1"/>
           <p:nvPr/>
         </p:nvSpPr>
@@ -4218,7 +4218,7 @@
               </a:defRPr>
             </a:pPr>
             <a:r>
-              <a:t>Aggiunta di notifiche</a:t>
+              <a:t>Aggiunta di notifiche in tempo reale</a:t>
             </a:r>
           </a:p>
         </p:txBody>
@@ -4251,7 +4251,7 @@
       </p:grpSpPr>
       <p:sp>
         <p:nvSpPr>
-          <p:cNvPr id="196" name="Implementazione"/>
+          <p:cNvPr id="197" name="Implementazione"/>
           <p:cNvSpPr txBox="1"/>
           <p:nvPr>
             <p:ph type="title"/>
@@ -4288,7 +4288,7 @@
       </p:sp>
       <p:sp>
         <p:nvSpPr>
-          <p:cNvPr id="197" name="Dopo le fasi preliminari e i risultati ottenuti dalle operazioni precedenti, è stata costruita una solida base per l’inizio della costruzione del software finale, la quale ha integrato tutti i requisiti fondamentali richiesti, aggiungendo inoltre le prop"/>
+          <p:cNvPr id="198" name="Dopo le fasi preliminari e i risultati ottenuti dalle operazioni precedenti, è stata costruita una solida base per l’inizio della costruzione del software finale, la quale ha integrato tutti i requisiti fondamentali richiesti, aggiungendo inoltre le prop"/>
           <p:cNvSpPr txBox="1"/>
           <p:nvPr/>
         </p:nvSpPr>
@@ -5577,6 +5577,35 @@
           </a:p>
         </p:txBody>
       </p:sp>
+      <p:pic>
+        <p:nvPicPr>
+          <p:cNvPr id="174" name="creazione-post-v1.png" descr="creazione-post-v1.png"/>
+          <p:cNvPicPr>
+            <a:picLocks noChangeAspect="1"/>
+          </p:cNvPicPr>
+          <p:nvPr/>
+        </p:nvPicPr>
+        <p:blipFill>
+          <a:blip r:embed="rId2">
+            <a:extLst/>
+          </a:blip>
+          <a:stretch>
+            <a:fillRect/>
+          </a:stretch>
+        </p:blipFill>
+        <p:spPr>
+          <a:xfrm>
+            <a:off x="789347" y="4016060"/>
+            <a:ext cx="11353842" cy="7321392"/>
+          </a:xfrm>
+          <a:prstGeom prst="rect">
+            <a:avLst/>
+          </a:prstGeom>
+          <a:ln w="12700">
+            <a:miter lim="400000"/>
+          </a:ln>
+        </p:spPr>
+      </p:pic>
     </p:spTree>
   </p:cSld>
   <p:clrMapOvr>
@@ -5605,7 +5634,7 @@
       </p:grpSpPr>
       <p:sp>
         <p:nvSpPr>
-          <p:cNvPr id="175" name="Requisiti"/>
+          <p:cNvPr id="176" name="Requisiti"/>
           <p:cNvSpPr txBox="1"/>
           <p:nvPr>
             <p:ph type="title"/>
@@ -5642,7 +5671,7 @@
       </p:sp>
       <p:sp>
         <p:nvSpPr>
-          <p:cNvPr id="176" name="Registrazione e Login…"/>
+          <p:cNvPr id="177" name="Registrazione e Login…"/>
           <p:cNvSpPr txBox="1"/>
           <p:nvPr>
             <p:ph type="body" sz="quarter" idx="1"/>
@@ -5804,7 +5833,7 @@
       </p:sp>
       <p:sp>
         <p:nvSpPr>
-          <p:cNvPr id="177" name="Essenziali"/>
+          <p:cNvPr id="178" name="Essenziali"/>
           <p:cNvSpPr txBox="1"/>
           <p:nvPr/>
         </p:nvSpPr>
@@ -5852,7 +5881,7 @@
       </p:sp>
       <p:pic>
         <p:nvPicPr>
-          <p:cNvPr id="178" name="Screenshot 2023-01-25 at 17.51.png" descr="Screenshot 2023-01-25 at 17.51.png"/>
+          <p:cNvPr id="179" name="Screenshot 2023-01-25 at 17.51.png" descr="Screenshot 2023-01-25 at 17.51.png"/>
           <p:cNvPicPr>
             <a:picLocks noChangeAspect="1"/>
           </p:cNvPicPr>
@@ -5905,35 +5934,6 @@
           <a:chExt cx="0" cy="0"/>
         </a:xfrm>
       </p:grpSpPr>
-      <p:pic>
-        <p:nvPicPr>
-          <p:cNvPr id="180" name="Screenshot 2023-01-25 at 17.58.png" descr="Screenshot 2023-01-25 at 17.58.png"/>
-          <p:cNvPicPr>
-            <a:picLocks noChangeAspect="1"/>
-          </p:cNvPicPr>
-          <p:nvPr/>
-        </p:nvPicPr>
-        <p:blipFill>
-          <a:blip r:embed="rId2">
-            <a:extLst/>
-          </a:blip>
-          <a:stretch>
-            <a:fillRect/>
-          </a:stretch>
-        </p:blipFill>
-        <p:spPr>
-          <a:xfrm>
-            <a:off x="1934277" y="3559217"/>
-            <a:ext cx="8717508" cy="9634586"/>
-          </a:xfrm>
-          <a:prstGeom prst="rect">
-            <a:avLst/>
-          </a:prstGeom>
-          <a:ln w="12700">
-            <a:miter lim="400000"/>
-          </a:ln>
-        </p:spPr>
-      </p:pic>
       <p:sp>
         <p:nvSpPr>
           <p:cNvPr id="181" name="Requisiti"/>
@@ -6060,6 +6060,26 @@
                 <a:spcPts val="3900"/>
               </a:spcBef>
               <a:buSzPct val="120000"/>
+              <a:defRPr sz="4224" u="sng">
+                <a:latin typeface="Montserrat Regular"/>
+                <a:ea typeface="Montserrat Regular"/>
+                <a:cs typeface="Montserrat Regular"/>
+                <a:sym typeface="Montserrat Regular"/>
+              </a:defRPr>
+            </a:pPr>
+            <a:r>
+              <a:t>Seguire un utente</a:t>
+            </a:r>
+          </a:p>
+          <a:p>
+            <a:pPr marL="536447" indent="-536447" defTabSz="2145738">
+              <a:lnSpc>
+                <a:spcPct val="40000"/>
+              </a:lnSpc>
+              <a:spcBef>
+                <a:spcPts val="3900"/>
+              </a:spcBef>
+              <a:buSzPct val="120000"/>
               <a:defRPr sz="4224">
                 <a:latin typeface="Montserrat Regular"/>
                 <a:ea typeface="Montserrat Regular"/>
@@ -6068,7 +6088,7 @@
               </a:defRPr>
             </a:pPr>
             <a:r>
-              <a:t>Seguire un utente</a:t>
+              <a:t>Commentare / Mi piace post</a:t>
             </a:r>
           </a:p>
           <a:p>
@@ -6080,27 +6100,7 @@
                 <a:spcPts val="3900"/>
               </a:spcBef>
               <a:buSzPct val="120000"/>
-              <a:defRPr sz="4224" u="sng">
-                <a:latin typeface="Montserrat Regular"/>
-                <a:ea typeface="Montserrat Regular"/>
-                <a:cs typeface="Montserrat Regular"/>
-                <a:sym typeface="Montserrat Regular"/>
-              </a:defRPr>
-            </a:pPr>
-            <a:r>
-              <a:t>Commentare / Mi piace post</a:t>
-            </a:r>
-          </a:p>
-          <a:p>
-            <a:pPr marL="536447" indent="-536447" defTabSz="2145738">
-              <a:lnSpc>
-                <a:spcPct val="40000"/>
-              </a:lnSpc>
-              <a:spcBef>
-                <a:spcPts val="3900"/>
-              </a:spcBef>
-              <a:buSzPct val="120000"/>
-              <a:defRPr sz="4224" u="sng">
+              <a:defRPr sz="4224">
                 <a:latin typeface="Montserrat Regular"/>
                 <a:ea typeface="Montserrat Regular"/>
                 <a:cs typeface="Montserrat Regular"/>
@@ -6181,6 +6181,35 @@
           </a:p>
         </p:txBody>
       </p:sp>
+      <p:pic>
+        <p:nvPicPr>
+          <p:cNvPr id="184" name="profilo-utente-v1.png" descr="profilo-utente-v1.png"/>
+          <p:cNvPicPr>
+            <a:picLocks noChangeAspect="1"/>
+          </p:cNvPicPr>
+          <p:nvPr/>
+        </p:nvPicPr>
+        <p:blipFill>
+          <a:blip r:embed="rId2">
+            <a:extLst/>
+          </a:blip>
+          <a:stretch>
+            <a:fillRect/>
+          </a:stretch>
+        </p:blipFill>
+        <p:spPr>
+          <a:xfrm>
+            <a:off x="917364" y="3823497"/>
+            <a:ext cx="11001918" cy="9106026"/>
+          </a:xfrm>
+          <a:prstGeom prst="rect">
+            <a:avLst/>
+          </a:prstGeom>
+          <a:ln w="12700">
+            <a:miter lim="400000"/>
+          </a:ln>
+        </p:spPr>
+      </p:pic>
     </p:spTree>
   </p:cSld>
   <p:clrMapOvr>
@@ -6209,7 +6238,7 @@
       </p:grpSpPr>
       <p:pic>
         <p:nvPicPr>
-          <p:cNvPr id="185" name="Screenshot 2023-01-25 at 17.58.png" descr="Screenshot 2023-01-25 at 17.58.png"/>
+          <p:cNvPr id="186" name="Screenshot 2023-01-25 at 17.58.png" descr="Screenshot 2023-01-25 at 17.58.png"/>
           <p:cNvPicPr>
             <a:picLocks noChangeAspect="1"/>
           </p:cNvPicPr>
@@ -6238,7 +6267,7 @@
       </p:pic>
       <p:sp>
         <p:nvSpPr>
-          <p:cNvPr id="186" name="Requisiti"/>
+          <p:cNvPr id="187" name="Requisiti"/>
           <p:cNvSpPr txBox="1"/>
           <p:nvPr>
             <p:ph type="title"/>
@@ -6275,7 +6304,7 @@
       </p:sp>
       <p:sp>
         <p:nvSpPr>
-          <p:cNvPr id="187" name="Registrazione e Login…"/>
+          <p:cNvPr id="188" name="Registrazione e Login…"/>
           <p:cNvSpPr txBox="1"/>
           <p:nvPr>
             <p:ph type="body" sz="quarter" idx="1"/>
@@ -6362,6 +6391,26 @@
                 <a:spcPts val="3900"/>
               </a:spcBef>
               <a:buSzPct val="120000"/>
+              <a:defRPr sz="4224">
+                <a:latin typeface="Montserrat Regular"/>
+                <a:ea typeface="Montserrat Regular"/>
+                <a:cs typeface="Montserrat Regular"/>
+                <a:sym typeface="Montserrat Regular"/>
+              </a:defRPr>
+            </a:pPr>
+            <a:r>
+              <a:t>Seguire un utente</a:t>
+            </a:r>
+          </a:p>
+          <a:p>
+            <a:pPr marL="536447" indent="-536447" defTabSz="2145738">
+              <a:lnSpc>
+                <a:spcPct val="40000"/>
+              </a:lnSpc>
+              <a:spcBef>
+                <a:spcPts val="3900"/>
+              </a:spcBef>
+              <a:buSzPct val="120000"/>
               <a:defRPr sz="4224" u="sng">
                 <a:latin typeface="Montserrat Regular"/>
                 <a:ea typeface="Montserrat Regular"/>
@@ -6370,7 +6419,27 @@
               </a:defRPr>
             </a:pPr>
             <a:r>
-              <a:t>Seguire un utente</a:t>
+              <a:t>Commentare / Mi piace post</a:t>
+            </a:r>
+          </a:p>
+          <a:p>
+            <a:pPr marL="536447" indent="-536447" defTabSz="2145738">
+              <a:lnSpc>
+                <a:spcPct val="40000"/>
+              </a:lnSpc>
+              <a:spcBef>
+                <a:spcPts val="3900"/>
+              </a:spcBef>
+              <a:buSzPct val="120000"/>
+              <a:defRPr sz="4224" u="sng">
+                <a:latin typeface="Montserrat Regular"/>
+                <a:ea typeface="Montserrat Regular"/>
+                <a:cs typeface="Montserrat Regular"/>
+                <a:sym typeface="Montserrat Regular"/>
+              </a:defRPr>
+            </a:pPr>
+            <a:r>
+              <a:t>Partecipare ad un evento</a:t>
             </a:r>
           </a:p>
           <a:p>
@@ -6390,46 +6459,6 @@
               </a:defRPr>
             </a:pPr>
             <a:r>
-              <a:t>Commentare / Mi piace post</a:t>
-            </a:r>
-          </a:p>
-          <a:p>
-            <a:pPr marL="536447" indent="-536447" defTabSz="2145738">
-              <a:lnSpc>
-                <a:spcPct val="40000"/>
-              </a:lnSpc>
-              <a:spcBef>
-                <a:spcPts val="3900"/>
-              </a:spcBef>
-              <a:buSzPct val="120000"/>
-              <a:defRPr sz="4224">
-                <a:latin typeface="Montserrat Regular"/>
-                <a:ea typeface="Montserrat Regular"/>
-                <a:cs typeface="Montserrat Regular"/>
-                <a:sym typeface="Montserrat Regular"/>
-              </a:defRPr>
-            </a:pPr>
-            <a:r>
-              <a:t>Partecipare ad un evento</a:t>
-            </a:r>
-          </a:p>
-          <a:p>
-            <a:pPr marL="536447" indent="-536447" defTabSz="2145738">
-              <a:lnSpc>
-                <a:spcPct val="40000"/>
-              </a:lnSpc>
-              <a:spcBef>
-                <a:spcPts val="3900"/>
-              </a:spcBef>
-              <a:buSzPct val="120000"/>
-              <a:defRPr sz="4224">
-                <a:latin typeface="Montserrat Regular"/>
-                <a:ea typeface="Montserrat Regular"/>
-                <a:cs typeface="Montserrat Regular"/>
-                <a:sym typeface="Montserrat Regular"/>
-              </a:defRPr>
-            </a:pPr>
-            <a:r>
               <a:t>Utenti Suggeriti</a:t>
             </a:r>
           </a:p>
@@ -6437,7 +6466,7 @@
       </p:sp>
       <p:sp>
         <p:nvSpPr>
-          <p:cNvPr id="188" name="Essenziali"/>
+          <p:cNvPr id="189" name="Essenziali"/>
           <p:cNvSpPr txBox="1"/>
           <p:nvPr/>
         </p:nvSpPr>
@@ -6511,7 +6540,7 @@
       </p:grpSpPr>
       <p:sp>
         <p:nvSpPr>
-          <p:cNvPr id="190" name="Ux Prototyping"/>
+          <p:cNvPr id="191" name="Ux Prototyping"/>
           <p:cNvSpPr txBox="1"/>
           <p:nvPr>
             <p:ph type="title"/>
@@ -6548,7 +6577,7 @@
       </p:sp>
       <p:sp>
         <p:nvSpPr>
-          <p:cNvPr id="191" name="Dopo aver costruito i prototipi partendo dai mockup mostrati, è stato effettuato un test su un campione variegato di possibili utenti, compresi anche utenti con ridotte abilità informatico-digitali (e.g. persone in età adulta non confidenti con il mondo "/>
+          <p:cNvPr id="192" name="Dopo aver costruito i prototipi partendo dai mockup mostrati, è stato effettuato un test su un campione variegato di possibili utenti, compresi anche utenti con ridotte abilità informatico-digitali (e.g. persone in età adulta non confidenti con il mondo "/>
           <p:cNvSpPr txBox="1"/>
           <p:nvPr/>
         </p:nvSpPr>

--- a/docs/Presentazione-TW.pptx
+++ b/docs/Presentazione-TW.pptx
@@ -3859,6 +3859,9 @@
           <a:lstStyle>
             <a:lvl1pPr defTabSz="808990">
               <a:defRPr b="0" sz="3528">
+                <a:solidFill>
+                  <a:srgbClr val="3D3D3D"/>
+                </a:solidFill>
                 <a:latin typeface="Montserrat Thin Medium"/>
                 <a:ea typeface="Montserrat Thin Medium"/>
                 <a:cs typeface="Montserrat Thin Medium"/>
@@ -3892,6 +3895,9 @@
           <a:lstStyle>
             <a:lvl1pPr>
               <a:defRPr b="0">
+                <a:solidFill>
+                  <a:srgbClr val="3D3D3D"/>
+                </a:solidFill>
                 <a:latin typeface="Montserrat Regular"/>
                 <a:ea typeface="Montserrat Regular"/>
                 <a:cs typeface="Montserrat Regular"/>
@@ -3925,6 +3931,9 @@
           <a:lstStyle>
             <a:lvl1pPr>
               <a:defRPr b="0">
+                <a:solidFill>
+                  <a:srgbClr val="3D3D3D"/>
+                </a:solidFill>
                 <a:latin typeface="Montserrat Thin Medium"/>
                 <a:ea typeface="Montserrat Thin Medium"/>
                 <a:cs typeface="Montserrat Thin Medium"/>
@@ -3971,7 +3980,7 @@
             <a:lvl1pPr algn="r" defTabSz="817244">
               <a:defRPr sz="3564">
                 <a:solidFill>
-                  <a:srgbClr val="000000"/>
+                  <a:srgbClr val="3D3D3D"/>
                 </a:solidFill>
                 <a:latin typeface="Montserrat Thin Medium"/>
                 <a:ea typeface="Montserrat Thin Medium"/>
@@ -3985,6 +3994,45 @@
             <a:r>
               <a:t>Cesena, 30-01-2023</a:t>
             </a:r>
+          </a:p>
+        </p:txBody>
+      </p:sp>
+      <p:sp>
+        <p:nvSpPr>
+          <p:cNvPr id="155" name="Rectangle"/>
+          <p:cNvSpPr/>
+          <p:nvPr/>
+        </p:nvSpPr>
+        <p:spPr>
+          <a:xfrm>
+            <a:off x="-282179" y="-651934"/>
+            <a:ext cx="24948358" cy="1270001"/>
+          </a:xfrm>
+          <a:prstGeom prst="rect">
+            <a:avLst/>
+          </a:prstGeom>
+          <a:solidFill>
+            <a:srgbClr val="5E5E5E"/>
+          </a:solidFill>
+          <a:ln w="12700">
+            <a:miter lim="400000"/>
+          </a:ln>
+        </p:spPr>
+        <p:txBody>
+          <a:bodyPr lIns="50800" tIns="50800" rIns="50800" bIns="50800" anchor="ctr"/>
+          <a:lstStyle/>
+          <a:p>
+            <a:pPr defTabSz="825500">
+              <a:defRPr sz="3200">
+                <a:solidFill>
+                  <a:srgbClr val="FFFFFF"/>
+                </a:solidFill>
+                <a:latin typeface="Helvetica Neue Medium"/>
+                <a:ea typeface="Helvetica Neue Medium"/>
+                <a:cs typeface="Helvetica Neue Medium"/>
+                <a:sym typeface="Helvetica Neue Medium"/>
+              </a:defRPr>
+            </a:pPr>
           </a:p>
         </p:txBody>
       </p:sp>
@@ -4016,7 +4064,7 @@
       </p:grpSpPr>
       <p:sp>
         <p:nvSpPr>
-          <p:cNvPr id="194" name="Focus Group"/>
+          <p:cNvPr id="219" name="Focus Group"/>
           <p:cNvSpPr txBox="1"/>
           <p:nvPr>
             <p:ph type="title"/>
@@ -4036,6 +4084,9 @@
           <a:lstStyle>
             <a:lvl1pPr>
               <a:defRPr b="0" u="sng">
+                <a:solidFill>
+                  <a:srgbClr val="3D3D3D"/>
+                </a:solidFill>
                 <a:latin typeface="Montserrat Thin SemiBold"/>
                 <a:ea typeface="Montserrat Thin SemiBold"/>
                 <a:cs typeface="Montserrat Thin SemiBold"/>
@@ -4053,7 +4104,7 @@
       </p:sp>
       <p:sp>
         <p:nvSpPr>
-          <p:cNvPr id="195" name="A seguito dei riscontri ottenuti della UX Prototyping, è stata  effettuata una sessione di Focus Group, dalla quale sono state proposte e valutate varie modifiche:…"/>
+          <p:cNvPr id="220" name="A seguito dei riscontri ottenuti della UX Prototyping, è stata  effettuata una sessione di Focus Group, dalla quale sono state proposte e valutate varie modifiche:…"/>
           <p:cNvSpPr txBox="1"/>
           <p:nvPr/>
         </p:nvSpPr>
@@ -4089,7 +4140,7 @@
               </a:spcBef>
               <a:defRPr sz="4800">
                 <a:solidFill>
-                  <a:srgbClr val="000000"/>
+                  <a:srgbClr val="3D3D3D"/>
                 </a:solidFill>
                 <a:latin typeface="Montserrat Regular"/>
                 <a:ea typeface="Montserrat Regular"/>
@@ -4098,7 +4149,19 @@
               </a:defRPr>
             </a:pPr>
             <a:r>
-              <a:t>A seguito dei riscontri ottenuti della UX Prototyping, è stata  effettuata una sessione di Focus Group, dalla quale sono state proposte e valutate varie modifiche:</a:t>
+              <a:t>A seguito dei riscontri ottenuti della UX Prototyping, è stata  effettuata una sessione di </a:t>
+            </a:r>
+            <a:r>
+              <a:rPr>
+                <a:latin typeface="Montserrat Thin Medium"/>
+                <a:ea typeface="Montserrat Thin Medium"/>
+                <a:cs typeface="Montserrat Thin Medium"/>
+                <a:sym typeface="Montserrat Thin Medium"/>
+              </a:rPr>
+              <a:t>Focus Group</a:t>
+            </a:r>
+            <a:r>
+              <a:t>, dalla quale sono state proposte e valutate varie modifiche:</a:t>
             </a:r>
           </a:p>
           <a:p>
@@ -4113,7 +4176,7 @@
               <a:buChar char="•"/>
               <a:defRPr sz="4800">
                 <a:solidFill>
-                  <a:srgbClr val="000000"/>
+                  <a:srgbClr val="3D3D3D"/>
                 </a:solidFill>
                 <a:latin typeface="Montserrat Regular"/>
                 <a:ea typeface="Montserrat Regular"/>
@@ -4137,7 +4200,7 @@
               <a:buChar char="•"/>
               <a:defRPr sz="4800">
                 <a:solidFill>
-                  <a:srgbClr val="000000"/>
+                  <a:srgbClr val="3D3D3D"/>
                 </a:solidFill>
                 <a:latin typeface="Montserrat Regular"/>
                 <a:ea typeface="Montserrat Regular"/>
@@ -4146,7 +4209,19 @@
               </a:defRPr>
             </a:pPr>
             <a:r>
-              <a:t>Visualizzare un calendario con gli eventi</a:t>
+              <a:t>Visualizzare un </a:t>
+            </a:r>
+            <a:r>
+              <a:rPr>
+                <a:latin typeface="Montserrat Thin Medium"/>
+                <a:ea typeface="Montserrat Thin Medium"/>
+                <a:cs typeface="Montserrat Thin Medium"/>
+                <a:sym typeface="Montserrat Thin Medium"/>
+              </a:rPr>
+              <a:t>calendario</a:t>
+            </a:r>
+            <a:r>
+              <a:t> con gli eventi</a:t>
             </a:r>
           </a:p>
           <a:p>
@@ -4161,7 +4236,7 @@
               <a:buChar char="•"/>
               <a:defRPr sz="4800">
                 <a:solidFill>
-                  <a:srgbClr val="000000"/>
+                  <a:srgbClr val="3D3D3D"/>
                 </a:solidFill>
                 <a:latin typeface="Montserrat Regular"/>
                 <a:ea typeface="Montserrat Regular"/>
@@ -4170,7 +4245,19 @@
               </a:defRPr>
             </a:pPr>
             <a:r>
-              <a:t>Aggiunta localizzazione degli eventi</a:t>
+              <a:t>Aggiunta </a:t>
+            </a:r>
+            <a:r>
+              <a:rPr>
+                <a:latin typeface="Montserrat Thin Medium"/>
+                <a:ea typeface="Montserrat Thin Medium"/>
+                <a:cs typeface="Montserrat Thin Medium"/>
+                <a:sym typeface="Montserrat Thin Medium"/>
+              </a:rPr>
+              <a:t>localizzazione</a:t>
+            </a:r>
+            <a:r>
+              <a:t> degli eventi</a:t>
             </a:r>
           </a:p>
           <a:p>
@@ -4185,7 +4272,7 @@
               <a:buChar char="•"/>
               <a:defRPr sz="4800">
                 <a:solidFill>
-                  <a:srgbClr val="000000"/>
+                  <a:srgbClr val="3D3D3D"/>
                 </a:solidFill>
                 <a:latin typeface="Montserrat Regular"/>
                 <a:ea typeface="Montserrat Regular"/>
@@ -4194,7 +4281,19 @@
               </a:defRPr>
             </a:pPr>
             <a:r>
-              <a:t>Visualizzazione di una mappa degli eventi</a:t>
+              <a:t>Visualizzazione di una </a:t>
+            </a:r>
+            <a:r>
+              <a:rPr>
+                <a:latin typeface="Montserrat Thin Medium"/>
+                <a:ea typeface="Montserrat Thin Medium"/>
+                <a:cs typeface="Montserrat Thin Medium"/>
+                <a:sym typeface="Montserrat Thin Medium"/>
+              </a:rPr>
+              <a:t>mappa</a:t>
+            </a:r>
+            <a:r>
+              <a:t> degli eventi</a:t>
             </a:r>
           </a:p>
           <a:p>
@@ -4209,6 +4308,440 @@
               <a:buChar char="•"/>
               <a:defRPr sz="4800">
                 <a:solidFill>
+                  <a:srgbClr val="3D3D3D"/>
+                </a:solidFill>
+                <a:latin typeface="Montserrat Regular"/>
+                <a:ea typeface="Montserrat Regular"/>
+                <a:cs typeface="Montserrat Regular"/>
+                <a:sym typeface="Montserrat Regular"/>
+              </a:defRPr>
+            </a:pPr>
+            <a:r>
+              <a:t>Aggiunta di </a:t>
+            </a:r>
+            <a:r>
+              <a:rPr>
+                <a:latin typeface="Montserrat Thin Medium"/>
+                <a:ea typeface="Montserrat Thin Medium"/>
+                <a:cs typeface="Montserrat Thin Medium"/>
+                <a:sym typeface="Montserrat Thin Medium"/>
+              </a:rPr>
+              <a:t>notifiche in tempo reale</a:t>
+            </a:r>
+          </a:p>
+        </p:txBody>
+      </p:sp>
+      <p:sp>
+        <p:nvSpPr>
+          <p:cNvPr id="221" name="Rectangle"/>
+          <p:cNvSpPr/>
+          <p:nvPr/>
+        </p:nvSpPr>
+        <p:spPr>
+          <a:xfrm>
+            <a:off x="-282179" y="-651934"/>
+            <a:ext cx="24948358" cy="1270001"/>
+          </a:xfrm>
+          <a:prstGeom prst="rect">
+            <a:avLst/>
+          </a:prstGeom>
+          <a:solidFill>
+            <a:srgbClr val="5E5E5E"/>
+          </a:solidFill>
+          <a:ln w="12700">
+            <a:miter lim="400000"/>
+          </a:ln>
+        </p:spPr>
+        <p:txBody>
+          <a:bodyPr lIns="50800" tIns="50800" rIns="50800" bIns="50800" anchor="ctr"/>
+          <a:lstStyle/>
+          <a:p>
+            <a:pPr defTabSz="825500">
+              <a:defRPr sz="3200">
+                <a:solidFill>
+                  <a:srgbClr val="FFFFFF"/>
+                </a:solidFill>
+                <a:latin typeface="Helvetica Neue Medium"/>
+                <a:ea typeface="Helvetica Neue Medium"/>
+                <a:cs typeface="Helvetica Neue Medium"/>
+                <a:sym typeface="Helvetica Neue Medium"/>
+              </a:defRPr>
+            </a:pPr>
+          </a:p>
+        </p:txBody>
+      </p:sp>
+      <p:sp>
+        <p:nvSpPr>
+          <p:cNvPr id="222" name="Ornament 16"/>
+          <p:cNvSpPr/>
+          <p:nvPr/>
+        </p:nvSpPr>
+        <p:spPr>
+          <a:xfrm>
+            <a:off x="11497122" y="13203921"/>
+            <a:ext cx="1389757" cy="148386"/>
+          </a:xfrm>
+          <a:custGeom>
+            <a:avLst/>
+            <a:gdLst/>
+            <a:ahLst/>
+            <a:cxnLst>
+              <a:cxn ang="0">
+                <a:pos x="wd2" y="hd2"/>
+              </a:cxn>
+              <a:cxn ang="5400000">
+                <a:pos x="wd2" y="hd2"/>
+              </a:cxn>
+              <a:cxn ang="10800000">
+                <a:pos x="wd2" y="hd2"/>
+              </a:cxn>
+              <a:cxn ang="16200000">
+                <a:pos x="wd2" y="hd2"/>
+              </a:cxn>
+            </a:cxnLst>
+            <a:rect l="0" t="0" r="r" b="b"/>
+            <a:pathLst>
+              <a:path w="21600" h="16007" fill="norm" stroke="1" extrusionOk="0">
+                <a:moveTo>
+                  <a:pt x="9472" y="21"/>
+                </a:moveTo>
+                <a:cubicBezTo>
+                  <a:pt x="9223" y="53"/>
+                  <a:pt x="8975" y="641"/>
+                  <a:pt x="8772" y="1801"/>
+                </a:cubicBezTo>
+                <a:cubicBezTo>
+                  <a:pt x="8137" y="-1445"/>
+                  <a:pt x="7234" y="1021"/>
+                  <a:pt x="7074" y="6181"/>
+                </a:cubicBezTo>
+                <a:cubicBezTo>
+                  <a:pt x="7070" y="6301"/>
+                  <a:pt x="7067" y="6425"/>
+                  <a:pt x="7064" y="6545"/>
+                </a:cubicBezTo>
+                <a:cubicBezTo>
+                  <a:pt x="3830" y="6672"/>
+                  <a:pt x="1931" y="6955"/>
+                  <a:pt x="24" y="7259"/>
+                </a:cubicBezTo>
+                <a:cubicBezTo>
+                  <a:pt x="10" y="7263"/>
+                  <a:pt x="0" y="7349"/>
+                  <a:pt x="0" y="7446"/>
+                </a:cubicBezTo>
+                <a:lnTo>
+                  <a:pt x="0" y="8477"/>
+                </a:lnTo>
+                <a:cubicBezTo>
+                  <a:pt x="0" y="8574"/>
+                  <a:pt x="10" y="8649"/>
+                  <a:pt x="24" y="8653"/>
+                </a:cubicBezTo>
+                <a:cubicBezTo>
+                  <a:pt x="2070" y="8979"/>
+                  <a:pt x="3801" y="9240"/>
+                  <a:pt x="7072" y="9367"/>
+                </a:cubicBezTo>
+                <a:cubicBezTo>
+                  <a:pt x="7243" y="14966"/>
+                  <a:pt x="8249" y="17172"/>
+                  <a:pt x="8848" y="13068"/>
+                </a:cubicBezTo>
+                <a:cubicBezTo>
+                  <a:pt x="9572" y="8106"/>
+                  <a:pt x="9322" y="9816"/>
+                  <a:pt x="9376" y="9449"/>
+                </a:cubicBezTo>
+                <a:cubicBezTo>
+                  <a:pt x="9794" y="12417"/>
+                  <a:pt x="10494" y="19166"/>
+                  <a:pt x="11426" y="14286"/>
+                </a:cubicBezTo>
+                <a:cubicBezTo>
+                  <a:pt x="11850" y="16535"/>
+                  <a:pt x="12432" y="16401"/>
+                  <a:pt x="12832" y="14134"/>
+                </a:cubicBezTo>
+                <a:cubicBezTo>
+                  <a:pt x="13467" y="17338"/>
+                  <a:pt x="14364" y="14891"/>
+                  <a:pt x="14524" y="9730"/>
+                </a:cubicBezTo>
+                <a:cubicBezTo>
+                  <a:pt x="14528" y="9610"/>
+                  <a:pt x="14531" y="9487"/>
+                  <a:pt x="14534" y="9367"/>
+                </a:cubicBezTo>
+                <a:cubicBezTo>
+                  <a:pt x="17341" y="9258"/>
+                  <a:pt x="19089" y="9035"/>
+                  <a:pt x="21575" y="8641"/>
+                </a:cubicBezTo>
+                <a:cubicBezTo>
+                  <a:pt x="21589" y="8637"/>
+                  <a:pt x="21600" y="8563"/>
+                  <a:pt x="21600" y="8465"/>
+                </a:cubicBezTo>
+                <a:lnTo>
+                  <a:pt x="21600" y="7435"/>
+                </a:lnTo>
+                <a:cubicBezTo>
+                  <a:pt x="21600" y="7337"/>
+                  <a:pt x="21590" y="7263"/>
+                  <a:pt x="21576" y="7259"/>
+                </a:cubicBezTo>
+                <a:cubicBezTo>
+                  <a:pt x="21279" y="7214"/>
+                  <a:pt x="18303" y="6694"/>
+                  <a:pt x="14528" y="6545"/>
+                </a:cubicBezTo>
+                <a:cubicBezTo>
+                  <a:pt x="14357" y="934"/>
+                  <a:pt x="13349" y="-1260"/>
+                  <a:pt x="12751" y="2843"/>
+                </a:cubicBezTo>
+                <a:cubicBezTo>
+                  <a:pt x="12026" y="7806"/>
+                  <a:pt x="12277" y="6095"/>
+                  <a:pt x="12223" y="6463"/>
+                </a:cubicBezTo>
+                <a:cubicBezTo>
+                  <a:pt x="12091" y="5529"/>
+                  <a:pt x="11785" y="3355"/>
+                  <a:pt x="11654" y="2422"/>
+                </a:cubicBezTo>
+                <a:cubicBezTo>
+                  <a:pt x="11648" y="2407"/>
+                  <a:pt x="10958" y="-2434"/>
+                  <a:pt x="10177" y="1614"/>
+                </a:cubicBezTo>
+                <a:cubicBezTo>
+                  <a:pt x="9969" y="521"/>
+                  <a:pt x="9721" y="-11"/>
+                  <a:pt x="9472" y="21"/>
+                </a:cubicBezTo>
+                <a:close/>
+                <a:moveTo>
+                  <a:pt x="13483" y="2586"/>
+                </a:moveTo>
+                <a:cubicBezTo>
+                  <a:pt x="13809" y="2629"/>
+                  <a:pt x="14122" y="4076"/>
+                  <a:pt x="14222" y="6545"/>
+                </a:cubicBezTo>
+                <a:cubicBezTo>
+                  <a:pt x="12283" y="6470"/>
+                  <a:pt x="14951" y="6558"/>
+                  <a:pt x="12558" y="6498"/>
+                </a:cubicBezTo>
+                <a:cubicBezTo>
+                  <a:pt x="12563" y="6456"/>
+                  <a:pt x="12951" y="3936"/>
+                  <a:pt x="12926" y="4097"/>
+                </a:cubicBezTo>
+                <a:cubicBezTo>
+                  <a:pt x="13088" y="3040"/>
+                  <a:pt x="13287" y="2560"/>
+                  <a:pt x="13483" y="2586"/>
+                </a:cubicBezTo>
+                <a:close/>
+                <a:moveTo>
+                  <a:pt x="8117" y="2691"/>
+                </a:moveTo>
+                <a:cubicBezTo>
+                  <a:pt x="8311" y="2707"/>
+                  <a:pt x="8507" y="3237"/>
+                  <a:pt x="8659" y="4354"/>
+                </a:cubicBezTo>
+                <a:cubicBezTo>
+                  <a:pt x="8665" y="4403"/>
+                  <a:pt x="8971" y="6573"/>
+                  <a:pt x="8961" y="6498"/>
+                </a:cubicBezTo>
+                <a:cubicBezTo>
+                  <a:pt x="7707" y="6531"/>
+                  <a:pt x="9154" y="6465"/>
+                  <a:pt x="7379" y="6533"/>
+                </a:cubicBezTo>
+                <a:cubicBezTo>
+                  <a:pt x="7476" y="4057"/>
+                  <a:pt x="7793" y="2666"/>
+                  <a:pt x="8117" y="2691"/>
+                </a:cubicBezTo>
+                <a:close/>
+                <a:moveTo>
+                  <a:pt x="9529" y="2961"/>
+                </a:moveTo>
+                <a:cubicBezTo>
+                  <a:pt x="9927" y="3168"/>
+                  <a:pt x="10207" y="6148"/>
+                  <a:pt x="10284" y="6474"/>
+                </a:cubicBezTo>
+                <a:lnTo>
+                  <a:pt x="9480" y="6486"/>
+                </a:lnTo>
+                <a:lnTo>
+                  <a:pt x="9096" y="3874"/>
+                </a:lnTo>
+                <a:cubicBezTo>
+                  <a:pt x="9251" y="3127"/>
+                  <a:pt x="9397" y="2891"/>
+                  <a:pt x="9529" y="2961"/>
+                </a:cubicBezTo>
+                <a:close/>
+                <a:moveTo>
+                  <a:pt x="10947" y="3019"/>
+                </a:moveTo>
+                <a:cubicBezTo>
+                  <a:pt x="11376" y="3474"/>
+                  <a:pt x="11709" y="6643"/>
+                  <a:pt x="11684" y="6474"/>
+                </a:cubicBezTo>
+                <a:lnTo>
+                  <a:pt x="10895" y="6463"/>
+                </a:lnTo>
+                <a:lnTo>
+                  <a:pt x="10496" y="3698"/>
+                </a:lnTo>
+                <a:cubicBezTo>
+                  <a:pt x="10651" y="3023"/>
+                  <a:pt x="10804" y="2868"/>
+                  <a:pt x="10947" y="3019"/>
+                </a:cubicBezTo>
+                <a:close/>
+                <a:moveTo>
+                  <a:pt x="7378" y="9391"/>
+                </a:moveTo>
+                <a:cubicBezTo>
+                  <a:pt x="8968" y="9454"/>
+                  <a:pt x="8228" y="9407"/>
+                  <a:pt x="9042" y="9426"/>
+                </a:cubicBezTo>
+                <a:cubicBezTo>
+                  <a:pt x="9036" y="9463"/>
+                  <a:pt x="8651" y="11988"/>
+                  <a:pt x="8675" y="11827"/>
+                </a:cubicBezTo>
+                <a:cubicBezTo>
+                  <a:pt x="8236" y="14694"/>
+                  <a:pt x="7535" y="13281"/>
+                  <a:pt x="7378" y="9391"/>
+                </a:cubicBezTo>
+                <a:close/>
+                <a:moveTo>
+                  <a:pt x="14221" y="9391"/>
+                </a:moveTo>
+                <a:cubicBezTo>
+                  <a:pt x="14146" y="11306"/>
+                  <a:pt x="13905" y="12840"/>
+                  <a:pt x="13627" y="13162"/>
+                </a:cubicBezTo>
+                <a:cubicBezTo>
+                  <a:pt x="13149" y="13687"/>
+                  <a:pt x="12952" y="11633"/>
+                  <a:pt x="12639" y="9426"/>
+                </a:cubicBezTo>
+                <a:cubicBezTo>
+                  <a:pt x="13881" y="9392"/>
+                  <a:pt x="12452" y="9462"/>
+                  <a:pt x="14221" y="9391"/>
+                </a:cubicBezTo>
+                <a:close/>
+                <a:moveTo>
+                  <a:pt x="12120" y="9437"/>
+                </a:moveTo>
+                <a:lnTo>
+                  <a:pt x="12509" y="12073"/>
+                </a:lnTo>
+                <a:cubicBezTo>
+                  <a:pt x="11887" y="14996"/>
+                  <a:pt x="11427" y="9888"/>
+                  <a:pt x="11325" y="9449"/>
+                </a:cubicBezTo>
+                <a:lnTo>
+                  <a:pt x="12120" y="9437"/>
+                </a:lnTo>
+                <a:close/>
+                <a:moveTo>
+                  <a:pt x="9917" y="9449"/>
+                </a:moveTo>
+                <a:lnTo>
+                  <a:pt x="10714" y="9461"/>
+                </a:lnTo>
+                <a:lnTo>
+                  <a:pt x="11111" y="12201"/>
+                </a:lnTo>
+                <a:cubicBezTo>
+                  <a:pt x="10633" y="14338"/>
+                  <a:pt x="10233" y="11576"/>
+                  <a:pt x="10228" y="11557"/>
+                </a:cubicBezTo>
+                <a:cubicBezTo>
+                  <a:pt x="10221" y="11516"/>
+                  <a:pt x="9907" y="9382"/>
+                  <a:pt x="9917" y="9449"/>
+                </a:cubicBezTo>
+                <a:close/>
+              </a:path>
+            </a:pathLst>
+          </a:custGeom>
+          <a:solidFill>
+            <a:srgbClr val="000000"/>
+          </a:solidFill>
+          <a:ln w="12700">
+            <a:miter lim="400000"/>
+          </a:ln>
+        </p:spPr>
+        <p:txBody>
+          <a:bodyPr lIns="50800" tIns="50800" rIns="50800" bIns="50800" anchor="ctr"/>
+          <a:lstStyle/>
+          <a:p>
+            <a:pPr defTabSz="825500">
+              <a:defRPr sz="3200">
+                <a:solidFill>
+                  <a:srgbClr val="FFFFFF"/>
+                </a:solidFill>
+                <a:latin typeface="Helvetica Neue Medium"/>
+                <a:ea typeface="Helvetica Neue Medium"/>
+                <a:cs typeface="Helvetica Neue Medium"/>
+                <a:sym typeface="Helvetica Neue Medium"/>
+              </a:defRPr>
+            </a:pPr>
+          </a:p>
+        </p:txBody>
+      </p:sp>
+      <p:sp>
+        <p:nvSpPr>
+          <p:cNvPr id="223" name="9"/>
+          <p:cNvSpPr txBox="1"/>
+          <p:nvPr/>
+        </p:nvSpPr>
+        <p:spPr>
+          <a:xfrm>
+            <a:off x="12042038" y="12778316"/>
+            <a:ext cx="299924" cy="469901"/>
+          </a:xfrm>
+          <a:prstGeom prst="rect">
+            <a:avLst/>
+          </a:prstGeom>
+          <a:ln w="12700">
+            <a:miter lim="400000"/>
+          </a:ln>
+          <a:extLst>
+            <a:ext uri="{C572A759-6A51-4108-AA02-DFA0A04FC94B}">
+              <ma14:wrappingTextBoxFlag xmlns:ma14="http://schemas.microsoft.com/office/mac/drawingml/2011/main" val="1"/>
+            </a:ext>
+          </a:extLst>
+        </p:spPr>
+        <p:txBody>
+          <a:bodyPr wrap="none" lIns="50800" tIns="50800" rIns="50800" bIns="50800" anchor="ctr">
+            <a:spAutoFit/>
+          </a:bodyPr>
+          <a:lstStyle>
+            <a:lvl1pPr>
+              <a:defRPr>
+                <a:solidFill>
                   <a:srgbClr val="000000"/>
                 </a:solidFill>
                 <a:latin typeface="Montserrat Regular"/>
@@ -4216,9 +4749,12 @@
                 <a:cs typeface="Montserrat Regular"/>
                 <a:sym typeface="Montserrat Regular"/>
               </a:defRPr>
-            </a:pPr>
-            <a:r>
-              <a:t>Aggiunta di notifiche in tempo reale</a:t>
+            </a:lvl1pPr>
+          </a:lstStyle>
+          <a:p>
+            <a:pPr/>
+            <a:r>
+              <a:t>9</a:t>
             </a:r>
           </a:p>
         </p:txBody>
@@ -4251,7 +4787,7 @@
       </p:grpSpPr>
       <p:sp>
         <p:nvSpPr>
-          <p:cNvPr id="197" name="Implementazione"/>
+          <p:cNvPr id="225" name="Implementazione"/>
           <p:cNvSpPr txBox="1"/>
           <p:nvPr>
             <p:ph type="title"/>
@@ -4271,6 +4807,9 @@
           <a:lstStyle>
             <a:lvl1pPr>
               <a:defRPr b="0" u="sng">
+                <a:solidFill>
+                  <a:srgbClr val="3D3D3D"/>
+                </a:solidFill>
                 <a:latin typeface="Montserrat Thin SemiBold"/>
                 <a:ea typeface="Montserrat Thin SemiBold"/>
                 <a:cs typeface="Montserrat Thin SemiBold"/>
@@ -4288,7 +4827,7 @@
       </p:sp>
       <p:sp>
         <p:nvSpPr>
-          <p:cNvPr id="198" name="Dopo le fasi preliminari e i risultati ottenuti dalle operazioni precedenti, è stata costruita una solida base per l’inizio della costruzione del software finale, la quale ha integrato tutti i requisiti fondamentali richiesti, aggiungendo inoltre le prop"/>
+          <p:cNvPr id="226" name="Dopo le fasi preliminari e i risultati ottenuti dalle operazioni precedenti, è stata costruita una solida base per l’inizio della costruzione del software finale, la quale ha integrato tutti i requisiti fondamentali richiesti, aggiungendo inoltre le prop"/>
           <p:cNvSpPr txBox="1"/>
           <p:nvPr/>
         </p:nvSpPr>
@@ -4323,6 +4862,434 @@
               </a:spcBef>
               <a:defRPr sz="4800">
                 <a:solidFill>
+                  <a:srgbClr val="3D3D3D"/>
+                </a:solidFill>
+                <a:latin typeface="Montserrat Regular"/>
+                <a:ea typeface="Montserrat Regular"/>
+                <a:cs typeface="Montserrat Regular"/>
+                <a:sym typeface="Montserrat Regular"/>
+              </a:defRPr>
+            </a:lvl1pPr>
+          </a:lstStyle>
+          <a:p>
+            <a:pPr/>
+            <a:r>
+              <a:t>Dopo le fasi preliminari e i risultati ottenuti dalle operazioni precedenti, è stata costruita una solida base per l’inizio della costruzione del software finale, la quale ha integrato tutti i requisiti fondamentali richiesti, aggiungendo inoltre le proposte che sono risultate più adeguate durante la fase di Focus Group.</a:t>
+            </a:r>
+          </a:p>
+        </p:txBody>
+      </p:sp>
+      <p:sp>
+        <p:nvSpPr>
+          <p:cNvPr id="227" name="Rectangle"/>
+          <p:cNvSpPr/>
+          <p:nvPr/>
+        </p:nvSpPr>
+        <p:spPr>
+          <a:xfrm>
+            <a:off x="-282179" y="-651934"/>
+            <a:ext cx="24948358" cy="1270001"/>
+          </a:xfrm>
+          <a:prstGeom prst="rect">
+            <a:avLst/>
+          </a:prstGeom>
+          <a:solidFill>
+            <a:srgbClr val="5E5E5E"/>
+          </a:solidFill>
+          <a:ln w="12700">
+            <a:miter lim="400000"/>
+          </a:ln>
+        </p:spPr>
+        <p:txBody>
+          <a:bodyPr lIns="50800" tIns="50800" rIns="50800" bIns="50800" anchor="ctr"/>
+          <a:lstStyle/>
+          <a:p>
+            <a:pPr defTabSz="825500">
+              <a:defRPr sz="3200">
+                <a:solidFill>
+                  <a:srgbClr val="FFFFFF"/>
+                </a:solidFill>
+                <a:latin typeface="Helvetica Neue Medium"/>
+                <a:ea typeface="Helvetica Neue Medium"/>
+                <a:cs typeface="Helvetica Neue Medium"/>
+                <a:sym typeface="Helvetica Neue Medium"/>
+              </a:defRPr>
+            </a:pPr>
+          </a:p>
+        </p:txBody>
+      </p:sp>
+      <p:sp>
+        <p:nvSpPr>
+          <p:cNvPr id="228" name="Ornament 16"/>
+          <p:cNvSpPr/>
+          <p:nvPr/>
+        </p:nvSpPr>
+        <p:spPr>
+          <a:xfrm>
+            <a:off x="11497122" y="13203921"/>
+            <a:ext cx="1389757" cy="148386"/>
+          </a:xfrm>
+          <a:custGeom>
+            <a:avLst/>
+            <a:gdLst/>
+            <a:ahLst/>
+            <a:cxnLst>
+              <a:cxn ang="0">
+                <a:pos x="wd2" y="hd2"/>
+              </a:cxn>
+              <a:cxn ang="5400000">
+                <a:pos x="wd2" y="hd2"/>
+              </a:cxn>
+              <a:cxn ang="10800000">
+                <a:pos x="wd2" y="hd2"/>
+              </a:cxn>
+              <a:cxn ang="16200000">
+                <a:pos x="wd2" y="hd2"/>
+              </a:cxn>
+            </a:cxnLst>
+            <a:rect l="0" t="0" r="r" b="b"/>
+            <a:pathLst>
+              <a:path w="21600" h="16007" fill="norm" stroke="1" extrusionOk="0">
+                <a:moveTo>
+                  <a:pt x="9472" y="21"/>
+                </a:moveTo>
+                <a:cubicBezTo>
+                  <a:pt x="9223" y="53"/>
+                  <a:pt x="8975" y="641"/>
+                  <a:pt x="8772" y="1801"/>
+                </a:cubicBezTo>
+                <a:cubicBezTo>
+                  <a:pt x="8137" y="-1445"/>
+                  <a:pt x="7234" y="1021"/>
+                  <a:pt x="7074" y="6181"/>
+                </a:cubicBezTo>
+                <a:cubicBezTo>
+                  <a:pt x="7070" y="6301"/>
+                  <a:pt x="7067" y="6425"/>
+                  <a:pt x="7064" y="6545"/>
+                </a:cubicBezTo>
+                <a:cubicBezTo>
+                  <a:pt x="3830" y="6672"/>
+                  <a:pt x="1931" y="6955"/>
+                  <a:pt x="24" y="7259"/>
+                </a:cubicBezTo>
+                <a:cubicBezTo>
+                  <a:pt x="10" y="7263"/>
+                  <a:pt x="0" y="7349"/>
+                  <a:pt x="0" y="7446"/>
+                </a:cubicBezTo>
+                <a:lnTo>
+                  <a:pt x="0" y="8477"/>
+                </a:lnTo>
+                <a:cubicBezTo>
+                  <a:pt x="0" y="8574"/>
+                  <a:pt x="10" y="8649"/>
+                  <a:pt x="24" y="8653"/>
+                </a:cubicBezTo>
+                <a:cubicBezTo>
+                  <a:pt x="2070" y="8979"/>
+                  <a:pt x="3801" y="9240"/>
+                  <a:pt x="7072" y="9367"/>
+                </a:cubicBezTo>
+                <a:cubicBezTo>
+                  <a:pt x="7243" y="14966"/>
+                  <a:pt x="8249" y="17172"/>
+                  <a:pt x="8848" y="13068"/>
+                </a:cubicBezTo>
+                <a:cubicBezTo>
+                  <a:pt x="9572" y="8106"/>
+                  <a:pt x="9322" y="9816"/>
+                  <a:pt x="9376" y="9449"/>
+                </a:cubicBezTo>
+                <a:cubicBezTo>
+                  <a:pt x="9794" y="12417"/>
+                  <a:pt x="10494" y="19166"/>
+                  <a:pt x="11426" y="14286"/>
+                </a:cubicBezTo>
+                <a:cubicBezTo>
+                  <a:pt x="11850" y="16535"/>
+                  <a:pt x="12432" y="16401"/>
+                  <a:pt x="12832" y="14134"/>
+                </a:cubicBezTo>
+                <a:cubicBezTo>
+                  <a:pt x="13467" y="17338"/>
+                  <a:pt x="14364" y="14891"/>
+                  <a:pt x="14524" y="9730"/>
+                </a:cubicBezTo>
+                <a:cubicBezTo>
+                  <a:pt x="14528" y="9610"/>
+                  <a:pt x="14531" y="9487"/>
+                  <a:pt x="14534" y="9367"/>
+                </a:cubicBezTo>
+                <a:cubicBezTo>
+                  <a:pt x="17341" y="9258"/>
+                  <a:pt x="19089" y="9035"/>
+                  <a:pt x="21575" y="8641"/>
+                </a:cubicBezTo>
+                <a:cubicBezTo>
+                  <a:pt x="21589" y="8637"/>
+                  <a:pt x="21600" y="8563"/>
+                  <a:pt x="21600" y="8465"/>
+                </a:cubicBezTo>
+                <a:lnTo>
+                  <a:pt x="21600" y="7435"/>
+                </a:lnTo>
+                <a:cubicBezTo>
+                  <a:pt x="21600" y="7337"/>
+                  <a:pt x="21590" y="7263"/>
+                  <a:pt x="21576" y="7259"/>
+                </a:cubicBezTo>
+                <a:cubicBezTo>
+                  <a:pt x="21279" y="7214"/>
+                  <a:pt x="18303" y="6694"/>
+                  <a:pt x="14528" y="6545"/>
+                </a:cubicBezTo>
+                <a:cubicBezTo>
+                  <a:pt x="14357" y="934"/>
+                  <a:pt x="13349" y="-1260"/>
+                  <a:pt x="12751" y="2843"/>
+                </a:cubicBezTo>
+                <a:cubicBezTo>
+                  <a:pt x="12026" y="7806"/>
+                  <a:pt x="12277" y="6095"/>
+                  <a:pt x="12223" y="6463"/>
+                </a:cubicBezTo>
+                <a:cubicBezTo>
+                  <a:pt x="12091" y="5529"/>
+                  <a:pt x="11785" y="3355"/>
+                  <a:pt x="11654" y="2422"/>
+                </a:cubicBezTo>
+                <a:cubicBezTo>
+                  <a:pt x="11648" y="2407"/>
+                  <a:pt x="10958" y="-2434"/>
+                  <a:pt x="10177" y="1614"/>
+                </a:cubicBezTo>
+                <a:cubicBezTo>
+                  <a:pt x="9969" y="521"/>
+                  <a:pt x="9721" y="-11"/>
+                  <a:pt x="9472" y="21"/>
+                </a:cubicBezTo>
+                <a:close/>
+                <a:moveTo>
+                  <a:pt x="13483" y="2586"/>
+                </a:moveTo>
+                <a:cubicBezTo>
+                  <a:pt x="13809" y="2629"/>
+                  <a:pt x="14122" y="4076"/>
+                  <a:pt x="14222" y="6545"/>
+                </a:cubicBezTo>
+                <a:cubicBezTo>
+                  <a:pt x="12283" y="6470"/>
+                  <a:pt x="14951" y="6558"/>
+                  <a:pt x="12558" y="6498"/>
+                </a:cubicBezTo>
+                <a:cubicBezTo>
+                  <a:pt x="12563" y="6456"/>
+                  <a:pt x="12951" y="3936"/>
+                  <a:pt x="12926" y="4097"/>
+                </a:cubicBezTo>
+                <a:cubicBezTo>
+                  <a:pt x="13088" y="3040"/>
+                  <a:pt x="13287" y="2560"/>
+                  <a:pt x="13483" y="2586"/>
+                </a:cubicBezTo>
+                <a:close/>
+                <a:moveTo>
+                  <a:pt x="8117" y="2691"/>
+                </a:moveTo>
+                <a:cubicBezTo>
+                  <a:pt x="8311" y="2707"/>
+                  <a:pt x="8507" y="3237"/>
+                  <a:pt x="8659" y="4354"/>
+                </a:cubicBezTo>
+                <a:cubicBezTo>
+                  <a:pt x="8665" y="4403"/>
+                  <a:pt x="8971" y="6573"/>
+                  <a:pt x="8961" y="6498"/>
+                </a:cubicBezTo>
+                <a:cubicBezTo>
+                  <a:pt x="7707" y="6531"/>
+                  <a:pt x="9154" y="6465"/>
+                  <a:pt x="7379" y="6533"/>
+                </a:cubicBezTo>
+                <a:cubicBezTo>
+                  <a:pt x="7476" y="4057"/>
+                  <a:pt x="7793" y="2666"/>
+                  <a:pt x="8117" y="2691"/>
+                </a:cubicBezTo>
+                <a:close/>
+                <a:moveTo>
+                  <a:pt x="9529" y="2961"/>
+                </a:moveTo>
+                <a:cubicBezTo>
+                  <a:pt x="9927" y="3168"/>
+                  <a:pt x="10207" y="6148"/>
+                  <a:pt x="10284" y="6474"/>
+                </a:cubicBezTo>
+                <a:lnTo>
+                  <a:pt x="9480" y="6486"/>
+                </a:lnTo>
+                <a:lnTo>
+                  <a:pt x="9096" y="3874"/>
+                </a:lnTo>
+                <a:cubicBezTo>
+                  <a:pt x="9251" y="3127"/>
+                  <a:pt x="9397" y="2891"/>
+                  <a:pt x="9529" y="2961"/>
+                </a:cubicBezTo>
+                <a:close/>
+                <a:moveTo>
+                  <a:pt x="10947" y="3019"/>
+                </a:moveTo>
+                <a:cubicBezTo>
+                  <a:pt x="11376" y="3474"/>
+                  <a:pt x="11709" y="6643"/>
+                  <a:pt x="11684" y="6474"/>
+                </a:cubicBezTo>
+                <a:lnTo>
+                  <a:pt x="10895" y="6463"/>
+                </a:lnTo>
+                <a:lnTo>
+                  <a:pt x="10496" y="3698"/>
+                </a:lnTo>
+                <a:cubicBezTo>
+                  <a:pt x="10651" y="3023"/>
+                  <a:pt x="10804" y="2868"/>
+                  <a:pt x="10947" y="3019"/>
+                </a:cubicBezTo>
+                <a:close/>
+                <a:moveTo>
+                  <a:pt x="7378" y="9391"/>
+                </a:moveTo>
+                <a:cubicBezTo>
+                  <a:pt x="8968" y="9454"/>
+                  <a:pt x="8228" y="9407"/>
+                  <a:pt x="9042" y="9426"/>
+                </a:cubicBezTo>
+                <a:cubicBezTo>
+                  <a:pt x="9036" y="9463"/>
+                  <a:pt x="8651" y="11988"/>
+                  <a:pt x="8675" y="11827"/>
+                </a:cubicBezTo>
+                <a:cubicBezTo>
+                  <a:pt x="8236" y="14694"/>
+                  <a:pt x="7535" y="13281"/>
+                  <a:pt x="7378" y="9391"/>
+                </a:cubicBezTo>
+                <a:close/>
+                <a:moveTo>
+                  <a:pt x="14221" y="9391"/>
+                </a:moveTo>
+                <a:cubicBezTo>
+                  <a:pt x="14146" y="11306"/>
+                  <a:pt x="13905" y="12840"/>
+                  <a:pt x="13627" y="13162"/>
+                </a:cubicBezTo>
+                <a:cubicBezTo>
+                  <a:pt x="13149" y="13687"/>
+                  <a:pt x="12952" y="11633"/>
+                  <a:pt x="12639" y="9426"/>
+                </a:cubicBezTo>
+                <a:cubicBezTo>
+                  <a:pt x="13881" y="9392"/>
+                  <a:pt x="12452" y="9462"/>
+                  <a:pt x="14221" y="9391"/>
+                </a:cubicBezTo>
+                <a:close/>
+                <a:moveTo>
+                  <a:pt x="12120" y="9437"/>
+                </a:moveTo>
+                <a:lnTo>
+                  <a:pt x="12509" y="12073"/>
+                </a:lnTo>
+                <a:cubicBezTo>
+                  <a:pt x="11887" y="14996"/>
+                  <a:pt x="11427" y="9888"/>
+                  <a:pt x="11325" y="9449"/>
+                </a:cubicBezTo>
+                <a:lnTo>
+                  <a:pt x="12120" y="9437"/>
+                </a:lnTo>
+                <a:close/>
+                <a:moveTo>
+                  <a:pt x="9917" y="9449"/>
+                </a:moveTo>
+                <a:lnTo>
+                  <a:pt x="10714" y="9461"/>
+                </a:lnTo>
+                <a:lnTo>
+                  <a:pt x="11111" y="12201"/>
+                </a:lnTo>
+                <a:cubicBezTo>
+                  <a:pt x="10633" y="14338"/>
+                  <a:pt x="10233" y="11576"/>
+                  <a:pt x="10228" y="11557"/>
+                </a:cubicBezTo>
+                <a:cubicBezTo>
+                  <a:pt x="10221" y="11516"/>
+                  <a:pt x="9907" y="9382"/>
+                  <a:pt x="9917" y="9449"/>
+                </a:cubicBezTo>
+                <a:close/>
+              </a:path>
+            </a:pathLst>
+          </a:custGeom>
+          <a:solidFill>
+            <a:srgbClr val="000000"/>
+          </a:solidFill>
+          <a:ln w="12700">
+            <a:miter lim="400000"/>
+          </a:ln>
+        </p:spPr>
+        <p:txBody>
+          <a:bodyPr lIns="50800" tIns="50800" rIns="50800" bIns="50800" anchor="ctr"/>
+          <a:lstStyle/>
+          <a:p>
+            <a:pPr defTabSz="825500">
+              <a:defRPr sz="3200">
+                <a:solidFill>
+                  <a:srgbClr val="FFFFFF"/>
+                </a:solidFill>
+                <a:latin typeface="Helvetica Neue Medium"/>
+                <a:ea typeface="Helvetica Neue Medium"/>
+                <a:cs typeface="Helvetica Neue Medium"/>
+                <a:sym typeface="Helvetica Neue Medium"/>
+              </a:defRPr>
+            </a:pPr>
+          </a:p>
+        </p:txBody>
+      </p:sp>
+      <p:sp>
+        <p:nvSpPr>
+          <p:cNvPr id="229" name="10"/>
+          <p:cNvSpPr txBox="1"/>
+          <p:nvPr/>
+        </p:nvSpPr>
+        <p:spPr>
+          <a:xfrm>
+            <a:off x="11978944" y="12778316"/>
+            <a:ext cx="426112" cy="469901"/>
+          </a:xfrm>
+          <a:prstGeom prst="rect">
+            <a:avLst/>
+          </a:prstGeom>
+          <a:ln w="12700">
+            <a:miter lim="400000"/>
+          </a:ln>
+          <a:extLst>
+            <a:ext uri="{C572A759-6A51-4108-AA02-DFA0A04FC94B}">
+              <ma14:wrappingTextBoxFlag xmlns:ma14="http://schemas.microsoft.com/office/mac/drawingml/2011/main" val="1"/>
+            </a:ext>
+          </a:extLst>
+        </p:spPr>
+        <p:txBody>
+          <a:bodyPr wrap="none" lIns="50800" tIns="50800" rIns="50800" bIns="50800" anchor="ctr">
+            <a:spAutoFit/>
+          </a:bodyPr>
+          <a:lstStyle>
+            <a:lvl1pPr>
+              <a:defRPr>
+                <a:solidFill>
                   <a:srgbClr val="000000"/>
                 </a:solidFill>
                 <a:latin typeface="Montserrat Regular"/>
@@ -4335,7 +5302,7 @@
           <a:p>
             <a:pPr/>
             <a:r>
-              <a:t>Dopo le fasi preliminari e i risultati ottenuti dalle operazioni precedenti, è stata costruita una solida base per l’inizio della costruzione del software finale, la quale ha integrato tutti i requisiti fondamentali richiesti, aggiungendo inoltre le proposte che sono risultate più adeguate durante la fase di Focus Group.</a:t>
+              <a:t>10</a:t>
             </a:r>
           </a:p>
         </p:txBody>
@@ -4368,7 +5335,7 @@
       </p:grpSpPr>
       <p:sp>
         <p:nvSpPr>
-          <p:cNvPr id="156" name="Design"/>
+          <p:cNvPr id="157" name="Design"/>
           <p:cNvSpPr txBox="1"/>
           <p:nvPr>
             <p:ph type="title"/>
@@ -4388,6 +5355,9 @@
           <a:lstStyle>
             <a:lvl1pPr>
               <a:defRPr b="0" u="sng">
+                <a:solidFill>
+                  <a:srgbClr val="3D3D3D"/>
+                </a:solidFill>
                 <a:latin typeface="Montserrat Thin SemiBold"/>
                 <a:ea typeface="Montserrat Thin SemiBold"/>
                 <a:cs typeface="Montserrat Thin SemiBold"/>
@@ -4405,7 +5375,7 @@
       </p:sp>
       <p:sp>
         <p:nvSpPr>
-          <p:cNvPr id="157" name="Per la produzione dell’applicativo, è stato seguito il seguente approccio:"/>
+          <p:cNvPr id="158" name="Per la produzione dell’applicativo, è stato seguito il seguente approccio:"/>
           <p:cNvSpPr txBox="1"/>
           <p:nvPr/>
         </p:nvSpPr>
@@ -4440,7 +5410,7 @@
               </a:spcBef>
               <a:defRPr sz="4800">
                 <a:solidFill>
-                  <a:srgbClr val="000000"/>
+                  <a:srgbClr val="3D3D3D"/>
                 </a:solidFill>
                 <a:latin typeface="Montserrat Regular"/>
                 <a:ea typeface="Montserrat Regular"/>
@@ -4459,7 +5429,7 @@
       </p:sp>
       <p:sp>
         <p:nvSpPr>
-          <p:cNvPr id="158" name="Analisi dettagliata dei requisiti fondamentali…"/>
+          <p:cNvPr id="159" name="Analisi dettagliata dei requisiti fondamentali…"/>
           <p:cNvSpPr txBox="1"/>
           <p:nvPr/>
         </p:nvSpPr>
@@ -4497,7 +5467,7 @@
               <a:buChar char="•"/>
               <a:defRPr sz="4800">
                 <a:solidFill>
-                  <a:srgbClr val="000000"/>
+                  <a:srgbClr val="3D3D3D"/>
                 </a:solidFill>
                 <a:latin typeface="Montserrat Regular"/>
                 <a:ea typeface="Montserrat Regular"/>
@@ -4539,7 +5509,7 @@
               <a:buChar char="•"/>
               <a:defRPr sz="4800">
                 <a:solidFill>
-                  <a:srgbClr val="000000"/>
+                  <a:srgbClr val="3D3D3D"/>
                 </a:solidFill>
                 <a:latin typeface="Montserrat Regular"/>
                 <a:ea typeface="Montserrat Regular"/>
@@ -4572,7 +5542,7 @@
               <a:buChar char="•"/>
               <a:defRPr sz="4800">
                 <a:solidFill>
-                  <a:srgbClr val="000000"/>
+                  <a:srgbClr val="3D3D3D"/>
                 </a:solidFill>
                 <a:latin typeface="Montserrat Regular"/>
                 <a:ea typeface="Montserrat Regular"/>
@@ -4608,7 +5578,7 @@
               <a:buChar char="•"/>
               <a:defRPr sz="4800">
                 <a:solidFill>
-                  <a:srgbClr val="000000"/>
+                  <a:srgbClr val="3D3D3D"/>
                 </a:solidFill>
                 <a:latin typeface="Montserrat Thin Medium"/>
                 <a:ea typeface="Montserrat Thin Medium"/>
@@ -4632,6 +5602,431 @@
               <a:buChar char="•"/>
               <a:defRPr sz="4800">
                 <a:solidFill>
+                  <a:srgbClr val="3D3D3D"/>
+                </a:solidFill>
+                <a:latin typeface="Montserrat Regular"/>
+                <a:ea typeface="Montserrat Regular"/>
+                <a:cs typeface="Montserrat Regular"/>
+                <a:sym typeface="Montserrat Regular"/>
+              </a:defRPr>
+            </a:pPr>
+            <a:r>
+              <a:t>Adattamento del design alla luce dei risultati ottenuti </a:t>
+            </a:r>
+          </a:p>
+        </p:txBody>
+      </p:sp>
+      <p:sp>
+        <p:nvSpPr>
+          <p:cNvPr id="160" name="Rectangle"/>
+          <p:cNvSpPr/>
+          <p:nvPr/>
+        </p:nvSpPr>
+        <p:spPr>
+          <a:xfrm>
+            <a:off x="-282179" y="-651934"/>
+            <a:ext cx="24948358" cy="1270001"/>
+          </a:xfrm>
+          <a:prstGeom prst="rect">
+            <a:avLst/>
+          </a:prstGeom>
+          <a:solidFill>
+            <a:srgbClr val="5E5E5E"/>
+          </a:solidFill>
+          <a:ln w="12700">
+            <a:miter lim="400000"/>
+          </a:ln>
+        </p:spPr>
+        <p:txBody>
+          <a:bodyPr lIns="50800" tIns="50800" rIns="50800" bIns="50800" anchor="ctr"/>
+          <a:lstStyle/>
+          <a:p>
+            <a:pPr defTabSz="825500">
+              <a:defRPr sz="3200">
+                <a:solidFill>
+                  <a:srgbClr val="FFFFFF"/>
+                </a:solidFill>
+                <a:latin typeface="Helvetica Neue Medium"/>
+                <a:ea typeface="Helvetica Neue Medium"/>
+                <a:cs typeface="Helvetica Neue Medium"/>
+                <a:sym typeface="Helvetica Neue Medium"/>
+              </a:defRPr>
+            </a:pPr>
+          </a:p>
+        </p:txBody>
+      </p:sp>
+      <p:sp>
+        <p:nvSpPr>
+          <p:cNvPr id="161" name="Ornament 16"/>
+          <p:cNvSpPr/>
+          <p:nvPr/>
+        </p:nvSpPr>
+        <p:spPr>
+          <a:xfrm>
+            <a:off x="11497122" y="13203921"/>
+            <a:ext cx="1389756" cy="148387"/>
+          </a:xfrm>
+          <a:custGeom>
+            <a:avLst/>
+            <a:gdLst/>
+            <a:ahLst/>
+            <a:cxnLst>
+              <a:cxn ang="0">
+                <a:pos x="wd2" y="hd2"/>
+              </a:cxn>
+              <a:cxn ang="5400000">
+                <a:pos x="wd2" y="hd2"/>
+              </a:cxn>
+              <a:cxn ang="10800000">
+                <a:pos x="wd2" y="hd2"/>
+              </a:cxn>
+              <a:cxn ang="16200000">
+                <a:pos x="wd2" y="hd2"/>
+              </a:cxn>
+            </a:cxnLst>
+            <a:rect l="0" t="0" r="r" b="b"/>
+            <a:pathLst>
+              <a:path w="21600" h="16007" fill="norm" stroke="1" extrusionOk="0">
+                <a:moveTo>
+                  <a:pt x="9472" y="21"/>
+                </a:moveTo>
+                <a:cubicBezTo>
+                  <a:pt x="9223" y="53"/>
+                  <a:pt x="8975" y="641"/>
+                  <a:pt x="8772" y="1801"/>
+                </a:cubicBezTo>
+                <a:cubicBezTo>
+                  <a:pt x="8137" y="-1445"/>
+                  <a:pt x="7234" y="1021"/>
+                  <a:pt x="7074" y="6181"/>
+                </a:cubicBezTo>
+                <a:cubicBezTo>
+                  <a:pt x="7070" y="6301"/>
+                  <a:pt x="7067" y="6425"/>
+                  <a:pt x="7064" y="6545"/>
+                </a:cubicBezTo>
+                <a:cubicBezTo>
+                  <a:pt x="3830" y="6672"/>
+                  <a:pt x="1931" y="6955"/>
+                  <a:pt x="24" y="7259"/>
+                </a:cubicBezTo>
+                <a:cubicBezTo>
+                  <a:pt x="10" y="7263"/>
+                  <a:pt x="0" y="7349"/>
+                  <a:pt x="0" y="7446"/>
+                </a:cubicBezTo>
+                <a:lnTo>
+                  <a:pt x="0" y="8477"/>
+                </a:lnTo>
+                <a:cubicBezTo>
+                  <a:pt x="0" y="8574"/>
+                  <a:pt x="10" y="8649"/>
+                  <a:pt x="24" y="8653"/>
+                </a:cubicBezTo>
+                <a:cubicBezTo>
+                  <a:pt x="2070" y="8979"/>
+                  <a:pt x="3801" y="9240"/>
+                  <a:pt x="7072" y="9367"/>
+                </a:cubicBezTo>
+                <a:cubicBezTo>
+                  <a:pt x="7243" y="14966"/>
+                  <a:pt x="8249" y="17172"/>
+                  <a:pt x="8848" y="13068"/>
+                </a:cubicBezTo>
+                <a:cubicBezTo>
+                  <a:pt x="9572" y="8106"/>
+                  <a:pt x="9322" y="9816"/>
+                  <a:pt x="9376" y="9449"/>
+                </a:cubicBezTo>
+                <a:cubicBezTo>
+                  <a:pt x="9794" y="12417"/>
+                  <a:pt x="10494" y="19166"/>
+                  <a:pt x="11426" y="14286"/>
+                </a:cubicBezTo>
+                <a:cubicBezTo>
+                  <a:pt x="11850" y="16535"/>
+                  <a:pt x="12432" y="16401"/>
+                  <a:pt x="12832" y="14134"/>
+                </a:cubicBezTo>
+                <a:cubicBezTo>
+                  <a:pt x="13467" y="17338"/>
+                  <a:pt x="14364" y="14891"/>
+                  <a:pt x="14524" y="9730"/>
+                </a:cubicBezTo>
+                <a:cubicBezTo>
+                  <a:pt x="14528" y="9610"/>
+                  <a:pt x="14531" y="9487"/>
+                  <a:pt x="14534" y="9367"/>
+                </a:cubicBezTo>
+                <a:cubicBezTo>
+                  <a:pt x="17341" y="9258"/>
+                  <a:pt x="19089" y="9035"/>
+                  <a:pt x="21575" y="8641"/>
+                </a:cubicBezTo>
+                <a:cubicBezTo>
+                  <a:pt x="21589" y="8637"/>
+                  <a:pt x="21600" y="8563"/>
+                  <a:pt x="21600" y="8465"/>
+                </a:cubicBezTo>
+                <a:lnTo>
+                  <a:pt x="21600" y="7435"/>
+                </a:lnTo>
+                <a:cubicBezTo>
+                  <a:pt x="21600" y="7337"/>
+                  <a:pt x="21590" y="7263"/>
+                  <a:pt x="21576" y="7259"/>
+                </a:cubicBezTo>
+                <a:cubicBezTo>
+                  <a:pt x="21279" y="7214"/>
+                  <a:pt x="18303" y="6694"/>
+                  <a:pt x="14528" y="6545"/>
+                </a:cubicBezTo>
+                <a:cubicBezTo>
+                  <a:pt x="14357" y="934"/>
+                  <a:pt x="13349" y="-1260"/>
+                  <a:pt x="12751" y="2843"/>
+                </a:cubicBezTo>
+                <a:cubicBezTo>
+                  <a:pt x="12026" y="7806"/>
+                  <a:pt x="12277" y="6095"/>
+                  <a:pt x="12223" y="6463"/>
+                </a:cubicBezTo>
+                <a:cubicBezTo>
+                  <a:pt x="12091" y="5529"/>
+                  <a:pt x="11785" y="3355"/>
+                  <a:pt x="11654" y="2422"/>
+                </a:cubicBezTo>
+                <a:cubicBezTo>
+                  <a:pt x="11648" y="2407"/>
+                  <a:pt x="10958" y="-2434"/>
+                  <a:pt x="10177" y="1614"/>
+                </a:cubicBezTo>
+                <a:cubicBezTo>
+                  <a:pt x="9969" y="521"/>
+                  <a:pt x="9721" y="-11"/>
+                  <a:pt x="9472" y="21"/>
+                </a:cubicBezTo>
+                <a:close/>
+                <a:moveTo>
+                  <a:pt x="13483" y="2586"/>
+                </a:moveTo>
+                <a:cubicBezTo>
+                  <a:pt x="13809" y="2629"/>
+                  <a:pt x="14122" y="4076"/>
+                  <a:pt x="14222" y="6545"/>
+                </a:cubicBezTo>
+                <a:cubicBezTo>
+                  <a:pt x="12283" y="6470"/>
+                  <a:pt x="14951" y="6558"/>
+                  <a:pt x="12558" y="6498"/>
+                </a:cubicBezTo>
+                <a:cubicBezTo>
+                  <a:pt x="12563" y="6456"/>
+                  <a:pt x="12951" y="3936"/>
+                  <a:pt x="12926" y="4097"/>
+                </a:cubicBezTo>
+                <a:cubicBezTo>
+                  <a:pt x="13088" y="3040"/>
+                  <a:pt x="13287" y="2560"/>
+                  <a:pt x="13483" y="2586"/>
+                </a:cubicBezTo>
+                <a:close/>
+                <a:moveTo>
+                  <a:pt x="8117" y="2691"/>
+                </a:moveTo>
+                <a:cubicBezTo>
+                  <a:pt x="8311" y="2707"/>
+                  <a:pt x="8507" y="3237"/>
+                  <a:pt x="8659" y="4354"/>
+                </a:cubicBezTo>
+                <a:cubicBezTo>
+                  <a:pt x="8665" y="4403"/>
+                  <a:pt x="8971" y="6573"/>
+                  <a:pt x="8961" y="6498"/>
+                </a:cubicBezTo>
+                <a:cubicBezTo>
+                  <a:pt x="7707" y="6531"/>
+                  <a:pt x="9154" y="6465"/>
+                  <a:pt x="7379" y="6533"/>
+                </a:cubicBezTo>
+                <a:cubicBezTo>
+                  <a:pt x="7476" y="4057"/>
+                  <a:pt x="7793" y="2666"/>
+                  <a:pt x="8117" y="2691"/>
+                </a:cubicBezTo>
+                <a:close/>
+                <a:moveTo>
+                  <a:pt x="9529" y="2961"/>
+                </a:moveTo>
+                <a:cubicBezTo>
+                  <a:pt x="9927" y="3168"/>
+                  <a:pt x="10207" y="6148"/>
+                  <a:pt x="10284" y="6474"/>
+                </a:cubicBezTo>
+                <a:lnTo>
+                  <a:pt x="9480" y="6486"/>
+                </a:lnTo>
+                <a:lnTo>
+                  <a:pt x="9096" y="3874"/>
+                </a:lnTo>
+                <a:cubicBezTo>
+                  <a:pt x="9251" y="3127"/>
+                  <a:pt x="9397" y="2891"/>
+                  <a:pt x="9529" y="2961"/>
+                </a:cubicBezTo>
+                <a:close/>
+                <a:moveTo>
+                  <a:pt x="10947" y="3019"/>
+                </a:moveTo>
+                <a:cubicBezTo>
+                  <a:pt x="11376" y="3474"/>
+                  <a:pt x="11709" y="6643"/>
+                  <a:pt x="11684" y="6474"/>
+                </a:cubicBezTo>
+                <a:lnTo>
+                  <a:pt x="10895" y="6463"/>
+                </a:lnTo>
+                <a:lnTo>
+                  <a:pt x="10496" y="3698"/>
+                </a:lnTo>
+                <a:cubicBezTo>
+                  <a:pt x="10651" y="3023"/>
+                  <a:pt x="10804" y="2868"/>
+                  <a:pt x="10947" y="3019"/>
+                </a:cubicBezTo>
+                <a:close/>
+                <a:moveTo>
+                  <a:pt x="7378" y="9391"/>
+                </a:moveTo>
+                <a:cubicBezTo>
+                  <a:pt x="8968" y="9454"/>
+                  <a:pt x="8228" y="9407"/>
+                  <a:pt x="9042" y="9426"/>
+                </a:cubicBezTo>
+                <a:cubicBezTo>
+                  <a:pt x="9036" y="9463"/>
+                  <a:pt x="8651" y="11988"/>
+                  <a:pt x="8675" y="11827"/>
+                </a:cubicBezTo>
+                <a:cubicBezTo>
+                  <a:pt x="8236" y="14694"/>
+                  <a:pt x="7535" y="13281"/>
+                  <a:pt x="7378" y="9391"/>
+                </a:cubicBezTo>
+                <a:close/>
+                <a:moveTo>
+                  <a:pt x="14221" y="9391"/>
+                </a:moveTo>
+                <a:cubicBezTo>
+                  <a:pt x="14146" y="11306"/>
+                  <a:pt x="13905" y="12840"/>
+                  <a:pt x="13627" y="13162"/>
+                </a:cubicBezTo>
+                <a:cubicBezTo>
+                  <a:pt x="13149" y="13687"/>
+                  <a:pt x="12952" y="11633"/>
+                  <a:pt x="12639" y="9426"/>
+                </a:cubicBezTo>
+                <a:cubicBezTo>
+                  <a:pt x="13881" y="9392"/>
+                  <a:pt x="12452" y="9462"/>
+                  <a:pt x="14221" y="9391"/>
+                </a:cubicBezTo>
+                <a:close/>
+                <a:moveTo>
+                  <a:pt x="12120" y="9437"/>
+                </a:moveTo>
+                <a:lnTo>
+                  <a:pt x="12509" y="12073"/>
+                </a:lnTo>
+                <a:cubicBezTo>
+                  <a:pt x="11887" y="14996"/>
+                  <a:pt x="11427" y="9888"/>
+                  <a:pt x="11325" y="9449"/>
+                </a:cubicBezTo>
+                <a:lnTo>
+                  <a:pt x="12120" y="9437"/>
+                </a:lnTo>
+                <a:close/>
+                <a:moveTo>
+                  <a:pt x="9917" y="9449"/>
+                </a:moveTo>
+                <a:lnTo>
+                  <a:pt x="10714" y="9461"/>
+                </a:lnTo>
+                <a:lnTo>
+                  <a:pt x="11111" y="12201"/>
+                </a:lnTo>
+                <a:cubicBezTo>
+                  <a:pt x="10633" y="14338"/>
+                  <a:pt x="10233" y="11576"/>
+                  <a:pt x="10228" y="11557"/>
+                </a:cubicBezTo>
+                <a:cubicBezTo>
+                  <a:pt x="10221" y="11516"/>
+                  <a:pt x="9907" y="9382"/>
+                  <a:pt x="9917" y="9449"/>
+                </a:cubicBezTo>
+                <a:close/>
+              </a:path>
+            </a:pathLst>
+          </a:custGeom>
+          <a:solidFill>
+            <a:srgbClr val="000000"/>
+          </a:solidFill>
+          <a:ln w="12700">
+            <a:miter lim="400000"/>
+          </a:ln>
+        </p:spPr>
+        <p:txBody>
+          <a:bodyPr lIns="50800" tIns="50800" rIns="50800" bIns="50800" anchor="ctr"/>
+          <a:lstStyle/>
+          <a:p>
+            <a:pPr defTabSz="825500">
+              <a:defRPr sz="3200">
+                <a:solidFill>
+                  <a:srgbClr val="FFFFFF"/>
+                </a:solidFill>
+                <a:latin typeface="Helvetica Neue Medium"/>
+                <a:ea typeface="Helvetica Neue Medium"/>
+                <a:cs typeface="Helvetica Neue Medium"/>
+                <a:sym typeface="Helvetica Neue Medium"/>
+              </a:defRPr>
+            </a:pPr>
+          </a:p>
+        </p:txBody>
+      </p:sp>
+      <p:sp>
+        <p:nvSpPr>
+          <p:cNvPr id="162" name="1"/>
+          <p:cNvSpPr txBox="1"/>
+          <p:nvPr/>
+        </p:nvSpPr>
+        <p:spPr>
+          <a:xfrm>
+            <a:off x="12079833" y="12778316"/>
+            <a:ext cx="224334" cy="469901"/>
+          </a:xfrm>
+          <a:prstGeom prst="rect">
+            <a:avLst/>
+          </a:prstGeom>
+          <a:ln w="12700">
+            <a:miter lim="400000"/>
+          </a:ln>
+          <a:extLst>
+            <a:ext uri="{C572A759-6A51-4108-AA02-DFA0A04FC94B}">
+              <ma14:wrappingTextBoxFlag xmlns:ma14="http://schemas.microsoft.com/office/mac/drawingml/2011/main" val="1"/>
+            </a:ext>
+          </a:extLst>
+        </p:spPr>
+        <p:txBody>
+          <a:bodyPr wrap="none" lIns="50800" tIns="50800" rIns="50800" bIns="50800" anchor="ctr">
+            <a:spAutoFit/>
+          </a:bodyPr>
+          <a:lstStyle>
+            <a:lvl1pPr>
+              <a:defRPr>
+                <a:solidFill>
                   <a:srgbClr val="000000"/>
                 </a:solidFill>
                 <a:latin typeface="Montserrat Regular"/>
@@ -4639,9 +6034,12 @@
                 <a:cs typeface="Montserrat Regular"/>
                 <a:sym typeface="Montserrat Regular"/>
               </a:defRPr>
-            </a:pPr>
-            <a:r>
-              <a:t>Adattamento del design alla luce dei risultati ottenuti </a:t>
+            </a:lvl1pPr>
+          </a:lstStyle>
+          <a:p>
+            <a:pPr/>
+            <a:r>
+              <a:t>1</a:t>
             </a:r>
           </a:p>
         </p:txBody>
@@ -4674,7 +6072,7 @@
       </p:grpSpPr>
       <p:sp>
         <p:nvSpPr>
-          <p:cNvPr id="160" name="Requisiti"/>
+          <p:cNvPr id="164" name="Requisiti"/>
           <p:cNvSpPr txBox="1"/>
           <p:nvPr>
             <p:ph type="title"/>
@@ -4682,8 +6080,8 @@
         </p:nvSpPr>
         <p:spPr>
           <a:xfrm>
-            <a:off x="1206499" y="1077359"/>
-            <a:ext cx="21971001" cy="1433164"/>
+            <a:off x="1206500" y="1077359"/>
+            <a:ext cx="21971000" cy="1433164"/>
           </a:xfrm>
           <a:prstGeom prst="rect">
             <a:avLst/>
@@ -4694,6 +6092,9 @@
           <a:lstStyle>
             <a:lvl1pPr>
               <a:defRPr b="0" u="sng">
+                <a:solidFill>
+                  <a:srgbClr val="3D3D3D"/>
+                </a:solidFill>
                 <a:latin typeface="Montserrat Thin SemiBold"/>
                 <a:ea typeface="Montserrat Thin SemiBold"/>
                 <a:cs typeface="Montserrat Thin SemiBold"/>
@@ -4711,7 +6112,7 @@
       </p:sp>
       <p:sp>
         <p:nvSpPr>
-          <p:cNvPr id="161" name="Registrazione e Login…"/>
+          <p:cNvPr id="165" name="Registrazione e Login…"/>
           <p:cNvSpPr txBox="1"/>
           <p:nvPr>
             <p:ph type="body" sz="quarter" idx="1"/>
@@ -4739,6 +6140,9 @@
               </a:spcBef>
               <a:buSzPct val="120000"/>
               <a:defRPr sz="4224">
+                <a:solidFill>
+                  <a:srgbClr val="3D3D3D"/>
+                </a:solidFill>
                 <a:latin typeface="Montserrat Regular"/>
                 <a:ea typeface="Montserrat Regular"/>
                 <a:cs typeface="Montserrat Regular"/>
@@ -4759,6 +6163,9 @@
               </a:spcBef>
               <a:buSzPct val="120000"/>
               <a:defRPr sz="4224">
+                <a:solidFill>
+                  <a:srgbClr val="3D3D3D"/>
+                </a:solidFill>
                 <a:latin typeface="Montserrat Regular"/>
                 <a:ea typeface="Montserrat Regular"/>
                 <a:cs typeface="Montserrat Regular"/>
@@ -4779,6 +6186,9 @@
               </a:spcBef>
               <a:buSzPct val="120000"/>
               <a:defRPr sz="4224">
+                <a:solidFill>
+                  <a:srgbClr val="3D3D3D"/>
+                </a:solidFill>
                 <a:latin typeface="Montserrat Regular"/>
                 <a:ea typeface="Montserrat Regular"/>
                 <a:cs typeface="Montserrat Regular"/>
@@ -4799,6 +6209,9 @@
               </a:spcBef>
               <a:buSzPct val="120000"/>
               <a:defRPr sz="4224">
+                <a:solidFill>
+                  <a:srgbClr val="3D3D3D"/>
+                </a:solidFill>
                 <a:latin typeface="Montserrat Regular"/>
                 <a:ea typeface="Montserrat Regular"/>
                 <a:cs typeface="Montserrat Regular"/>
@@ -4819,6 +6232,9 @@
               </a:spcBef>
               <a:buSzPct val="120000"/>
               <a:defRPr sz="4224">
+                <a:solidFill>
+                  <a:srgbClr val="3D3D3D"/>
+                </a:solidFill>
                 <a:latin typeface="Montserrat Regular"/>
                 <a:ea typeface="Montserrat Regular"/>
                 <a:cs typeface="Montserrat Regular"/>
@@ -4839,6 +6255,9 @@
               </a:spcBef>
               <a:buSzPct val="120000"/>
               <a:defRPr sz="4224">
+                <a:solidFill>
+                  <a:srgbClr val="3D3D3D"/>
+                </a:solidFill>
                 <a:latin typeface="Montserrat Regular"/>
                 <a:ea typeface="Montserrat Regular"/>
                 <a:cs typeface="Montserrat Regular"/>
@@ -4859,6 +6278,9 @@
               </a:spcBef>
               <a:buSzPct val="120000"/>
               <a:defRPr sz="4224">
+                <a:solidFill>
+                  <a:srgbClr val="3D3D3D"/>
+                </a:solidFill>
                 <a:latin typeface="Montserrat Regular"/>
                 <a:ea typeface="Montserrat Regular"/>
                 <a:cs typeface="Montserrat Regular"/>
@@ -4873,7 +6295,7 @@
       </p:sp>
       <p:sp>
         <p:nvSpPr>
-          <p:cNvPr id="162" name="A seguito di una prima analisi dei requisiti, sono state prodotte le seguenti specifiche, le quali rispecchiano le fondamenta del social network"/>
+          <p:cNvPr id="166" name="A seguito di una prima analisi dei requisiti, sono state prodotte le seguenti specifiche, le quali rispecchiano le fondamenta del social network"/>
           <p:cNvSpPr txBox="1"/>
           <p:nvPr/>
         </p:nvSpPr>
@@ -4908,7 +6330,7 @@
               </a:spcBef>
               <a:defRPr sz="4800">
                 <a:solidFill>
-                  <a:srgbClr val="000000"/>
+                  <a:srgbClr val="3D3D3D"/>
                 </a:solidFill>
                 <a:latin typeface="Montserrat Regular"/>
                 <a:ea typeface="Montserrat Regular"/>
@@ -4921,279 +6343,6 @@
             <a:pPr/>
             <a:r>
               <a:t>A seguito di una prima analisi dei requisiti, sono state prodotte le seguenti specifiche, le quali rispecchiano le fondamenta del social network</a:t>
-            </a:r>
-          </a:p>
-        </p:txBody>
-      </p:sp>
-      <p:sp>
-        <p:nvSpPr>
-          <p:cNvPr id="163" name="Essenziali"/>
-          <p:cNvSpPr txBox="1"/>
-          <p:nvPr/>
-        </p:nvSpPr>
-        <p:spPr>
-          <a:xfrm>
-            <a:off x="1358900" y="2355185"/>
-            <a:ext cx="21971001" cy="934780"/>
-          </a:xfrm>
-          <a:prstGeom prst="rect">
-            <a:avLst/>
-          </a:prstGeom>
-          <a:ln w="12700">
-            <a:miter lim="400000"/>
-          </a:ln>
-          <a:extLst>
-            <a:ext uri="{C572A759-6A51-4108-AA02-DFA0A04FC94B}">
-              <ma14:wrappingTextBoxFlag xmlns:ma14="http://schemas.microsoft.com/office/mac/drawingml/2011/main" val="1"/>
-            </a:ext>
-          </a:extLst>
-        </p:spPr>
-        <p:txBody>
-          <a:bodyPr lIns="45719" rIns="45719">
-            <a:normAutofit fontScale="100000" lnSpcReduction="0"/>
-          </a:bodyPr>
-          <a:lstStyle>
-            <a:lvl1pPr algn="l" defTabSz="825500">
-              <a:defRPr sz="5500">
-                <a:solidFill>
-                  <a:srgbClr val="000000"/>
-                </a:solidFill>
-                <a:latin typeface="Montserrat SemiBold"/>
-                <a:ea typeface="Montserrat SemiBold"/>
-                <a:cs typeface="Montserrat SemiBold"/>
-                <a:sym typeface="Montserrat SemiBold"/>
-              </a:defRPr>
-            </a:lvl1pPr>
-          </a:lstStyle>
-          <a:p>
-            <a:pPr/>
-            <a:r>
-              <a:t>Essenziali</a:t>
-            </a:r>
-          </a:p>
-        </p:txBody>
-      </p:sp>
-    </p:spTree>
-  </p:cSld>
-  <p:clrMapOvr>
-    <a:masterClrMapping/>
-  </p:clrMapOvr>
-  <p:transition xmlns:p14="http://schemas.microsoft.com/office/powerpoint/2010/main" spd="med" advClick="1"/>
-</p:sld>
-</file>
-
-<file path=ppt/slides/slide4.xml><?xml version="1.0" encoding="utf-8"?>
-<p:sld xmlns:a="http://schemas.openxmlformats.org/drawingml/2006/main" xmlns:r="http://schemas.openxmlformats.org/officeDocument/2006/relationships" xmlns:p="http://schemas.openxmlformats.org/presentationml/2006/main" xmlns:m="http://schemas.openxmlformats.org/officeDocument/2006/math" xmlns:a14="http://schemas.microsoft.com/office/drawing/2010/main" showMasterSp="1" showMasterPhAnim="1">
-  <p:cSld>
-    <p:spTree>
-      <p:nvGrpSpPr>
-        <p:cNvPr id="1" name=""/>
-        <p:cNvGrpSpPr/>
-        <p:nvPr/>
-      </p:nvGrpSpPr>
-      <p:grpSpPr>
-        <a:xfrm>
-          <a:off x="0" y="0"/>
-          <a:ext cx="0" cy="0"/>
-          <a:chOff x="0" y="0"/>
-          <a:chExt cx="0" cy="0"/>
-        </a:xfrm>
-      </p:grpSpPr>
-      <p:sp>
-        <p:nvSpPr>
-          <p:cNvPr id="165" name="Requisiti"/>
-          <p:cNvSpPr txBox="1"/>
-          <p:nvPr>
-            <p:ph type="title"/>
-          </p:nvPr>
-        </p:nvSpPr>
-        <p:spPr>
-          <a:xfrm>
-            <a:off x="1206500" y="1077359"/>
-            <a:ext cx="21971000" cy="1433164"/>
-          </a:xfrm>
-          <a:prstGeom prst="rect">
-            <a:avLst/>
-          </a:prstGeom>
-        </p:spPr>
-        <p:txBody>
-          <a:bodyPr/>
-          <a:lstStyle>
-            <a:lvl1pPr>
-              <a:defRPr b="0" u="sng">
-                <a:latin typeface="Montserrat Thin SemiBold"/>
-                <a:ea typeface="Montserrat Thin SemiBold"/>
-                <a:cs typeface="Montserrat Thin SemiBold"/>
-                <a:sym typeface="Montserrat Thin SemiBold"/>
-              </a:defRPr>
-            </a:lvl1pPr>
-          </a:lstStyle>
-          <a:p>
-            <a:pPr/>
-            <a:r>
-              <a:t>Requisiti</a:t>
-            </a:r>
-          </a:p>
-        </p:txBody>
-      </p:sp>
-      <p:sp>
-        <p:nvSpPr>
-          <p:cNvPr id="166" name="Registrazione e Login…"/>
-          <p:cNvSpPr txBox="1"/>
-          <p:nvPr>
-            <p:ph type="body" sz="quarter" idx="1"/>
-          </p:nvPr>
-        </p:nvSpPr>
-        <p:spPr>
-          <a:xfrm>
-            <a:off x="12819376" y="4424381"/>
-            <a:ext cx="10691051" cy="5365775"/>
-          </a:xfrm>
-          <a:prstGeom prst="rect">
-            <a:avLst/>
-          </a:prstGeom>
-        </p:spPr>
-        <p:txBody>
-          <a:bodyPr/>
-          <a:lstStyle/>
-          <a:p>
-            <a:pPr marL="536447" indent="-536447" defTabSz="2145738">
-              <a:lnSpc>
-                <a:spcPct val="40000"/>
-              </a:lnSpc>
-              <a:spcBef>
-                <a:spcPts val="3900"/>
-              </a:spcBef>
-              <a:buSzPct val="120000"/>
-              <a:defRPr sz="4224" u="sng">
-                <a:latin typeface="Montserrat Regular"/>
-                <a:ea typeface="Montserrat Regular"/>
-                <a:cs typeface="Montserrat Regular"/>
-                <a:sym typeface="Montserrat Regular"/>
-              </a:defRPr>
-            </a:pPr>
-            <a:r>
-              <a:t>Registrazione e Login</a:t>
-            </a:r>
-          </a:p>
-          <a:p>
-            <a:pPr marL="536447" indent="-536447" defTabSz="2145738">
-              <a:lnSpc>
-                <a:spcPct val="40000"/>
-              </a:lnSpc>
-              <a:spcBef>
-                <a:spcPts val="3900"/>
-              </a:spcBef>
-              <a:buSzPct val="120000"/>
-              <a:defRPr sz="4224">
-                <a:latin typeface="Montserrat Regular"/>
-                <a:ea typeface="Montserrat Regular"/>
-                <a:cs typeface="Montserrat Regular"/>
-                <a:sym typeface="Montserrat Regular"/>
-              </a:defRPr>
-            </a:pPr>
-            <a:r>
-              <a:t>Creazione di un evento</a:t>
-            </a:r>
-          </a:p>
-          <a:p>
-            <a:pPr marL="536447" indent="-536447" defTabSz="2145738">
-              <a:lnSpc>
-                <a:spcPct val="40000"/>
-              </a:lnSpc>
-              <a:spcBef>
-                <a:spcPts val="3900"/>
-              </a:spcBef>
-              <a:buSzPct val="120000"/>
-              <a:defRPr sz="4224">
-                <a:latin typeface="Montserrat Regular"/>
-                <a:ea typeface="Montserrat Regular"/>
-                <a:cs typeface="Montserrat Regular"/>
-                <a:sym typeface="Montserrat Regular"/>
-              </a:defRPr>
-            </a:pPr>
-            <a:r>
-              <a:t>Timeline con eventi</a:t>
-            </a:r>
-          </a:p>
-          <a:p>
-            <a:pPr marL="536447" indent="-536447" defTabSz="2145738">
-              <a:lnSpc>
-                <a:spcPct val="40000"/>
-              </a:lnSpc>
-              <a:spcBef>
-                <a:spcPts val="3900"/>
-              </a:spcBef>
-              <a:buSzPct val="120000"/>
-              <a:defRPr sz="4224">
-                <a:latin typeface="Montserrat Regular"/>
-                <a:ea typeface="Montserrat Regular"/>
-                <a:cs typeface="Montserrat Regular"/>
-                <a:sym typeface="Montserrat Regular"/>
-              </a:defRPr>
-            </a:pPr>
-            <a:r>
-              <a:t>Seguire un utente</a:t>
-            </a:r>
-          </a:p>
-          <a:p>
-            <a:pPr marL="536447" indent="-536447" defTabSz="2145738">
-              <a:lnSpc>
-                <a:spcPct val="40000"/>
-              </a:lnSpc>
-              <a:spcBef>
-                <a:spcPts val="3900"/>
-              </a:spcBef>
-              <a:buSzPct val="120000"/>
-              <a:defRPr sz="4224">
-                <a:latin typeface="Montserrat Regular"/>
-                <a:ea typeface="Montserrat Regular"/>
-                <a:cs typeface="Montserrat Regular"/>
-                <a:sym typeface="Montserrat Regular"/>
-              </a:defRPr>
-            </a:pPr>
-            <a:r>
-              <a:t>Commentare / Mi piace post</a:t>
-            </a:r>
-          </a:p>
-          <a:p>
-            <a:pPr marL="536447" indent="-536447" defTabSz="2145738">
-              <a:lnSpc>
-                <a:spcPct val="40000"/>
-              </a:lnSpc>
-              <a:spcBef>
-                <a:spcPts val="3900"/>
-              </a:spcBef>
-              <a:buSzPct val="120000"/>
-              <a:defRPr sz="4224">
-                <a:latin typeface="Montserrat Regular"/>
-                <a:ea typeface="Montserrat Regular"/>
-                <a:cs typeface="Montserrat Regular"/>
-                <a:sym typeface="Montserrat Regular"/>
-              </a:defRPr>
-            </a:pPr>
-            <a:r>
-              <a:t>Partecipare ad un evento</a:t>
-            </a:r>
-          </a:p>
-          <a:p>
-            <a:pPr marL="536447" indent="-536447" defTabSz="2145738">
-              <a:lnSpc>
-                <a:spcPct val="40000"/>
-              </a:lnSpc>
-              <a:spcBef>
-                <a:spcPts val="3900"/>
-              </a:spcBef>
-              <a:buSzPct val="120000"/>
-              <a:defRPr sz="4224">
-                <a:latin typeface="Montserrat Regular"/>
-                <a:ea typeface="Montserrat Regular"/>
-                <a:cs typeface="Montserrat Regular"/>
-                <a:sym typeface="Montserrat Regular"/>
-              </a:defRPr>
-            </a:pPr>
-            <a:r>
-              <a:t>Utenti Suggeriti</a:t>
             </a:r>
           </a:p>
         </p:txBody>
@@ -5229,7 +6378,7 @@
             <a:lvl1pPr algn="l" defTabSz="825500">
               <a:defRPr sz="5500">
                 <a:solidFill>
-                  <a:srgbClr val="000000"/>
+                  <a:srgbClr val="3D3D3D"/>
                 </a:solidFill>
                 <a:latin typeface="Montserrat SemiBold"/>
                 <a:ea typeface="Montserrat SemiBold"/>
@@ -5246,9 +6395,734 @@
           </a:p>
         </p:txBody>
       </p:sp>
+      <p:sp>
+        <p:nvSpPr>
+          <p:cNvPr id="168" name="Rectangle"/>
+          <p:cNvSpPr/>
+          <p:nvPr/>
+        </p:nvSpPr>
+        <p:spPr>
+          <a:xfrm>
+            <a:off x="-269479" y="-639234"/>
+            <a:ext cx="24948358" cy="1270001"/>
+          </a:xfrm>
+          <a:prstGeom prst="rect">
+            <a:avLst/>
+          </a:prstGeom>
+          <a:solidFill>
+            <a:srgbClr val="5E5E5E"/>
+          </a:solidFill>
+          <a:ln w="12700">
+            <a:miter lim="400000"/>
+          </a:ln>
+        </p:spPr>
+        <p:txBody>
+          <a:bodyPr lIns="50800" tIns="50800" rIns="50800" bIns="50800" anchor="ctr"/>
+          <a:lstStyle/>
+          <a:p>
+            <a:pPr defTabSz="825500">
+              <a:defRPr sz="3200">
+                <a:solidFill>
+                  <a:srgbClr val="FFFFFF"/>
+                </a:solidFill>
+                <a:latin typeface="Helvetica Neue Medium"/>
+                <a:ea typeface="Helvetica Neue Medium"/>
+                <a:cs typeface="Helvetica Neue Medium"/>
+                <a:sym typeface="Helvetica Neue Medium"/>
+              </a:defRPr>
+            </a:pPr>
+          </a:p>
+        </p:txBody>
+      </p:sp>
+      <p:sp>
+        <p:nvSpPr>
+          <p:cNvPr id="169" name="Ornament 16"/>
+          <p:cNvSpPr/>
+          <p:nvPr/>
+        </p:nvSpPr>
+        <p:spPr>
+          <a:xfrm>
+            <a:off x="11497122" y="13203921"/>
+            <a:ext cx="1389757" cy="148386"/>
+          </a:xfrm>
+          <a:custGeom>
+            <a:avLst/>
+            <a:gdLst/>
+            <a:ahLst/>
+            <a:cxnLst>
+              <a:cxn ang="0">
+                <a:pos x="wd2" y="hd2"/>
+              </a:cxn>
+              <a:cxn ang="5400000">
+                <a:pos x="wd2" y="hd2"/>
+              </a:cxn>
+              <a:cxn ang="10800000">
+                <a:pos x="wd2" y="hd2"/>
+              </a:cxn>
+              <a:cxn ang="16200000">
+                <a:pos x="wd2" y="hd2"/>
+              </a:cxn>
+            </a:cxnLst>
+            <a:rect l="0" t="0" r="r" b="b"/>
+            <a:pathLst>
+              <a:path w="21600" h="16007" fill="norm" stroke="1" extrusionOk="0">
+                <a:moveTo>
+                  <a:pt x="9472" y="21"/>
+                </a:moveTo>
+                <a:cubicBezTo>
+                  <a:pt x="9223" y="53"/>
+                  <a:pt x="8975" y="641"/>
+                  <a:pt x="8772" y="1801"/>
+                </a:cubicBezTo>
+                <a:cubicBezTo>
+                  <a:pt x="8137" y="-1445"/>
+                  <a:pt x="7234" y="1021"/>
+                  <a:pt x="7074" y="6181"/>
+                </a:cubicBezTo>
+                <a:cubicBezTo>
+                  <a:pt x="7070" y="6301"/>
+                  <a:pt x="7067" y="6425"/>
+                  <a:pt x="7064" y="6545"/>
+                </a:cubicBezTo>
+                <a:cubicBezTo>
+                  <a:pt x="3830" y="6672"/>
+                  <a:pt x="1931" y="6955"/>
+                  <a:pt x="24" y="7259"/>
+                </a:cubicBezTo>
+                <a:cubicBezTo>
+                  <a:pt x="10" y="7263"/>
+                  <a:pt x="0" y="7349"/>
+                  <a:pt x="0" y="7446"/>
+                </a:cubicBezTo>
+                <a:lnTo>
+                  <a:pt x="0" y="8477"/>
+                </a:lnTo>
+                <a:cubicBezTo>
+                  <a:pt x="0" y="8574"/>
+                  <a:pt x="10" y="8649"/>
+                  <a:pt x="24" y="8653"/>
+                </a:cubicBezTo>
+                <a:cubicBezTo>
+                  <a:pt x="2070" y="8979"/>
+                  <a:pt x="3801" y="9240"/>
+                  <a:pt x="7072" y="9367"/>
+                </a:cubicBezTo>
+                <a:cubicBezTo>
+                  <a:pt x="7243" y="14966"/>
+                  <a:pt x="8249" y="17172"/>
+                  <a:pt x="8848" y="13068"/>
+                </a:cubicBezTo>
+                <a:cubicBezTo>
+                  <a:pt x="9572" y="8106"/>
+                  <a:pt x="9322" y="9816"/>
+                  <a:pt x="9376" y="9449"/>
+                </a:cubicBezTo>
+                <a:cubicBezTo>
+                  <a:pt x="9794" y="12417"/>
+                  <a:pt x="10494" y="19166"/>
+                  <a:pt x="11426" y="14286"/>
+                </a:cubicBezTo>
+                <a:cubicBezTo>
+                  <a:pt x="11850" y="16535"/>
+                  <a:pt x="12432" y="16401"/>
+                  <a:pt x="12832" y="14134"/>
+                </a:cubicBezTo>
+                <a:cubicBezTo>
+                  <a:pt x="13467" y="17338"/>
+                  <a:pt x="14364" y="14891"/>
+                  <a:pt x="14524" y="9730"/>
+                </a:cubicBezTo>
+                <a:cubicBezTo>
+                  <a:pt x="14528" y="9610"/>
+                  <a:pt x="14531" y="9487"/>
+                  <a:pt x="14534" y="9367"/>
+                </a:cubicBezTo>
+                <a:cubicBezTo>
+                  <a:pt x="17341" y="9258"/>
+                  <a:pt x="19089" y="9035"/>
+                  <a:pt x="21575" y="8641"/>
+                </a:cubicBezTo>
+                <a:cubicBezTo>
+                  <a:pt x="21589" y="8637"/>
+                  <a:pt x="21600" y="8563"/>
+                  <a:pt x="21600" y="8465"/>
+                </a:cubicBezTo>
+                <a:lnTo>
+                  <a:pt x="21600" y="7435"/>
+                </a:lnTo>
+                <a:cubicBezTo>
+                  <a:pt x="21600" y="7337"/>
+                  <a:pt x="21590" y="7263"/>
+                  <a:pt x="21576" y="7259"/>
+                </a:cubicBezTo>
+                <a:cubicBezTo>
+                  <a:pt x="21279" y="7214"/>
+                  <a:pt x="18303" y="6694"/>
+                  <a:pt x="14528" y="6545"/>
+                </a:cubicBezTo>
+                <a:cubicBezTo>
+                  <a:pt x="14357" y="934"/>
+                  <a:pt x="13349" y="-1260"/>
+                  <a:pt x="12751" y="2843"/>
+                </a:cubicBezTo>
+                <a:cubicBezTo>
+                  <a:pt x="12026" y="7806"/>
+                  <a:pt x="12277" y="6095"/>
+                  <a:pt x="12223" y="6463"/>
+                </a:cubicBezTo>
+                <a:cubicBezTo>
+                  <a:pt x="12091" y="5529"/>
+                  <a:pt x="11785" y="3355"/>
+                  <a:pt x="11654" y="2422"/>
+                </a:cubicBezTo>
+                <a:cubicBezTo>
+                  <a:pt x="11648" y="2407"/>
+                  <a:pt x="10958" y="-2434"/>
+                  <a:pt x="10177" y="1614"/>
+                </a:cubicBezTo>
+                <a:cubicBezTo>
+                  <a:pt x="9969" y="521"/>
+                  <a:pt x="9721" y="-11"/>
+                  <a:pt x="9472" y="21"/>
+                </a:cubicBezTo>
+                <a:close/>
+                <a:moveTo>
+                  <a:pt x="13483" y="2586"/>
+                </a:moveTo>
+                <a:cubicBezTo>
+                  <a:pt x="13809" y="2629"/>
+                  <a:pt x="14122" y="4076"/>
+                  <a:pt x="14222" y="6545"/>
+                </a:cubicBezTo>
+                <a:cubicBezTo>
+                  <a:pt x="12283" y="6470"/>
+                  <a:pt x="14951" y="6558"/>
+                  <a:pt x="12558" y="6498"/>
+                </a:cubicBezTo>
+                <a:cubicBezTo>
+                  <a:pt x="12563" y="6456"/>
+                  <a:pt x="12951" y="3936"/>
+                  <a:pt x="12926" y="4097"/>
+                </a:cubicBezTo>
+                <a:cubicBezTo>
+                  <a:pt x="13088" y="3040"/>
+                  <a:pt x="13287" y="2560"/>
+                  <a:pt x="13483" y="2586"/>
+                </a:cubicBezTo>
+                <a:close/>
+                <a:moveTo>
+                  <a:pt x="8117" y="2691"/>
+                </a:moveTo>
+                <a:cubicBezTo>
+                  <a:pt x="8311" y="2707"/>
+                  <a:pt x="8507" y="3237"/>
+                  <a:pt x="8659" y="4354"/>
+                </a:cubicBezTo>
+                <a:cubicBezTo>
+                  <a:pt x="8665" y="4403"/>
+                  <a:pt x="8971" y="6573"/>
+                  <a:pt x="8961" y="6498"/>
+                </a:cubicBezTo>
+                <a:cubicBezTo>
+                  <a:pt x="7707" y="6531"/>
+                  <a:pt x="9154" y="6465"/>
+                  <a:pt x="7379" y="6533"/>
+                </a:cubicBezTo>
+                <a:cubicBezTo>
+                  <a:pt x="7476" y="4057"/>
+                  <a:pt x="7793" y="2666"/>
+                  <a:pt x="8117" y="2691"/>
+                </a:cubicBezTo>
+                <a:close/>
+                <a:moveTo>
+                  <a:pt x="9529" y="2961"/>
+                </a:moveTo>
+                <a:cubicBezTo>
+                  <a:pt x="9927" y="3168"/>
+                  <a:pt x="10207" y="6148"/>
+                  <a:pt x="10284" y="6474"/>
+                </a:cubicBezTo>
+                <a:lnTo>
+                  <a:pt x="9480" y="6486"/>
+                </a:lnTo>
+                <a:lnTo>
+                  <a:pt x="9096" y="3874"/>
+                </a:lnTo>
+                <a:cubicBezTo>
+                  <a:pt x="9251" y="3127"/>
+                  <a:pt x="9397" y="2891"/>
+                  <a:pt x="9529" y="2961"/>
+                </a:cubicBezTo>
+                <a:close/>
+                <a:moveTo>
+                  <a:pt x="10947" y="3019"/>
+                </a:moveTo>
+                <a:cubicBezTo>
+                  <a:pt x="11376" y="3474"/>
+                  <a:pt x="11709" y="6643"/>
+                  <a:pt x="11684" y="6474"/>
+                </a:cubicBezTo>
+                <a:lnTo>
+                  <a:pt x="10895" y="6463"/>
+                </a:lnTo>
+                <a:lnTo>
+                  <a:pt x="10496" y="3698"/>
+                </a:lnTo>
+                <a:cubicBezTo>
+                  <a:pt x="10651" y="3023"/>
+                  <a:pt x="10804" y="2868"/>
+                  <a:pt x="10947" y="3019"/>
+                </a:cubicBezTo>
+                <a:close/>
+                <a:moveTo>
+                  <a:pt x="7378" y="9391"/>
+                </a:moveTo>
+                <a:cubicBezTo>
+                  <a:pt x="8968" y="9454"/>
+                  <a:pt x="8228" y="9407"/>
+                  <a:pt x="9042" y="9426"/>
+                </a:cubicBezTo>
+                <a:cubicBezTo>
+                  <a:pt x="9036" y="9463"/>
+                  <a:pt x="8651" y="11988"/>
+                  <a:pt x="8675" y="11827"/>
+                </a:cubicBezTo>
+                <a:cubicBezTo>
+                  <a:pt x="8236" y="14694"/>
+                  <a:pt x="7535" y="13281"/>
+                  <a:pt x="7378" y="9391"/>
+                </a:cubicBezTo>
+                <a:close/>
+                <a:moveTo>
+                  <a:pt x="14221" y="9391"/>
+                </a:moveTo>
+                <a:cubicBezTo>
+                  <a:pt x="14146" y="11306"/>
+                  <a:pt x="13905" y="12840"/>
+                  <a:pt x="13627" y="13162"/>
+                </a:cubicBezTo>
+                <a:cubicBezTo>
+                  <a:pt x="13149" y="13687"/>
+                  <a:pt x="12952" y="11633"/>
+                  <a:pt x="12639" y="9426"/>
+                </a:cubicBezTo>
+                <a:cubicBezTo>
+                  <a:pt x="13881" y="9392"/>
+                  <a:pt x="12452" y="9462"/>
+                  <a:pt x="14221" y="9391"/>
+                </a:cubicBezTo>
+                <a:close/>
+                <a:moveTo>
+                  <a:pt x="12120" y="9437"/>
+                </a:moveTo>
+                <a:lnTo>
+                  <a:pt x="12509" y="12073"/>
+                </a:lnTo>
+                <a:cubicBezTo>
+                  <a:pt x="11887" y="14996"/>
+                  <a:pt x="11427" y="9888"/>
+                  <a:pt x="11325" y="9449"/>
+                </a:cubicBezTo>
+                <a:lnTo>
+                  <a:pt x="12120" y="9437"/>
+                </a:lnTo>
+                <a:close/>
+                <a:moveTo>
+                  <a:pt x="9917" y="9449"/>
+                </a:moveTo>
+                <a:lnTo>
+                  <a:pt x="10714" y="9461"/>
+                </a:lnTo>
+                <a:lnTo>
+                  <a:pt x="11111" y="12201"/>
+                </a:lnTo>
+                <a:cubicBezTo>
+                  <a:pt x="10633" y="14338"/>
+                  <a:pt x="10233" y="11576"/>
+                  <a:pt x="10228" y="11557"/>
+                </a:cubicBezTo>
+                <a:cubicBezTo>
+                  <a:pt x="10221" y="11516"/>
+                  <a:pt x="9907" y="9382"/>
+                  <a:pt x="9917" y="9449"/>
+                </a:cubicBezTo>
+                <a:close/>
+              </a:path>
+            </a:pathLst>
+          </a:custGeom>
+          <a:solidFill>
+            <a:srgbClr val="000000"/>
+          </a:solidFill>
+          <a:ln w="12700">
+            <a:miter lim="400000"/>
+          </a:ln>
+        </p:spPr>
+        <p:txBody>
+          <a:bodyPr lIns="50800" tIns="50800" rIns="50800" bIns="50800" anchor="ctr"/>
+          <a:lstStyle/>
+          <a:p>
+            <a:pPr defTabSz="825500">
+              <a:defRPr sz="3200">
+                <a:solidFill>
+                  <a:srgbClr val="FFFFFF"/>
+                </a:solidFill>
+                <a:latin typeface="Helvetica Neue Medium"/>
+                <a:ea typeface="Helvetica Neue Medium"/>
+                <a:cs typeface="Helvetica Neue Medium"/>
+                <a:sym typeface="Helvetica Neue Medium"/>
+              </a:defRPr>
+            </a:pPr>
+          </a:p>
+        </p:txBody>
+      </p:sp>
+      <p:sp>
+        <p:nvSpPr>
+          <p:cNvPr id="170" name="2"/>
+          <p:cNvSpPr txBox="1"/>
+          <p:nvPr/>
+        </p:nvSpPr>
+        <p:spPr>
+          <a:xfrm>
+            <a:off x="12048286" y="12778316"/>
+            <a:ext cx="287428" cy="469901"/>
+          </a:xfrm>
+          <a:prstGeom prst="rect">
+            <a:avLst/>
+          </a:prstGeom>
+          <a:ln w="12700">
+            <a:miter lim="400000"/>
+          </a:ln>
+          <a:extLst>
+            <a:ext uri="{C572A759-6A51-4108-AA02-DFA0A04FC94B}">
+              <ma14:wrappingTextBoxFlag xmlns:ma14="http://schemas.microsoft.com/office/mac/drawingml/2011/main" val="1"/>
+            </a:ext>
+          </a:extLst>
+        </p:spPr>
+        <p:txBody>
+          <a:bodyPr wrap="none" lIns="50800" tIns="50800" rIns="50800" bIns="50800" anchor="ctr">
+            <a:spAutoFit/>
+          </a:bodyPr>
+          <a:lstStyle>
+            <a:lvl1pPr>
+              <a:defRPr>
+                <a:solidFill>
+                  <a:srgbClr val="000000"/>
+                </a:solidFill>
+                <a:latin typeface="Montserrat Regular"/>
+                <a:ea typeface="Montserrat Regular"/>
+                <a:cs typeface="Montserrat Regular"/>
+                <a:sym typeface="Montserrat Regular"/>
+              </a:defRPr>
+            </a:lvl1pPr>
+          </a:lstStyle>
+          <a:p>
+            <a:pPr/>
+            <a:r>
+              <a:t>2</a:t>
+            </a:r>
+          </a:p>
+        </p:txBody>
+      </p:sp>
+    </p:spTree>
+  </p:cSld>
+  <p:clrMapOvr>
+    <a:masterClrMapping/>
+  </p:clrMapOvr>
+  <p:transition xmlns:p14="http://schemas.microsoft.com/office/powerpoint/2010/main" spd="med" advClick="1"/>
+</p:sld>
+</file>
+
+<file path=ppt/slides/slide4.xml><?xml version="1.0" encoding="utf-8"?>
+<p:sld xmlns:a="http://schemas.openxmlformats.org/drawingml/2006/main" xmlns:r="http://schemas.openxmlformats.org/officeDocument/2006/relationships" xmlns:p="http://schemas.openxmlformats.org/presentationml/2006/main" xmlns:m="http://schemas.openxmlformats.org/officeDocument/2006/math" xmlns:a14="http://schemas.microsoft.com/office/drawing/2010/main" showMasterSp="1" showMasterPhAnim="1">
+  <p:cSld>
+    <p:spTree>
+      <p:nvGrpSpPr>
+        <p:cNvPr id="1" name=""/>
+        <p:cNvGrpSpPr/>
+        <p:nvPr/>
+      </p:nvGrpSpPr>
+      <p:grpSpPr>
+        <a:xfrm>
+          <a:off x="0" y="0"/>
+          <a:ext cx="0" cy="0"/>
+          <a:chOff x="0" y="0"/>
+          <a:chExt cx="0" cy="0"/>
+        </a:xfrm>
+      </p:grpSpPr>
+      <p:sp>
+        <p:nvSpPr>
+          <p:cNvPr id="172" name="Requisiti"/>
+          <p:cNvSpPr txBox="1"/>
+          <p:nvPr>
+            <p:ph type="title"/>
+          </p:nvPr>
+        </p:nvSpPr>
+        <p:spPr>
+          <a:xfrm>
+            <a:off x="1206500" y="1077359"/>
+            <a:ext cx="21971000" cy="1433164"/>
+          </a:xfrm>
+          <a:prstGeom prst="rect">
+            <a:avLst/>
+          </a:prstGeom>
+        </p:spPr>
+        <p:txBody>
+          <a:bodyPr/>
+          <a:lstStyle>
+            <a:lvl1pPr>
+              <a:defRPr b="0" u="sng">
+                <a:solidFill>
+                  <a:srgbClr val="3D3D3D"/>
+                </a:solidFill>
+                <a:latin typeface="Montserrat Thin SemiBold"/>
+                <a:ea typeface="Montserrat Thin SemiBold"/>
+                <a:cs typeface="Montserrat Thin SemiBold"/>
+                <a:sym typeface="Montserrat Thin SemiBold"/>
+              </a:defRPr>
+            </a:lvl1pPr>
+          </a:lstStyle>
+          <a:p>
+            <a:pPr/>
+            <a:r>
+              <a:t>Requisiti</a:t>
+            </a:r>
+          </a:p>
+        </p:txBody>
+      </p:sp>
+      <p:sp>
+        <p:nvSpPr>
+          <p:cNvPr id="173" name="Registrazione e Login…"/>
+          <p:cNvSpPr txBox="1"/>
+          <p:nvPr>
+            <p:ph type="body" sz="quarter" idx="1"/>
+          </p:nvPr>
+        </p:nvSpPr>
+        <p:spPr>
+          <a:xfrm>
+            <a:off x="12819376" y="4424381"/>
+            <a:ext cx="10691051" cy="5365775"/>
+          </a:xfrm>
+          <a:prstGeom prst="rect">
+            <a:avLst/>
+          </a:prstGeom>
+        </p:spPr>
+        <p:txBody>
+          <a:bodyPr/>
+          <a:lstStyle/>
+          <a:p>
+            <a:pPr marL="536447" indent="-536447" defTabSz="2145738">
+              <a:lnSpc>
+                <a:spcPct val="40000"/>
+              </a:lnSpc>
+              <a:spcBef>
+                <a:spcPts val="3900"/>
+              </a:spcBef>
+              <a:buSzPct val="120000"/>
+              <a:defRPr sz="4224" u="sng">
+                <a:solidFill>
+                  <a:srgbClr val="3D3D3D"/>
+                </a:solidFill>
+                <a:latin typeface="Montserrat Regular"/>
+                <a:ea typeface="Montserrat Regular"/>
+                <a:cs typeface="Montserrat Regular"/>
+                <a:sym typeface="Montserrat Regular"/>
+              </a:defRPr>
+            </a:pPr>
+            <a:r>
+              <a:t>Registrazione e Login</a:t>
+            </a:r>
+          </a:p>
+          <a:p>
+            <a:pPr marL="536447" indent="-536447" defTabSz="2145738">
+              <a:lnSpc>
+                <a:spcPct val="40000"/>
+              </a:lnSpc>
+              <a:spcBef>
+                <a:spcPts val="3900"/>
+              </a:spcBef>
+              <a:buSzPct val="120000"/>
+              <a:defRPr sz="4224">
+                <a:solidFill>
+                  <a:srgbClr val="3D3D3D"/>
+                </a:solidFill>
+                <a:latin typeface="Montserrat Regular"/>
+                <a:ea typeface="Montserrat Regular"/>
+                <a:cs typeface="Montserrat Regular"/>
+                <a:sym typeface="Montserrat Regular"/>
+              </a:defRPr>
+            </a:pPr>
+            <a:r>
+              <a:t>Creazione di un evento</a:t>
+            </a:r>
+          </a:p>
+          <a:p>
+            <a:pPr marL="536447" indent="-536447" defTabSz="2145738">
+              <a:lnSpc>
+                <a:spcPct val="40000"/>
+              </a:lnSpc>
+              <a:spcBef>
+                <a:spcPts val="3900"/>
+              </a:spcBef>
+              <a:buSzPct val="120000"/>
+              <a:defRPr sz="4224">
+                <a:solidFill>
+                  <a:srgbClr val="3D3D3D"/>
+                </a:solidFill>
+                <a:latin typeface="Montserrat Regular"/>
+                <a:ea typeface="Montserrat Regular"/>
+                <a:cs typeface="Montserrat Regular"/>
+                <a:sym typeface="Montserrat Regular"/>
+              </a:defRPr>
+            </a:pPr>
+            <a:r>
+              <a:t>Timeline con eventi</a:t>
+            </a:r>
+          </a:p>
+          <a:p>
+            <a:pPr marL="536447" indent="-536447" defTabSz="2145738">
+              <a:lnSpc>
+                <a:spcPct val="40000"/>
+              </a:lnSpc>
+              <a:spcBef>
+                <a:spcPts val="3900"/>
+              </a:spcBef>
+              <a:buSzPct val="120000"/>
+              <a:defRPr sz="4224">
+                <a:solidFill>
+                  <a:srgbClr val="3D3D3D"/>
+                </a:solidFill>
+                <a:latin typeface="Montserrat Regular"/>
+                <a:ea typeface="Montserrat Regular"/>
+                <a:cs typeface="Montserrat Regular"/>
+                <a:sym typeface="Montserrat Regular"/>
+              </a:defRPr>
+            </a:pPr>
+            <a:r>
+              <a:t>Seguire un utente</a:t>
+            </a:r>
+          </a:p>
+          <a:p>
+            <a:pPr marL="536447" indent="-536447" defTabSz="2145738">
+              <a:lnSpc>
+                <a:spcPct val="40000"/>
+              </a:lnSpc>
+              <a:spcBef>
+                <a:spcPts val="3900"/>
+              </a:spcBef>
+              <a:buSzPct val="120000"/>
+              <a:defRPr sz="4224">
+                <a:solidFill>
+                  <a:srgbClr val="3D3D3D"/>
+                </a:solidFill>
+                <a:latin typeface="Montserrat Regular"/>
+                <a:ea typeface="Montserrat Regular"/>
+                <a:cs typeface="Montserrat Regular"/>
+                <a:sym typeface="Montserrat Regular"/>
+              </a:defRPr>
+            </a:pPr>
+            <a:r>
+              <a:t>Commentare / Mi piace post</a:t>
+            </a:r>
+          </a:p>
+          <a:p>
+            <a:pPr marL="536447" indent="-536447" defTabSz="2145738">
+              <a:lnSpc>
+                <a:spcPct val="40000"/>
+              </a:lnSpc>
+              <a:spcBef>
+                <a:spcPts val="3900"/>
+              </a:spcBef>
+              <a:buSzPct val="120000"/>
+              <a:defRPr sz="4224">
+                <a:solidFill>
+                  <a:srgbClr val="3D3D3D"/>
+                </a:solidFill>
+                <a:latin typeface="Montserrat Regular"/>
+                <a:ea typeface="Montserrat Regular"/>
+                <a:cs typeface="Montserrat Regular"/>
+                <a:sym typeface="Montserrat Regular"/>
+              </a:defRPr>
+            </a:pPr>
+            <a:r>
+              <a:t>Partecipare ad un evento</a:t>
+            </a:r>
+          </a:p>
+          <a:p>
+            <a:pPr marL="536447" indent="-536447" defTabSz="2145738">
+              <a:lnSpc>
+                <a:spcPct val="40000"/>
+              </a:lnSpc>
+              <a:spcBef>
+                <a:spcPts val="3900"/>
+              </a:spcBef>
+              <a:buSzPct val="120000"/>
+              <a:defRPr sz="4224">
+                <a:solidFill>
+                  <a:srgbClr val="3D3D3D"/>
+                </a:solidFill>
+                <a:latin typeface="Montserrat Regular"/>
+                <a:ea typeface="Montserrat Regular"/>
+                <a:cs typeface="Montserrat Regular"/>
+                <a:sym typeface="Montserrat Regular"/>
+              </a:defRPr>
+            </a:pPr>
+            <a:r>
+              <a:t>Utenti Suggeriti</a:t>
+            </a:r>
+          </a:p>
+        </p:txBody>
+      </p:sp>
+      <p:sp>
+        <p:nvSpPr>
+          <p:cNvPr id="174" name="Essenziali"/>
+          <p:cNvSpPr txBox="1"/>
+          <p:nvPr/>
+        </p:nvSpPr>
+        <p:spPr>
+          <a:xfrm>
+            <a:off x="1358900" y="2355185"/>
+            <a:ext cx="21971000" cy="934780"/>
+          </a:xfrm>
+          <a:prstGeom prst="rect">
+            <a:avLst/>
+          </a:prstGeom>
+          <a:ln w="12700">
+            <a:miter lim="400000"/>
+          </a:ln>
+          <a:extLst>
+            <a:ext uri="{C572A759-6A51-4108-AA02-DFA0A04FC94B}">
+              <ma14:wrappingTextBoxFlag xmlns:ma14="http://schemas.microsoft.com/office/mac/drawingml/2011/main" val="1"/>
+            </a:ext>
+          </a:extLst>
+        </p:spPr>
+        <p:txBody>
+          <a:bodyPr lIns="45719" rIns="45719">
+            <a:normAutofit fontScale="100000" lnSpcReduction="0"/>
+          </a:bodyPr>
+          <a:lstStyle>
+            <a:lvl1pPr algn="l" defTabSz="825500">
+              <a:defRPr sz="5500">
+                <a:solidFill>
+                  <a:srgbClr val="3D3D3D"/>
+                </a:solidFill>
+                <a:latin typeface="Montserrat SemiBold"/>
+                <a:ea typeface="Montserrat SemiBold"/>
+                <a:cs typeface="Montserrat SemiBold"/>
+                <a:sym typeface="Montserrat SemiBold"/>
+              </a:defRPr>
+            </a:lvl1pPr>
+          </a:lstStyle>
+          <a:p>
+            <a:pPr/>
+            <a:r>
+              <a:t>Essenziali</a:t>
+            </a:r>
+          </a:p>
+        </p:txBody>
+      </p:sp>
       <p:pic>
         <p:nvPicPr>
-          <p:cNvPr id="168" name="Login.png" descr="Login.png"/>
+          <p:cNvPr id="175" name="Login.png" descr="Login.png"/>
           <p:cNvPicPr>
             <a:picLocks noChangeAspect="1"/>
           </p:cNvPicPr>
@@ -5277,7 +7151,7 @@
       </p:pic>
       <p:pic>
         <p:nvPicPr>
-          <p:cNvPr id="169" name="Registrazione.png" descr="Registrazione.png"/>
+          <p:cNvPr id="176" name="Registrazione.png" descr="Registrazione.png"/>
           <p:cNvPicPr>
             <a:picLocks noChangeAspect="1"/>
           </p:cNvPicPr>
@@ -5304,241 +7178,396 @@
           </a:ln>
         </p:spPr>
       </p:pic>
-    </p:spTree>
-  </p:cSld>
-  <p:clrMapOvr>
-    <a:masterClrMapping/>
-  </p:clrMapOvr>
-  <p:transition xmlns:p14="http://schemas.microsoft.com/office/powerpoint/2010/main" spd="med" advClick="1"/>
-</p:sld>
-</file>
-
-<file path=ppt/slides/slide5.xml><?xml version="1.0" encoding="utf-8"?>
-<p:sld xmlns:a="http://schemas.openxmlformats.org/drawingml/2006/main" xmlns:r="http://schemas.openxmlformats.org/officeDocument/2006/relationships" xmlns:p="http://schemas.openxmlformats.org/presentationml/2006/main" xmlns:m="http://schemas.openxmlformats.org/officeDocument/2006/math" xmlns:a14="http://schemas.microsoft.com/office/drawing/2010/main" showMasterSp="1" showMasterPhAnim="1">
-  <p:cSld>
-    <p:spTree>
-      <p:nvGrpSpPr>
-        <p:cNvPr id="1" name=""/>
-        <p:cNvGrpSpPr/>
-        <p:nvPr/>
-      </p:nvGrpSpPr>
-      <p:grpSpPr>
-        <a:xfrm>
-          <a:off x="0" y="0"/>
-          <a:ext cx="0" cy="0"/>
-          <a:chOff x="0" y="0"/>
-          <a:chExt cx="0" cy="0"/>
-        </a:xfrm>
-      </p:grpSpPr>
       <p:sp>
         <p:nvSpPr>
-          <p:cNvPr id="171" name="Requisiti"/>
-          <p:cNvSpPr txBox="1"/>
-          <p:nvPr>
-            <p:ph type="title"/>
-          </p:nvPr>
+          <p:cNvPr id="177" name="Rectangle"/>
+          <p:cNvSpPr/>
+          <p:nvPr/>
         </p:nvSpPr>
         <p:spPr>
           <a:xfrm>
-            <a:off x="1206500" y="1077359"/>
-            <a:ext cx="21971000" cy="1433164"/>
+            <a:off x="-282179" y="-651934"/>
+            <a:ext cx="24948358" cy="1270001"/>
           </a:xfrm>
           <a:prstGeom prst="rect">
             <a:avLst/>
           </a:prstGeom>
+          <a:solidFill>
+            <a:srgbClr val="5E5E5E"/>
+          </a:solidFill>
+          <a:ln w="12700">
+            <a:miter lim="400000"/>
+          </a:ln>
         </p:spPr>
         <p:txBody>
-          <a:bodyPr/>
-          <a:lstStyle>
-            <a:lvl1pPr>
-              <a:defRPr b="0" u="sng">
-                <a:latin typeface="Montserrat Thin SemiBold"/>
-                <a:ea typeface="Montserrat Thin SemiBold"/>
-                <a:cs typeface="Montserrat Thin SemiBold"/>
-                <a:sym typeface="Montserrat Thin SemiBold"/>
+          <a:bodyPr lIns="50800" tIns="50800" rIns="50800" bIns="50800" anchor="ctr"/>
+          <a:lstStyle/>
+          <a:p>
+            <a:pPr defTabSz="825500">
+              <a:defRPr sz="3200">
+                <a:solidFill>
+                  <a:srgbClr val="FFFFFF"/>
+                </a:solidFill>
+                <a:latin typeface="Helvetica Neue Medium"/>
+                <a:ea typeface="Helvetica Neue Medium"/>
+                <a:cs typeface="Helvetica Neue Medium"/>
+                <a:sym typeface="Helvetica Neue Medium"/>
               </a:defRPr>
-            </a:lvl1pPr>
-          </a:lstStyle>
-          <a:p>
-            <a:pPr/>
-            <a:r>
-              <a:t>Requisiti</a:t>
-            </a:r>
+            </a:pPr>
           </a:p>
         </p:txBody>
       </p:sp>
       <p:sp>
         <p:nvSpPr>
-          <p:cNvPr id="172" name="Registrazione e Login…"/>
-          <p:cNvSpPr txBox="1"/>
-          <p:nvPr>
-            <p:ph type="body" sz="quarter" idx="1"/>
-          </p:nvPr>
+          <p:cNvPr id="178" name="Ornament 16"/>
+          <p:cNvSpPr/>
+          <p:nvPr/>
         </p:nvSpPr>
         <p:spPr>
           <a:xfrm>
-            <a:off x="12819376" y="4424381"/>
-            <a:ext cx="10691051" cy="5365775"/>
+            <a:off x="11497122" y="13203921"/>
+            <a:ext cx="1389757" cy="148386"/>
           </a:xfrm>
-          <a:prstGeom prst="rect">
+          <a:custGeom>
             <a:avLst/>
-          </a:prstGeom>
+            <a:gdLst/>
+            <a:ahLst/>
+            <a:cxnLst>
+              <a:cxn ang="0">
+                <a:pos x="wd2" y="hd2"/>
+              </a:cxn>
+              <a:cxn ang="5400000">
+                <a:pos x="wd2" y="hd2"/>
+              </a:cxn>
+              <a:cxn ang="10800000">
+                <a:pos x="wd2" y="hd2"/>
+              </a:cxn>
+              <a:cxn ang="16200000">
+                <a:pos x="wd2" y="hd2"/>
+              </a:cxn>
+            </a:cxnLst>
+            <a:rect l="0" t="0" r="r" b="b"/>
+            <a:pathLst>
+              <a:path w="21600" h="16007" fill="norm" stroke="1" extrusionOk="0">
+                <a:moveTo>
+                  <a:pt x="9472" y="21"/>
+                </a:moveTo>
+                <a:cubicBezTo>
+                  <a:pt x="9223" y="53"/>
+                  <a:pt x="8975" y="641"/>
+                  <a:pt x="8772" y="1801"/>
+                </a:cubicBezTo>
+                <a:cubicBezTo>
+                  <a:pt x="8137" y="-1445"/>
+                  <a:pt x="7234" y="1021"/>
+                  <a:pt x="7074" y="6181"/>
+                </a:cubicBezTo>
+                <a:cubicBezTo>
+                  <a:pt x="7070" y="6301"/>
+                  <a:pt x="7067" y="6425"/>
+                  <a:pt x="7064" y="6545"/>
+                </a:cubicBezTo>
+                <a:cubicBezTo>
+                  <a:pt x="3830" y="6672"/>
+                  <a:pt x="1931" y="6955"/>
+                  <a:pt x="24" y="7259"/>
+                </a:cubicBezTo>
+                <a:cubicBezTo>
+                  <a:pt x="10" y="7263"/>
+                  <a:pt x="0" y="7349"/>
+                  <a:pt x="0" y="7446"/>
+                </a:cubicBezTo>
+                <a:lnTo>
+                  <a:pt x="0" y="8477"/>
+                </a:lnTo>
+                <a:cubicBezTo>
+                  <a:pt x="0" y="8574"/>
+                  <a:pt x="10" y="8649"/>
+                  <a:pt x="24" y="8653"/>
+                </a:cubicBezTo>
+                <a:cubicBezTo>
+                  <a:pt x="2070" y="8979"/>
+                  <a:pt x="3801" y="9240"/>
+                  <a:pt x="7072" y="9367"/>
+                </a:cubicBezTo>
+                <a:cubicBezTo>
+                  <a:pt x="7243" y="14966"/>
+                  <a:pt x="8249" y="17172"/>
+                  <a:pt x="8848" y="13068"/>
+                </a:cubicBezTo>
+                <a:cubicBezTo>
+                  <a:pt x="9572" y="8106"/>
+                  <a:pt x="9322" y="9816"/>
+                  <a:pt x="9376" y="9449"/>
+                </a:cubicBezTo>
+                <a:cubicBezTo>
+                  <a:pt x="9794" y="12417"/>
+                  <a:pt x="10494" y="19166"/>
+                  <a:pt x="11426" y="14286"/>
+                </a:cubicBezTo>
+                <a:cubicBezTo>
+                  <a:pt x="11850" y="16535"/>
+                  <a:pt x="12432" y="16401"/>
+                  <a:pt x="12832" y="14134"/>
+                </a:cubicBezTo>
+                <a:cubicBezTo>
+                  <a:pt x="13467" y="17338"/>
+                  <a:pt x="14364" y="14891"/>
+                  <a:pt x="14524" y="9730"/>
+                </a:cubicBezTo>
+                <a:cubicBezTo>
+                  <a:pt x="14528" y="9610"/>
+                  <a:pt x="14531" y="9487"/>
+                  <a:pt x="14534" y="9367"/>
+                </a:cubicBezTo>
+                <a:cubicBezTo>
+                  <a:pt x="17341" y="9258"/>
+                  <a:pt x="19089" y="9035"/>
+                  <a:pt x="21575" y="8641"/>
+                </a:cubicBezTo>
+                <a:cubicBezTo>
+                  <a:pt x="21589" y="8637"/>
+                  <a:pt x="21600" y="8563"/>
+                  <a:pt x="21600" y="8465"/>
+                </a:cubicBezTo>
+                <a:lnTo>
+                  <a:pt x="21600" y="7435"/>
+                </a:lnTo>
+                <a:cubicBezTo>
+                  <a:pt x="21600" y="7337"/>
+                  <a:pt x="21590" y="7263"/>
+                  <a:pt x="21576" y="7259"/>
+                </a:cubicBezTo>
+                <a:cubicBezTo>
+                  <a:pt x="21279" y="7214"/>
+                  <a:pt x="18303" y="6694"/>
+                  <a:pt x="14528" y="6545"/>
+                </a:cubicBezTo>
+                <a:cubicBezTo>
+                  <a:pt x="14357" y="934"/>
+                  <a:pt x="13349" y="-1260"/>
+                  <a:pt x="12751" y="2843"/>
+                </a:cubicBezTo>
+                <a:cubicBezTo>
+                  <a:pt x="12026" y="7806"/>
+                  <a:pt x="12277" y="6095"/>
+                  <a:pt x="12223" y="6463"/>
+                </a:cubicBezTo>
+                <a:cubicBezTo>
+                  <a:pt x="12091" y="5529"/>
+                  <a:pt x="11785" y="3355"/>
+                  <a:pt x="11654" y="2422"/>
+                </a:cubicBezTo>
+                <a:cubicBezTo>
+                  <a:pt x="11648" y="2407"/>
+                  <a:pt x="10958" y="-2434"/>
+                  <a:pt x="10177" y="1614"/>
+                </a:cubicBezTo>
+                <a:cubicBezTo>
+                  <a:pt x="9969" y="521"/>
+                  <a:pt x="9721" y="-11"/>
+                  <a:pt x="9472" y="21"/>
+                </a:cubicBezTo>
+                <a:close/>
+                <a:moveTo>
+                  <a:pt x="13483" y="2586"/>
+                </a:moveTo>
+                <a:cubicBezTo>
+                  <a:pt x="13809" y="2629"/>
+                  <a:pt x="14122" y="4076"/>
+                  <a:pt x="14222" y="6545"/>
+                </a:cubicBezTo>
+                <a:cubicBezTo>
+                  <a:pt x="12283" y="6470"/>
+                  <a:pt x="14951" y="6558"/>
+                  <a:pt x="12558" y="6498"/>
+                </a:cubicBezTo>
+                <a:cubicBezTo>
+                  <a:pt x="12563" y="6456"/>
+                  <a:pt x="12951" y="3936"/>
+                  <a:pt x="12926" y="4097"/>
+                </a:cubicBezTo>
+                <a:cubicBezTo>
+                  <a:pt x="13088" y="3040"/>
+                  <a:pt x="13287" y="2560"/>
+                  <a:pt x="13483" y="2586"/>
+                </a:cubicBezTo>
+                <a:close/>
+                <a:moveTo>
+                  <a:pt x="8117" y="2691"/>
+                </a:moveTo>
+                <a:cubicBezTo>
+                  <a:pt x="8311" y="2707"/>
+                  <a:pt x="8507" y="3237"/>
+                  <a:pt x="8659" y="4354"/>
+                </a:cubicBezTo>
+                <a:cubicBezTo>
+                  <a:pt x="8665" y="4403"/>
+                  <a:pt x="8971" y="6573"/>
+                  <a:pt x="8961" y="6498"/>
+                </a:cubicBezTo>
+                <a:cubicBezTo>
+                  <a:pt x="7707" y="6531"/>
+                  <a:pt x="9154" y="6465"/>
+                  <a:pt x="7379" y="6533"/>
+                </a:cubicBezTo>
+                <a:cubicBezTo>
+                  <a:pt x="7476" y="4057"/>
+                  <a:pt x="7793" y="2666"/>
+                  <a:pt x="8117" y="2691"/>
+                </a:cubicBezTo>
+                <a:close/>
+                <a:moveTo>
+                  <a:pt x="9529" y="2961"/>
+                </a:moveTo>
+                <a:cubicBezTo>
+                  <a:pt x="9927" y="3168"/>
+                  <a:pt x="10207" y="6148"/>
+                  <a:pt x="10284" y="6474"/>
+                </a:cubicBezTo>
+                <a:lnTo>
+                  <a:pt x="9480" y="6486"/>
+                </a:lnTo>
+                <a:lnTo>
+                  <a:pt x="9096" y="3874"/>
+                </a:lnTo>
+                <a:cubicBezTo>
+                  <a:pt x="9251" y="3127"/>
+                  <a:pt x="9397" y="2891"/>
+                  <a:pt x="9529" y="2961"/>
+                </a:cubicBezTo>
+                <a:close/>
+                <a:moveTo>
+                  <a:pt x="10947" y="3019"/>
+                </a:moveTo>
+                <a:cubicBezTo>
+                  <a:pt x="11376" y="3474"/>
+                  <a:pt x="11709" y="6643"/>
+                  <a:pt x="11684" y="6474"/>
+                </a:cubicBezTo>
+                <a:lnTo>
+                  <a:pt x="10895" y="6463"/>
+                </a:lnTo>
+                <a:lnTo>
+                  <a:pt x="10496" y="3698"/>
+                </a:lnTo>
+                <a:cubicBezTo>
+                  <a:pt x="10651" y="3023"/>
+                  <a:pt x="10804" y="2868"/>
+                  <a:pt x="10947" y="3019"/>
+                </a:cubicBezTo>
+                <a:close/>
+                <a:moveTo>
+                  <a:pt x="7378" y="9391"/>
+                </a:moveTo>
+                <a:cubicBezTo>
+                  <a:pt x="8968" y="9454"/>
+                  <a:pt x="8228" y="9407"/>
+                  <a:pt x="9042" y="9426"/>
+                </a:cubicBezTo>
+                <a:cubicBezTo>
+                  <a:pt x="9036" y="9463"/>
+                  <a:pt x="8651" y="11988"/>
+                  <a:pt x="8675" y="11827"/>
+                </a:cubicBezTo>
+                <a:cubicBezTo>
+                  <a:pt x="8236" y="14694"/>
+                  <a:pt x="7535" y="13281"/>
+                  <a:pt x="7378" y="9391"/>
+                </a:cubicBezTo>
+                <a:close/>
+                <a:moveTo>
+                  <a:pt x="14221" y="9391"/>
+                </a:moveTo>
+                <a:cubicBezTo>
+                  <a:pt x="14146" y="11306"/>
+                  <a:pt x="13905" y="12840"/>
+                  <a:pt x="13627" y="13162"/>
+                </a:cubicBezTo>
+                <a:cubicBezTo>
+                  <a:pt x="13149" y="13687"/>
+                  <a:pt x="12952" y="11633"/>
+                  <a:pt x="12639" y="9426"/>
+                </a:cubicBezTo>
+                <a:cubicBezTo>
+                  <a:pt x="13881" y="9392"/>
+                  <a:pt x="12452" y="9462"/>
+                  <a:pt x="14221" y="9391"/>
+                </a:cubicBezTo>
+                <a:close/>
+                <a:moveTo>
+                  <a:pt x="12120" y="9437"/>
+                </a:moveTo>
+                <a:lnTo>
+                  <a:pt x="12509" y="12073"/>
+                </a:lnTo>
+                <a:cubicBezTo>
+                  <a:pt x="11887" y="14996"/>
+                  <a:pt x="11427" y="9888"/>
+                  <a:pt x="11325" y="9449"/>
+                </a:cubicBezTo>
+                <a:lnTo>
+                  <a:pt x="12120" y="9437"/>
+                </a:lnTo>
+                <a:close/>
+                <a:moveTo>
+                  <a:pt x="9917" y="9449"/>
+                </a:moveTo>
+                <a:lnTo>
+                  <a:pt x="10714" y="9461"/>
+                </a:lnTo>
+                <a:lnTo>
+                  <a:pt x="11111" y="12201"/>
+                </a:lnTo>
+                <a:cubicBezTo>
+                  <a:pt x="10633" y="14338"/>
+                  <a:pt x="10233" y="11576"/>
+                  <a:pt x="10228" y="11557"/>
+                </a:cubicBezTo>
+                <a:cubicBezTo>
+                  <a:pt x="10221" y="11516"/>
+                  <a:pt x="9907" y="9382"/>
+                  <a:pt x="9917" y="9449"/>
+                </a:cubicBezTo>
+                <a:close/>
+              </a:path>
+            </a:pathLst>
+          </a:custGeom>
+          <a:solidFill>
+            <a:srgbClr val="000000"/>
+          </a:solidFill>
+          <a:ln w="12700">
+            <a:miter lim="400000"/>
+          </a:ln>
         </p:spPr>
         <p:txBody>
-          <a:bodyPr/>
+          <a:bodyPr lIns="50800" tIns="50800" rIns="50800" bIns="50800" anchor="ctr"/>
           <a:lstStyle/>
           <a:p>
-            <a:pPr marL="536447" indent="-536447" defTabSz="2145738">
-              <a:lnSpc>
-                <a:spcPct val="40000"/>
-              </a:lnSpc>
-              <a:spcBef>
-                <a:spcPts val="3900"/>
-              </a:spcBef>
-              <a:buSzPct val="120000"/>
-              <a:defRPr sz="4224">
-                <a:latin typeface="Montserrat Regular"/>
-                <a:ea typeface="Montserrat Regular"/>
-                <a:cs typeface="Montserrat Regular"/>
-                <a:sym typeface="Montserrat Regular"/>
+            <a:pPr defTabSz="825500">
+              <a:defRPr sz="3200">
+                <a:solidFill>
+                  <a:srgbClr val="FFFFFF"/>
+                </a:solidFill>
+                <a:latin typeface="Helvetica Neue Medium"/>
+                <a:ea typeface="Helvetica Neue Medium"/>
+                <a:cs typeface="Helvetica Neue Medium"/>
+                <a:sym typeface="Helvetica Neue Medium"/>
               </a:defRPr>
             </a:pPr>
-            <a:r>
-              <a:t>Registrazione e Login</a:t>
-            </a:r>
-          </a:p>
-          <a:p>
-            <a:pPr marL="536447" indent="-536447" defTabSz="2145738">
-              <a:lnSpc>
-                <a:spcPct val="40000"/>
-              </a:lnSpc>
-              <a:spcBef>
-                <a:spcPts val="3900"/>
-              </a:spcBef>
-              <a:buSzPct val="120000"/>
-              <a:defRPr sz="4224" u="sng">
-                <a:latin typeface="Montserrat Regular"/>
-                <a:ea typeface="Montserrat Regular"/>
-                <a:cs typeface="Montserrat Regular"/>
-                <a:sym typeface="Montserrat Regular"/>
-              </a:defRPr>
-            </a:pPr>
-            <a:r>
-              <a:t>Creazione di un evento</a:t>
-            </a:r>
-          </a:p>
-          <a:p>
-            <a:pPr marL="536447" indent="-536447" defTabSz="2145738">
-              <a:lnSpc>
-                <a:spcPct val="40000"/>
-              </a:lnSpc>
-              <a:spcBef>
-                <a:spcPts val="3900"/>
-              </a:spcBef>
-              <a:buSzPct val="120000"/>
-              <a:defRPr sz="4224">
-                <a:latin typeface="Montserrat Regular"/>
-                <a:ea typeface="Montserrat Regular"/>
-                <a:cs typeface="Montserrat Regular"/>
-                <a:sym typeface="Montserrat Regular"/>
-              </a:defRPr>
-            </a:pPr>
-            <a:r>
-              <a:t>Timeline con eventi</a:t>
-            </a:r>
-          </a:p>
-          <a:p>
-            <a:pPr marL="536447" indent="-536447" defTabSz="2145738">
-              <a:lnSpc>
-                <a:spcPct val="40000"/>
-              </a:lnSpc>
-              <a:spcBef>
-                <a:spcPts val="3900"/>
-              </a:spcBef>
-              <a:buSzPct val="120000"/>
-              <a:defRPr sz="4224">
-                <a:latin typeface="Montserrat Regular"/>
-                <a:ea typeface="Montserrat Regular"/>
-                <a:cs typeface="Montserrat Regular"/>
-                <a:sym typeface="Montserrat Regular"/>
-              </a:defRPr>
-            </a:pPr>
-            <a:r>
-              <a:t>Seguire un utente</a:t>
-            </a:r>
-          </a:p>
-          <a:p>
-            <a:pPr marL="536447" indent="-536447" defTabSz="2145738">
-              <a:lnSpc>
-                <a:spcPct val="40000"/>
-              </a:lnSpc>
-              <a:spcBef>
-                <a:spcPts val="3900"/>
-              </a:spcBef>
-              <a:buSzPct val="120000"/>
-              <a:defRPr sz="4224">
-                <a:latin typeface="Montserrat Regular"/>
-                <a:ea typeface="Montserrat Regular"/>
-                <a:cs typeface="Montserrat Regular"/>
-                <a:sym typeface="Montserrat Regular"/>
-              </a:defRPr>
-            </a:pPr>
-            <a:r>
-              <a:t>Commentare / Mi piace post</a:t>
-            </a:r>
-          </a:p>
-          <a:p>
-            <a:pPr marL="536447" indent="-536447" defTabSz="2145738">
-              <a:lnSpc>
-                <a:spcPct val="40000"/>
-              </a:lnSpc>
-              <a:spcBef>
-                <a:spcPts val="3900"/>
-              </a:spcBef>
-              <a:buSzPct val="120000"/>
-              <a:defRPr sz="4224">
-                <a:latin typeface="Montserrat Regular"/>
-                <a:ea typeface="Montserrat Regular"/>
-                <a:cs typeface="Montserrat Regular"/>
-                <a:sym typeface="Montserrat Regular"/>
-              </a:defRPr>
-            </a:pPr>
-            <a:r>
-              <a:t>Partecipare ad un evento</a:t>
-            </a:r>
-          </a:p>
-          <a:p>
-            <a:pPr marL="536447" indent="-536447" defTabSz="2145738">
-              <a:lnSpc>
-                <a:spcPct val="40000"/>
-              </a:lnSpc>
-              <a:spcBef>
-                <a:spcPts val="3900"/>
-              </a:spcBef>
-              <a:buSzPct val="120000"/>
-              <a:defRPr sz="4224">
-                <a:latin typeface="Montserrat Regular"/>
-                <a:ea typeface="Montserrat Regular"/>
-                <a:cs typeface="Montserrat Regular"/>
-                <a:sym typeface="Montserrat Regular"/>
-              </a:defRPr>
-            </a:pPr>
-            <a:r>
-              <a:t>Utenti Suggeriti</a:t>
-            </a:r>
           </a:p>
         </p:txBody>
       </p:sp>
       <p:sp>
         <p:nvSpPr>
-          <p:cNvPr id="173" name="Essenziali"/>
+          <p:cNvPr id="179" name="3"/>
           <p:cNvSpPr txBox="1"/>
           <p:nvPr/>
         </p:nvSpPr>
         <p:spPr>
           <a:xfrm>
-            <a:off x="1358900" y="2355185"/>
-            <a:ext cx="21971000" cy="934780"/>
+            <a:off x="12048896" y="12778316"/>
+            <a:ext cx="286208" cy="469901"/>
           </a:xfrm>
           <a:prstGeom prst="rect">
             <a:avLst/>
@@ -5553,59 +7582,30 @@
           </a:extLst>
         </p:spPr>
         <p:txBody>
-          <a:bodyPr lIns="45719" rIns="45719">
-            <a:normAutofit fontScale="100000" lnSpcReduction="0"/>
+          <a:bodyPr wrap="none" lIns="50800" tIns="50800" rIns="50800" bIns="50800" anchor="ctr">
+            <a:spAutoFit/>
           </a:bodyPr>
           <a:lstStyle>
-            <a:lvl1pPr algn="l" defTabSz="825500">
-              <a:defRPr sz="5500">
+            <a:lvl1pPr>
+              <a:defRPr>
                 <a:solidFill>
                   <a:srgbClr val="000000"/>
                 </a:solidFill>
-                <a:latin typeface="Montserrat SemiBold"/>
-                <a:ea typeface="Montserrat SemiBold"/>
-                <a:cs typeface="Montserrat SemiBold"/>
-                <a:sym typeface="Montserrat SemiBold"/>
+                <a:latin typeface="Montserrat Regular"/>
+                <a:ea typeface="Montserrat Regular"/>
+                <a:cs typeface="Montserrat Regular"/>
+                <a:sym typeface="Montserrat Regular"/>
               </a:defRPr>
             </a:lvl1pPr>
           </a:lstStyle>
           <a:p>
             <a:pPr/>
             <a:r>
-              <a:t>Essenziali</a:t>
+              <a:t>3</a:t>
             </a:r>
           </a:p>
         </p:txBody>
       </p:sp>
-      <p:pic>
-        <p:nvPicPr>
-          <p:cNvPr id="174" name="creazione-post-v1.png" descr="creazione-post-v1.png"/>
-          <p:cNvPicPr>
-            <a:picLocks noChangeAspect="1"/>
-          </p:cNvPicPr>
-          <p:nvPr/>
-        </p:nvPicPr>
-        <p:blipFill>
-          <a:blip r:embed="rId2">
-            <a:extLst/>
-          </a:blip>
-          <a:stretch>
-            <a:fillRect/>
-          </a:stretch>
-        </p:blipFill>
-        <p:spPr>
-          <a:xfrm>
-            <a:off x="789347" y="4016060"/>
-            <a:ext cx="11353842" cy="7321392"/>
-          </a:xfrm>
-          <a:prstGeom prst="rect">
-            <a:avLst/>
-          </a:prstGeom>
-          <a:ln w="12700">
-            <a:miter lim="400000"/>
-          </a:ln>
-        </p:spPr>
-      </p:pic>
     </p:spTree>
   </p:cSld>
   <p:clrMapOvr>
@@ -5615,309 +7615,7 @@
 </p:sld>
 </file>
 
-<file path=ppt/slides/slide6.xml><?xml version="1.0" encoding="utf-8"?>
-<p:sld xmlns:a="http://schemas.openxmlformats.org/drawingml/2006/main" xmlns:r="http://schemas.openxmlformats.org/officeDocument/2006/relationships" xmlns:p="http://schemas.openxmlformats.org/presentationml/2006/main" xmlns:m="http://schemas.openxmlformats.org/officeDocument/2006/math" xmlns:a14="http://schemas.microsoft.com/office/drawing/2010/main" showMasterSp="1" showMasterPhAnim="1">
-  <p:cSld>
-    <p:spTree>
-      <p:nvGrpSpPr>
-        <p:cNvPr id="1" name=""/>
-        <p:cNvGrpSpPr/>
-        <p:nvPr/>
-      </p:nvGrpSpPr>
-      <p:grpSpPr>
-        <a:xfrm>
-          <a:off x="0" y="0"/>
-          <a:ext cx="0" cy="0"/>
-          <a:chOff x="0" y="0"/>
-          <a:chExt cx="0" cy="0"/>
-        </a:xfrm>
-      </p:grpSpPr>
-      <p:sp>
-        <p:nvSpPr>
-          <p:cNvPr id="176" name="Requisiti"/>
-          <p:cNvSpPr txBox="1"/>
-          <p:nvPr>
-            <p:ph type="title"/>
-          </p:nvPr>
-        </p:nvSpPr>
-        <p:spPr>
-          <a:xfrm>
-            <a:off x="1206500" y="1077359"/>
-            <a:ext cx="21971000" cy="1433164"/>
-          </a:xfrm>
-          <a:prstGeom prst="rect">
-            <a:avLst/>
-          </a:prstGeom>
-        </p:spPr>
-        <p:txBody>
-          <a:bodyPr/>
-          <a:lstStyle>
-            <a:lvl1pPr>
-              <a:defRPr b="0" u="sng">
-                <a:latin typeface="Montserrat Thin SemiBold"/>
-                <a:ea typeface="Montserrat Thin SemiBold"/>
-                <a:cs typeface="Montserrat Thin SemiBold"/>
-                <a:sym typeface="Montserrat Thin SemiBold"/>
-              </a:defRPr>
-            </a:lvl1pPr>
-          </a:lstStyle>
-          <a:p>
-            <a:pPr/>
-            <a:r>
-              <a:t>Requisiti</a:t>
-            </a:r>
-          </a:p>
-        </p:txBody>
-      </p:sp>
-      <p:sp>
-        <p:nvSpPr>
-          <p:cNvPr id="177" name="Registrazione e Login…"/>
-          <p:cNvSpPr txBox="1"/>
-          <p:nvPr>
-            <p:ph type="body" sz="quarter" idx="1"/>
-          </p:nvPr>
-        </p:nvSpPr>
-        <p:spPr>
-          <a:xfrm>
-            <a:off x="12819376" y="4424381"/>
-            <a:ext cx="10691051" cy="5365775"/>
-          </a:xfrm>
-          <a:prstGeom prst="rect">
-            <a:avLst/>
-          </a:prstGeom>
-        </p:spPr>
-        <p:txBody>
-          <a:bodyPr/>
-          <a:lstStyle/>
-          <a:p>
-            <a:pPr marL="536447" indent="-536447" defTabSz="2145738">
-              <a:lnSpc>
-                <a:spcPct val="40000"/>
-              </a:lnSpc>
-              <a:spcBef>
-                <a:spcPts val="3900"/>
-              </a:spcBef>
-              <a:buSzPct val="120000"/>
-              <a:defRPr sz="4224">
-                <a:latin typeface="Montserrat Regular"/>
-                <a:ea typeface="Montserrat Regular"/>
-                <a:cs typeface="Montserrat Regular"/>
-                <a:sym typeface="Montserrat Regular"/>
-              </a:defRPr>
-            </a:pPr>
-            <a:r>
-              <a:t>Registrazione e Login</a:t>
-            </a:r>
-          </a:p>
-          <a:p>
-            <a:pPr marL="536447" indent="-536447" defTabSz="2145738">
-              <a:lnSpc>
-                <a:spcPct val="40000"/>
-              </a:lnSpc>
-              <a:spcBef>
-                <a:spcPts val="3900"/>
-              </a:spcBef>
-              <a:buSzPct val="120000"/>
-              <a:defRPr sz="4224">
-                <a:latin typeface="Montserrat Regular"/>
-                <a:ea typeface="Montserrat Regular"/>
-                <a:cs typeface="Montserrat Regular"/>
-                <a:sym typeface="Montserrat Regular"/>
-              </a:defRPr>
-            </a:pPr>
-            <a:r>
-              <a:t>Creazione di un evento</a:t>
-            </a:r>
-          </a:p>
-          <a:p>
-            <a:pPr marL="536447" indent="-536447" defTabSz="2145738">
-              <a:lnSpc>
-                <a:spcPct val="40000"/>
-              </a:lnSpc>
-              <a:spcBef>
-                <a:spcPts val="3900"/>
-              </a:spcBef>
-              <a:buSzPct val="120000"/>
-              <a:defRPr sz="4224" u="sng">
-                <a:latin typeface="Montserrat Regular"/>
-                <a:ea typeface="Montserrat Regular"/>
-                <a:cs typeface="Montserrat Regular"/>
-                <a:sym typeface="Montserrat Regular"/>
-              </a:defRPr>
-            </a:pPr>
-            <a:r>
-              <a:t>Timeline con eventi</a:t>
-            </a:r>
-          </a:p>
-          <a:p>
-            <a:pPr marL="536447" indent="-536447" defTabSz="2145738">
-              <a:lnSpc>
-                <a:spcPct val="40000"/>
-              </a:lnSpc>
-              <a:spcBef>
-                <a:spcPts val="3900"/>
-              </a:spcBef>
-              <a:buSzPct val="120000"/>
-              <a:defRPr sz="4224">
-                <a:latin typeface="Montserrat Regular"/>
-                <a:ea typeface="Montserrat Regular"/>
-                <a:cs typeface="Montserrat Regular"/>
-                <a:sym typeface="Montserrat Regular"/>
-              </a:defRPr>
-            </a:pPr>
-            <a:r>
-              <a:t>Seguire un utente</a:t>
-            </a:r>
-          </a:p>
-          <a:p>
-            <a:pPr marL="536447" indent="-536447" defTabSz="2145738">
-              <a:lnSpc>
-                <a:spcPct val="40000"/>
-              </a:lnSpc>
-              <a:spcBef>
-                <a:spcPts val="3900"/>
-              </a:spcBef>
-              <a:buSzPct val="120000"/>
-              <a:defRPr sz="4224">
-                <a:latin typeface="Montserrat Regular"/>
-                <a:ea typeface="Montserrat Regular"/>
-                <a:cs typeface="Montserrat Regular"/>
-                <a:sym typeface="Montserrat Regular"/>
-              </a:defRPr>
-            </a:pPr>
-            <a:r>
-              <a:t>Commentare / Mi piace post</a:t>
-            </a:r>
-          </a:p>
-          <a:p>
-            <a:pPr marL="536447" indent="-536447" defTabSz="2145738">
-              <a:lnSpc>
-                <a:spcPct val="40000"/>
-              </a:lnSpc>
-              <a:spcBef>
-                <a:spcPts val="3900"/>
-              </a:spcBef>
-              <a:buSzPct val="120000"/>
-              <a:defRPr sz="4224">
-                <a:latin typeface="Montserrat Regular"/>
-                <a:ea typeface="Montserrat Regular"/>
-                <a:cs typeface="Montserrat Regular"/>
-                <a:sym typeface="Montserrat Regular"/>
-              </a:defRPr>
-            </a:pPr>
-            <a:r>
-              <a:t>Partecipare ad un evento</a:t>
-            </a:r>
-          </a:p>
-          <a:p>
-            <a:pPr marL="536447" indent="-536447" defTabSz="2145738">
-              <a:lnSpc>
-                <a:spcPct val="40000"/>
-              </a:lnSpc>
-              <a:spcBef>
-                <a:spcPts val="3900"/>
-              </a:spcBef>
-              <a:buSzPct val="120000"/>
-              <a:defRPr sz="4224" u="sng">
-                <a:latin typeface="Montserrat Regular"/>
-                <a:ea typeface="Montserrat Regular"/>
-                <a:cs typeface="Montserrat Regular"/>
-                <a:sym typeface="Montserrat Regular"/>
-              </a:defRPr>
-            </a:pPr>
-            <a:r>
-              <a:t>Utenti Suggeriti</a:t>
-            </a:r>
-          </a:p>
-        </p:txBody>
-      </p:sp>
-      <p:sp>
-        <p:nvSpPr>
-          <p:cNvPr id="178" name="Essenziali"/>
-          <p:cNvSpPr txBox="1"/>
-          <p:nvPr/>
-        </p:nvSpPr>
-        <p:spPr>
-          <a:xfrm>
-            <a:off x="1358900" y="2355185"/>
-            <a:ext cx="21971000" cy="934780"/>
-          </a:xfrm>
-          <a:prstGeom prst="rect">
-            <a:avLst/>
-          </a:prstGeom>
-          <a:ln w="12700">
-            <a:miter lim="400000"/>
-          </a:ln>
-          <a:extLst>
-            <a:ext uri="{C572A759-6A51-4108-AA02-DFA0A04FC94B}">
-              <ma14:wrappingTextBoxFlag xmlns:ma14="http://schemas.microsoft.com/office/mac/drawingml/2011/main" val="1"/>
-            </a:ext>
-          </a:extLst>
-        </p:spPr>
-        <p:txBody>
-          <a:bodyPr lIns="45719" rIns="45719">
-            <a:normAutofit fontScale="100000" lnSpcReduction="0"/>
-          </a:bodyPr>
-          <a:lstStyle>
-            <a:lvl1pPr algn="l" defTabSz="825500">
-              <a:defRPr sz="5500">
-                <a:solidFill>
-                  <a:srgbClr val="000000"/>
-                </a:solidFill>
-                <a:latin typeface="Montserrat SemiBold"/>
-                <a:ea typeface="Montserrat SemiBold"/>
-                <a:cs typeface="Montserrat SemiBold"/>
-                <a:sym typeface="Montserrat SemiBold"/>
-              </a:defRPr>
-            </a:lvl1pPr>
-          </a:lstStyle>
-          <a:p>
-            <a:pPr/>
-            <a:r>
-              <a:t>Essenziali</a:t>
-            </a:r>
-          </a:p>
-        </p:txBody>
-      </p:sp>
-      <p:pic>
-        <p:nvPicPr>
-          <p:cNvPr id="179" name="Screenshot 2023-01-25 at 17.51.png" descr="Screenshot 2023-01-25 at 17.51.png"/>
-          <p:cNvPicPr>
-            <a:picLocks noChangeAspect="1"/>
-          </p:cNvPicPr>
-          <p:nvPr/>
-        </p:nvPicPr>
-        <p:blipFill>
-          <a:blip r:embed="rId2">
-            <a:extLst/>
-          </a:blip>
-          <a:stretch>
-            <a:fillRect/>
-          </a:stretch>
-        </p:blipFill>
-        <p:spPr>
-          <a:xfrm>
-            <a:off x="1544296" y="4026581"/>
-            <a:ext cx="9520430" cy="8258284"/>
-          </a:xfrm>
-          <a:prstGeom prst="rect">
-            <a:avLst/>
-          </a:prstGeom>
-          <a:ln w="12700">
-            <a:miter lim="400000"/>
-          </a:ln>
-        </p:spPr>
-      </p:pic>
-    </p:spTree>
-  </p:cSld>
-  <p:clrMapOvr>
-    <a:masterClrMapping/>
-  </p:clrMapOvr>
-  <p:transition xmlns:p14="http://schemas.microsoft.com/office/powerpoint/2010/main" spd="med" advClick="1"/>
-</p:sld>
-</file>
-
-<file path=ppt/slides/slide7.xml><?xml version="1.0" encoding="utf-8"?>
+<file path=ppt/slides/slide5.xml><?xml version="1.0" encoding="utf-8"?>
 <p:sld xmlns:a="http://schemas.openxmlformats.org/drawingml/2006/main" xmlns:r="http://schemas.openxmlformats.org/officeDocument/2006/relationships" xmlns:p="http://schemas.openxmlformats.org/presentationml/2006/main" xmlns:m="http://schemas.openxmlformats.org/officeDocument/2006/math" xmlns:a14="http://schemas.microsoft.com/office/drawing/2010/main" showMasterSp="1" showMasterPhAnim="1">
   <p:cSld>
     <p:spTree>
@@ -5956,6 +7654,9 @@
           <a:lstStyle>
             <a:lvl1pPr>
               <a:defRPr b="0" u="sng">
+                <a:solidFill>
+                  <a:srgbClr val="3D3D3D"/>
+                </a:solidFill>
                 <a:latin typeface="Montserrat Thin SemiBold"/>
                 <a:ea typeface="Montserrat Thin SemiBold"/>
                 <a:cs typeface="Montserrat Thin SemiBold"/>
@@ -6001,6 +7702,9 @@
               </a:spcBef>
               <a:buSzPct val="120000"/>
               <a:defRPr sz="4224">
+                <a:solidFill>
+                  <a:srgbClr val="3D3D3D"/>
+                </a:solidFill>
                 <a:latin typeface="Montserrat Regular"/>
                 <a:ea typeface="Montserrat Regular"/>
                 <a:cs typeface="Montserrat Regular"/>
@@ -6009,6 +7713,29 @@
             </a:pPr>
             <a:r>
               <a:t>Registrazione e Login</a:t>
+            </a:r>
+          </a:p>
+          <a:p>
+            <a:pPr marL="536447" indent="-536447" defTabSz="2145738">
+              <a:lnSpc>
+                <a:spcPct val="40000"/>
+              </a:lnSpc>
+              <a:spcBef>
+                <a:spcPts val="3900"/>
+              </a:spcBef>
+              <a:buSzPct val="120000"/>
+              <a:defRPr sz="4224" u="sng">
+                <a:solidFill>
+                  <a:srgbClr val="3D3D3D"/>
+                </a:solidFill>
+                <a:latin typeface="Montserrat Regular"/>
+                <a:ea typeface="Montserrat Regular"/>
+                <a:cs typeface="Montserrat Regular"/>
+                <a:sym typeface="Montserrat Regular"/>
+              </a:defRPr>
+            </a:pPr>
+            <a:r>
+              <a:t>Creazione di un evento</a:t>
             </a:r>
           </a:p>
           <a:p>
@@ -6021,6 +7748,9 @@
               </a:spcBef>
               <a:buSzPct val="120000"/>
               <a:defRPr sz="4224">
+                <a:solidFill>
+                  <a:srgbClr val="3D3D3D"/>
+                </a:solidFill>
                 <a:latin typeface="Montserrat Regular"/>
                 <a:ea typeface="Montserrat Regular"/>
                 <a:cs typeface="Montserrat Regular"/>
@@ -6028,7 +7758,7 @@
               </a:defRPr>
             </a:pPr>
             <a:r>
-              <a:t>Creazione di un evento</a:t>
+              <a:t>Timeline con eventi</a:t>
             </a:r>
           </a:p>
           <a:p>
@@ -6041,26 +7771,9 @@
               </a:spcBef>
               <a:buSzPct val="120000"/>
               <a:defRPr sz="4224">
-                <a:latin typeface="Montserrat Regular"/>
-                <a:ea typeface="Montserrat Regular"/>
-                <a:cs typeface="Montserrat Regular"/>
-                <a:sym typeface="Montserrat Regular"/>
-              </a:defRPr>
-            </a:pPr>
-            <a:r>
-              <a:t>Timeline con eventi</a:t>
-            </a:r>
-          </a:p>
-          <a:p>
-            <a:pPr marL="536447" indent="-536447" defTabSz="2145738">
-              <a:lnSpc>
-                <a:spcPct val="40000"/>
-              </a:lnSpc>
-              <a:spcBef>
-                <a:spcPts val="3900"/>
-              </a:spcBef>
-              <a:buSzPct val="120000"/>
-              <a:defRPr sz="4224" u="sng">
+                <a:solidFill>
+                  <a:srgbClr val="3D3D3D"/>
+                </a:solidFill>
                 <a:latin typeface="Montserrat Regular"/>
                 <a:ea typeface="Montserrat Regular"/>
                 <a:cs typeface="Montserrat Regular"/>
@@ -6081,6 +7794,9 @@
               </a:spcBef>
               <a:buSzPct val="120000"/>
               <a:defRPr sz="4224">
+                <a:solidFill>
+                  <a:srgbClr val="3D3D3D"/>
+                </a:solidFill>
                 <a:latin typeface="Montserrat Regular"/>
                 <a:ea typeface="Montserrat Regular"/>
                 <a:cs typeface="Montserrat Regular"/>
@@ -6101,6 +7817,9 @@
               </a:spcBef>
               <a:buSzPct val="120000"/>
               <a:defRPr sz="4224">
+                <a:solidFill>
+                  <a:srgbClr val="3D3D3D"/>
+                </a:solidFill>
                 <a:latin typeface="Montserrat Regular"/>
                 <a:ea typeface="Montserrat Regular"/>
                 <a:cs typeface="Montserrat Regular"/>
@@ -6121,6 +7840,9 @@
               </a:spcBef>
               <a:buSzPct val="120000"/>
               <a:defRPr sz="4224">
+                <a:solidFill>
+                  <a:srgbClr val="3D3D3D"/>
+                </a:solidFill>
                 <a:latin typeface="Montserrat Regular"/>
                 <a:ea typeface="Montserrat Regular"/>
                 <a:cs typeface="Montserrat Regular"/>
@@ -6164,7 +7886,7 @@
             <a:lvl1pPr algn="l" defTabSz="825500">
               <a:defRPr sz="5500">
                 <a:solidFill>
-                  <a:srgbClr val="000000"/>
+                  <a:srgbClr val="3D3D3D"/>
                 </a:solidFill>
                 <a:latin typeface="Montserrat SemiBold"/>
                 <a:ea typeface="Montserrat SemiBold"/>
@@ -6183,7 +7905,1515 @@
       </p:sp>
       <p:pic>
         <p:nvPicPr>
-          <p:cNvPr id="184" name="profilo-utente-v1.png" descr="profilo-utente-v1.png"/>
+          <p:cNvPr id="184" name="creazione-post-v1.png" descr="creazione-post-v1.png"/>
+          <p:cNvPicPr>
+            <a:picLocks noChangeAspect="1"/>
+          </p:cNvPicPr>
+          <p:nvPr/>
+        </p:nvPicPr>
+        <p:blipFill>
+          <a:blip r:embed="rId2">
+            <a:extLst/>
+          </a:blip>
+          <a:stretch>
+            <a:fillRect/>
+          </a:stretch>
+        </p:blipFill>
+        <p:spPr>
+          <a:xfrm>
+            <a:off x="789347" y="4016060"/>
+            <a:ext cx="11353842" cy="7321392"/>
+          </a:xfrm>
+          <a:prstGeom prst="rect">
+            <a:avLst/>
+          </a:prstGeom>
+          <a:ln w="12700">
+            <a:miter lim="400000"/>
+          </a:ln>
+        </p:spPr>
+      </p:pic>
+      <p:sp>
+        <p:nvSpPr>
+          <p:cNvPr id="185" name="Rectangle"/>
+          <p:cNvSpPr/>
+          <p:nvPr/>
+        </p:nvSpPr>
+        <p:spPr>
+          <a:xfrm>
+            <a:off x="-282179" y="-651934"/>
+            <a:ext cx="24948358" cy="1270001"/>
+          </a:xfrm>
+          <a:prstGeom prst="rect">
+            <a:avLst/>
+          </a:prstGeom>
+          <a:solidFill>
+            <a:srgbClr val="5E5E5E"/>
+          </a:solidFill>
+          <a:ln w="12700">
+            <a:miter lim="400000"/>
+          </a:ln>
+        </p:spPr>
+        <p:txBody>
+          <a:bodyPr lIns="50800" tIns="50800" rIns="50800" bIns="50800" anchor="ctr"/>
+          <a:lstStyle/>
+          <a:p>
+            <a:pPr defTabSz="825500">
+              <a:defRPr sz="3200">
+                <a:solidFill>
+                  <a:srgbClr val="FFFFFF"/>
+                </a:solidFill>
+                <a:latin typeface="Helvetica Neue Medium"/>
+                <a:ea typeface="Helvetica Neue Medium"/>
+                <a:cs typeface="Helvetica Neue Medium"/>
+                <a:sym typeface="Helvetica Neue Medium"/>
+              </a:defRPr>
+            </a:pPr>
+          </a:p>
+        </p:txBody>
+      </p:sp>
+      <p:sp>
+        <p:nvSpPr>
+          <p:cNvPr id="186" name="Ornament 16"/>
+          <p:cNvSpPr/>
+          <p:nvPr/>
+        </p:nvSpPr>
+        <p:spPr>
+          <a:xfrm>
+            <a:off x="11497122" y="13203921"/>
+            <a:ext cx="1389757" cy="148386"/>
+          </a:xfrm>
+          <a:custGeom>
+            <a:avLst/>
+            <a:gdLst/>
+            <a:ahLst/>
+            <a:cxnLst>
+              <a:cxn ang="0">
+                <a:pos x="wd2" y="hd2"/>
+              </a:cxn>
+              <a:cxn ang="5400000">
+                <a:pos x="wd2" y="hd2"/>
+              </a:cxn>
+              <a:cxn ang="10800000">
+                <a:pos x="wd2" y="hd2"/>
+              </a:cxn>
+              <a:cxn ang="16200000">
+                <a:pos x="wd2" y="hd2"/>
+              </a:cxn>
+            </a:cxnLst>
+            <a:rect l="0" t="0" r="r" b="b"/>
+            <a:pathLst>
+              <a:path w="21600" h="16007" fill="norm" stroke="1" extrusionOk="0">
+                <a:moveTo>
+                  <a:pt x="9472" y="21"/>
+                </a:moveTo>
+                <a:cubicBezTo>
+                  <a:pt x="9223" y="53"/>
+                  <a:pt x="8975" y="641"/>
+                  <a:pt x="8772" y="1801"/>
+                </a:cubicBezTo>
+                <a:cubicBezTo>
+                  <a:pt x="8137" y="-1445"/>
+                  <a:pt x="7234" y="1021"/>
+                  <a:pt x="7074" y="6181"/>
+                </a:cubicBezTo>
+                <a:cubicBezTo>
+                  <a:pt x="7070" y="6301"/>
+                  <a:pt x="7067" y="6425"/>
+                  <a:pt x="7064" y="6545"/>
+                </a:cubicBezTo>
+                <a:cubicBezTo>
+                  <a:pt x="3830" y="6672"/>
+                  <a:pt x="1931" y="6955"/>
+                  <a:pt x="24" y="7259"/>
+                </a:cubicBezTo>
+                <a:cubicBezTo>
+                  <a:pt x="10" y="7263"/>
+                  <a:pt x="0" y="7349"/>
+                  <a:pt x="0" y="7446"/>
+                </a:cubicBezTo>
+                <a:lnTo>
+                  <a:pt x="0" y="8477"/>
+                </a:lnTo>
+                <a:cubicBezTo>
+                  <a:pt x="0" y="8574"/>
+                  <a:pt x="10" y="8649"/>
+                  <a:pt x="24" y="8653"/>
+                </a:cubicBezTo>
+                <a:cubicBezTo>
+                  <a:pt x="2070" y="8979"/>
+                  <a:pt x="3801" y="9240"/>
+                  <a:pt x="7072" y="9367"/>
+                </a:cubicBezTo>
+                <a:cubicBezTo>
+                  <a:pt x="7243" y="14966"/>
+                  <a:pt x="8249" y="17172"/>
+                  <a:pt x="8848" y="13068"/>
+                </a:cubicBezTo>
+                <a:cubicBezTo>
+                  <a:pt x="9572" y="8106"/>
+                  <a:pt x="9322" y="9816"/>
+                  <a:pt x="9376" y="9449"/>
+                </a:cubicBezTo>
+                <a:cubicBezTo>
+                  <a:pt x="9794" y="12417"/>
+                  <a:pt x="10494" y="19166"/>
+                  <a:pt x="11426" y="14286"/>
+                </a:cubicBezTo>
+                <a:cubicBezTo>
+                  <a:pt x="11850" y="16535"/>
+                  <a:pt x="12432" y="16401"/>
+                  <a:pt x="12832" y="14134"/>
+                </a:cubicBezTo>
+                <a:cubicBezTo>
+                  <a:pt x="13467" y="17338"/>
+                  <a:pt x="14364" y="14891"/>
+                  <a:pt x="14524" y="9730"/>
+                </a:cubicBezTo>
+                <a:cubicBezTo>
+                  <a:pt x="14528" y="9610"/>
+                  <a:pt x="14531" y="9487"/>
+                  <a:pt x="14534" y="9367"/>
+                </a:cubicBezTo>
+                <a:cubicBezTo>
+                  <a:pt x="17341" y="9258"/>
+                  <a:pt x="19089" y="9035"/>
+                  <a:pt x="21575" y="8641"/>
+                </a:cubicBezTo>
+                <a:cubicBezTo>
+                  <a:pt x="21589" y="8637"/>
+                  <a:pt x="21600" y="8563"/>
+                  <a:pt x="21600" y="8465"/>
+                </a:cubicBezTo>
+                <a:lnTo>
+                  <a:pt x="21600" y="7435"/>
+                </a:lnTo>
+                <a:cubicBezTo>
+                  <a:pt x="21600" y="7337"/>
+                  <a:pt x="21590" y="7263"/>
+                  <a:pt x="21576" y="7259"/>
+                </a:cubicBezTo>
+                <a:cubicBezTo>
+                  <a:pt x="21279" y="7214"/>
+                  <a:pt x="18303" y="6694"/>
+                  <a:pt x="14528" y="6545"/>
+                </a:cubicBezTo>
+                <a:cubicBezTo>
+                  <a:pt x="14357" y="934"/>
+                  <a:pt x="13349" y="-1260"/>
+                  <a:pt x="12751" y="2843"/>
+                </a:cubicBezTo>
+                <a:cubicBezTo>
+                  <a:pt x="12026" y="7806"/>
+                  <a:pt x="12277" y="6095"/>
+                  <a:pt x="12223" y="6463"/>
+                </a:cubicBezTo>
+                <a:cubicBezTo>
+                  <a:pt x="12091" y="5529"/>
+                  <a:pt x="11785" y="3355"/>
+                  <a:pt x="11654" y="2422"/>
+                </a:cubicBezTo>
+                <a:cubicBezTo>
+                  <a:pt x="11648" y="2407"/>
+                  <a:pt x="10958" y="-2434"/>
+                  <a:pt x="10177" y="1614"/>
+                </a:cubicBezTo>
+                <a:cubicBezTo>
+                  <a:pt x="9969" y="521"/>
+                  <a:pt x="9721" y="-11"/>
+                  <a:pt x="9472" y="21"/>
+                </a:cubicBezTo>
+                <a:close/>
+                <a:moveTo>
+                  <a:pt x="13483" y="2586"/>
+                </a:moveTo>
+                <a:cubicBezTo>
+                  <a:pt x="13809" y="2629"/>
+                  <a:pt x="14122" y="4076"/>
+                  <a:pt x="14222" y="6545"/>
+                </a:cubicBezTo>
+                <a:cubicBezTo>
+                  <a:pt x="12283" y="6470"/>
+                  <a:pt x="14951" y="6558"/>
+                  <a:pt x="12558" y="6498"/>
+                </a:cubicBezTo>
+                <a:cubicBezTo>
+                  <a:pt x="12563" y="6456"/>
+                  <a:pt x="12951" y="3936"/>
+                  <a:pt x="12926" y="4097"/>
+                </a:cubicBezTo>
+                <a:cubicBezTo>
+                  <a:pt x="13088" y="3040"/>
+                  <a:pt x="13287" y="2560"/>
+                  <a:pt x="13483" y="2586"/>
+                </a:cubicBezTo>
+                <a:close/>
+                <a:moveTo>
+                  <a:pt x="8117" y="2691"/>
+                </a:moveTo>
+                <a:cubicBezTo>
+                  <a:pt x="8311" y="2707"/>
+                  <a:pt x="8507" y="3237"/>
+                  <a:pt x="8659" y="4354"/>
+                </a:cubicBezTo>
+                <a:cubicBezTo>
+                  <a:pt x="8665" y="4403"/>
+                  <a:pt x="8971" y="6573"/>
+                  <a:pt x="8961" y="6498"/>
+                </a:cubicBezTo>
+                <a:cubicBezTo>
+                  <a:pt x="7707" y="6531"/>
+                  <a:pt x="9154" y="6465"/>
+                  <a:pt x="7379" y="6533"/>
+                </a:cubicBezTo>
+                <a:cubicBezTo>
+                  <a:pt x="7476" y="4057"/>
+                  <a:pt x="7793" y="2666"/>
+                  <a:pt x="8117" y="2691"/>
+                </a:cubicBezTo>
+                <a:close/>
+                <a:moveTo>
+                  <a:pt x="9529" y="2961"/>
+                </a:moveTo>
+                <a:cubicBezTo>
+                  <a:pt x="9927" y="3168"/>
+                  <a:pt x="10207" y="6148"/>
+                  <a:pt x="10284" y="6474"/>
+                </a:cubicBezTo>
+                <a:lnTo>
+                  <a:pt x="9480" y="6486"/>
+                </a:lnTo>
+                <a:lnTo>
+                  <a:pt x="9096" y="3874"/>
+                </a:lnTo>
+                <a:cubicBezTo>
+                  <a:pt x="9251" y="3127"/>
+                  <a:pt x="9397" y="2891"/>
+                  <a:pt x="9529" y="2961"/>
+                </a:cubicBezTo>
+                <a:close/>
+                <a:moveTo>
+                  <a:pt x="10947" y="3019"/>
+                </a:moveTo>
+                <a:cubicBezTo>
+                  <a:pt x="11376" y="3474"/>
+                  <a:pt x="11709" y="6643"/>
+                  <a:pt x="11684" y="6474"/>
+                </a:cubicBezTo>
+                <a:lnTo>
+                  <a:pt x="10895" y="6463"/>
+                </a:lnTo>
+                <a:lnTo>
+                  <a:pt x="10496" y="3698"/>
+                </a:lnTo>
+                <a:cubicBezTo>
+                  <a:pt x="10651" y="3023"/>
+                  <a:pt x="10804" y="2868"/>
+                  <a:pt x="10947" y="3019"/>
+                </a:cubicBezTo>
+                <a:close/>
+                <a:moveTo>
+                  <a:pt x="7378" y="9391"/>
+                </a:moveTo>
+                <a:cubicBezTo>
+                  <a:pt x="8968" y="9454"/>
+                  <a:pt x="8228" y="9407"/>
+                  <a:pt x="9042" y="9426"/>
+                </a:cubicBezTo>
+                <a:cubicBezTo>
+                  <a:pt x="9036" y="9463"/>
+                  <a:pt x="8651" y="11988"/>
+                  <a:pt x="8675" y="11827"/>
+                </a:cubicBezTo>
+                <a:cubicBezTo>
+                  <a:pt x="8236" y="14694"/>
+                  <a:pt x="7535" y="13281"/>
+                  <a:pt x="7378" y="9391"/>
+                </a:cubicBezTo>
+                <a:close/>
+                <a:moveTo>
+                  <a:pt x="14221" y="9391"/>
+                </a:moveTo>
+                <a:cubicBezTo>
+                  <a:pt x="14146" y="11306"/>
+                  <a:pt x="13905" y="12840"/>
+                  <a:pt x="13627" y="13162"/>
+                </a:cubicBezTo>
+                <a:cubicBezTo>
+                  <a:pt x="13149" y="13687"/>
+                  <a:pt x="12952" y="11633"/>
+                  <a:pt x="12639" y="9426"/>
+                </a:cubicBezTo>
+                <a:cubicBezTo>
+                  <a:pt x="13881" y="9392"/>
+                  <a:pt x="12452" y="9462"/>
+                  <a:pt x="14221" y="9391"/>
+                </a:cubicBezTo>
+                <a:close/>
+                <a:moveTo>
+                  <a:pt x="12120" y="9437"/>
+                </a:moveTo>
+                <a:lnTo>
+                  <a:pt x="12509" y="12073"/>
+                </a:lnTo>
+                <a:cubicBezTo>
+                  <a:pt x="11887" y="14996"/>
+                  <a:pt x="11427" y="9888"/>
+                  <a:pt x="11325" y="9449"/>
+                </a:cubicBezTo>
+                <a:lnTo>
+                  <a:pt x="12120" y="9437"/>
+                </a:lnTo>
+                <a:close/>
+                <a:moveTo>
+                  <a:pt x="9917" y="9449"/>
+                </a:moveTo>
+                <a:lnTo>
+                  <a:pt x="10714" y="9461"/>
+                </a:lnTo>
+                <a:lnTo>
+                  <a:pt x="11111" y="12201"/>
+                </a:lnTo>
+                <a:cubicBezTo>
+                  <a:pt x="10633" y="14338"/>
+                  <a:pt x="10233" y="11576"/>
+                  <a:pt x="10228" y="11557"/>
+                </a:cubicBezTo>
+                <a:cubicBezTo>
+                  <a:pt x="10221" y="11516"/>
+                  <a:pt x="9907" y="9382"/>
+                  <a:pt x="9917" y="9449"/>
+                </a:cubicBezTo>
+                <a:close/>
+              </a:path>
+            </a:pathLst>
+          </a:custGeom>
+          <a:solidFill>
+            <a:srgbClr val="000000"/>
+          </a:solidFill>
+          <a:ln w="12700">
+            <a:miter lim="400000"/>
+          </a:ln>
+        </p:spPr>
+        <p:txBody>
+          <a:bodyPr lIns="50800" tIns="50800" rIns="50800" bIns="50800" anchor="ctr"/>
+          <a:lstStyle/>
+          <a:p>
+            <a:pPr defTabSz="825500">
+              <a:defRPr sz="3200">
+                <a:solidFill>
+                  <a:srgbClr val="FFFFFF"/>
+                </a:solidFill>
+                <a:latin typeface="Helvetica Neue Medium"/>
+                <a:ea typeface="Helvetica Neue Medium"/>
+                <a:cs typeface="Helvetica Neue Medium"/>
+                <a:sym typeface="Helvetica Neue Medium"/>
+              </a:defRPr>
+            </a:pPr>
+          </a:p>
+        </p:txBody>
+      </p:sp>
+      <p:sp>
+        <p:nvSpPr>
+          <p:cNvPr id="187" name="4"/>
+          <p:cNvSpPr txBox="1"/>
+          <p:nvPr/>
+        </p:nvSpPr>
+        <p:spPr>
+          <a:xfrm>
+            <a:off x="12034113" y="12778316"/>
+            <a:ext cx="315774" cy="469901"/>
+          </a:xfrm>
+          <a:prstGeom prst="rect">
+            <a:avLst/>
+          </a:prstGeom>
+          <a:ln w="12700">
+            <a:miter lim="400000"/>
+          </a:ln>
+          <a:extLst>
+            <a:ext uri="{C572A759-6A51-4108-AA02-DFA0A04FC94B}">
+              <ma14:wrappingTextBoxFlag xmlns:ma14="http://schemas.microsoft.com/office/mac/drawingml/2011/main" val="1"/>
+            </a:ext>
+          </a:extLst>
+        </p:spPr>
+        <p:txBody>
+          <a:bodyPr wrap="none" lIns="50800" tIns="50800" rIns="50800" bIns="50800" anchor="ctr">
+            <a:spAutoFit/>
+          </a:bodyPr>
+          <a:lstStyle>
+            <a:lvl1pPr>
+              <a:defRPr>
+                <a:solidFill>
+                  <a:srgbClr val="000000"/>
+                </a:solidFill>
+                <a:latin typeface="Montserrat Regular"/>
+                <a:ea typeface="Montserrat Regular"/>
+                <a:cs typeface="Montserrat Regular"/>
+                <a:sym typeface="Montserrat Regular"/>
+              </a:defRPr>
+            </a:lvl1pPr>
+          </a:lstStyle>
+          <a:p>
+            <a:pPr/>
+            <a:r>
+              <a:t>4</a:t>
+            </a:r>
+          </a:p>
+        </p:txBody>
+      </p:sp>
+    </p:spTree>
+  </p:cSld>
+  <p:clrMapOvr>
+    <a:masterClrMapping/>
+  </p:clrMapOvr>
+  <p:transition xmlns:p14="http://schemas.microsoft.com/office/powerpoint/2010/main" spd="med" advClick="1"/>
+</p:sld>
+</file>
+
+<file path=ppt/slides/slide6.xml><?xml version="1.0" encoding="utf-8"?>
+<p:sld xmlns:a="http://schemas.openxmlformats.org/drawingml/2006/main" xmlns:r="http://schemas.openxmlformats.org/officeDocument/2006/relationships" xmlns:p="http://schemas.openxmlformats.org/presentationml/2006/main" xmlns:m="http://schemas.openxmlformats.org/officeDocument/2006/math" xmlns:a14="http://schemas.microsoft.com/office/drawing/2010/main" showMasterSp="1" showMasterPhAnim="1">
+  <p:cSld>
+    <p:spTree>
+      <p:nvGrpSpPr>
+        <p:cNvPr id="1" name=""/>
+        <p:cNvGrpSpPr/>
+        <p:nvPr/>
+      </p:nvGrpSpPr>
+      <p:grpSpPr>
+        <a:xfrm>
+          <a:off x="0" y="0"/>
+          <a:ext cx="0" cy="0"/>
+          <a:chOff x="0" y="0"/>
+          <a:chExt cx="0" cy="0"/>
+        </a:xfrm>
+      </p:grpSpPr>
+      <p:sp>
+        <p:nvSpPr>
+          <p:cNvPr id="189" name="Requisiti"/>
+          <p:cNvSpPr txBox="1"/>
+          <p:nvPr>
+            <p:ph type="title"/>
+          </p:nvPr>
+        </p:nvSpPr>
+        <p:spPr>
+          <a:xfrm>
+            <a:off x="1206500" y="1077359"/>
+            <a:ext cx="21971000" cy="1433164"/>
+          </a:xfrm>
+          <a:prstGeom prst="rect">
+            <a:avLst/>
+          </a:prstGeom>
+        </p:spPr>
+        <p:txBody>
+          <a:bodyPr/>
+          <a:lstStyle>
+            <a:lvl1pPr>
+              <a:defRPr b="0" u="sng">
+                <a:solidFill>
+                  <a:srgbClr val="3D3D3D"/>
+                </a:solidFill>
+                <a:latin typeface="Montserrat Thin SemiBold"/>
+                <a:ea typeface="Montserrat Thin SemiBold"/>
+                <a:cs typeface="Montserrat Thin SemiBold"/>
+                <a:sym typeface="Montserrat Thin SemiBold"/>
+              </a:defRPr>
+            </a:lvl1pPr>
+          </a:lstStyle>
+          <a:p>
+            <a:pPr/>
+            <a:r>
+              <a:t>Requisiti</a:t>
+            </a:r>
+          </a:p>
+        </p:txBody>
+      </p:sp>
+      <p:sp>
+        <p:nvSpPr>
+          <p:cNvPr id="190" name="Registrazione e Login…"/>
+          <p:cNvSpPr txBox="1"/>
+          <p:nvPr>
+            <p:ph type="body" sz="quarter" idx="1"/>
+          </p:nvPr>
+        </p:nvSpPr>
+        <p:spPr>
+          <a:xfrm>
+            <a:off x="12819376" y="4424381"/>
+            <a:ext cx="10691051" cy="5365775"/>
+          </a:xfrm>
+          <a:prstGeom prst="rect">
+            <a:avLst/>
+          </a:prstGeom>
+        </p:spPr>
+        <p:txBody>
+          <a:bodyPr/>
+          <a:lstStyle/>
+          <a:p>
+            <a:pPr marL="536447" indent="-536447" defTabSz="2145738">
+              <a:lnSpc>
+                <a:spcPct val="40000"/>
+              </a:lnSpc>
+              <a:spcBef>
+                <a:spcPts val="3900"/>
+              </a:spcBef>
+              <a:buSzPct val="120000"/>
+              <a:defRPr sz="4224">
+                <a:solidFill>
+                  <a:srgbClr val="3D3D3D"/>
+                </a:solidFill>
+                <a:latin typeface="Montserrat Regular"/>
+                <a:ea typeface="Montserrat Regular"/>
+                <a:cs typeface="Montserrat Regular"/>
+                <a:sym typeface="Montserrat Regular"/>
+              </a:defRPr>
+            </a:pPr>
+            <a:r>
+              <a:t>Registrazione e Login</a:t>
+            </a:r>
+          </a:p>
+          <a:p>
+            <a:pPr marL="536447" indent="-536447" defTabSz="2145738">
+              <a:lnSpc>
+                <a:spcPct val="40000"/>
+              </a:lnSpc>
+              <a:spcBef>
+                <a:spcPts val="3900"/>
+              </a:spcBef>
+              <a:buSzPct val="120000"/>
+              <a:defRPr sz="4224">
+                <a:solidFill>
+                  <a:srgbClr val="3D3D3D"/>
+                </a:solidFill>
+                <a:latin typeface="Montserrat Regular"/>
+                <a:ea typeface="Montserrat Regular"/>
+                <a:cs typeface="Montserrat Regular"/>
+                <a:sym typeface="Montserrat Regular"/>
+              </a:defRPr>
+            </a:pPr>
+            <a:r>
+              <a:t>Creazione di un evento</a:t>
+            </a:r>
+          </a:p>
+          <a:p>
+            <a:pPr marL="536447" indent="-536447" defTabSz="2145738">
+              <a:lnSpc>
+                <a:spcPct val="40000"/>
+              </a:lnSpc>
+              <a:spcBef>
+                <a:spcPts val="3900"/>
+              </a:spcBef>
+              <a:buSzPct val="120000"/>
+              <a:defRPr sz="4224" u="sng">
+                <a:solidFill>
+                  <a:srgbClr val="3D3D3D"/>
+                </a:solidFill>
+                <a:latin typeface="Montserrat Regular"/>
+                <a:ea typeface="Montserrat Regular"/>
+                <a:cs typeface="Montserrat Regular"/>
+                <a:sym typeface="Montserrat Regular"/>
+              </a:defRPr>
+            </a:pPr>
+            <a:r>
+              <a:t>Timeline con eventi</a:t>
+            </a:r>
+          </a:p>
+          <a:p>
+            <a:pPr marL="536447" indent="-536447" defTabSz="2145738">
+              <a:lnSpc>
+                <a:spcPct val="40000"/>
+              </a:lnSpc>
+              <a:spcBef>
+                <a:spcPts val="3900"/>
+              </a:spcBef>
+              <a:buSzPct val="120000"/>
+              <a:defRPr sz="4224">
+                <a:solidFill>
+                  <a:srgbClr val="3D3D3D"/>
+                </a:solidFill>
+                <a:latin typeface="Montserrat Regular"/>
+                <a:ea typeface="Montserrat Regular"/>
+                <a:cs typeface="Montserrat Regular"/>
+                <a:sym typeface="Montserrat Regular"/>
+              </a:defRPr>
+            </a:pPr>
+            <a:r>
+              <a:t>Seguire un utente</a:t>
+            </a:r>
+          </a:p>
+          <a:p>
+            <a:pPr marL="536447" indent="-536447" defTabSz="2145738">
+              <a:lnSpc>
+                <a:spcPct val="40000"/>
+              </a:lnSpc>
+              <a:spcBef>
+                <a:spcPts val="3900"/>
+              </a:spcBef>
+              <a:buSzPct val="120000"/>
+              <a:defRPr sz="4224">
+                <a:solidFill>
+                  <a:srgbClr val="3D3D3D"/>
+                </a:solidFill>
+                <a:latin typeface="Montserrat Regular"/>
+                <a:ea typeface="Montserrat Regular"/>
+                <a:cs typeface="Montserrat Regular"/>
+                <a:sym typeface="Montserrat Regular"/>
+              </a:defRPr>
+            </a:pPr>
+            <a:r>
+              <a:t>Commentare / Mi piace post</a:t>
+            </a:r>
+          </a:p>
+          <a:p>
+            <a:pPr marL="536447" indent="-536447" defTabSz="2145738">
+              <a:lnSpc>
+                <a:spcPct val="40000"/>
+              </a:lnSpc>
+              <a:spcBef>
+                <a:spcPts val="3900"/>
+              </a:spcBef>
+              <a:buSzPct val="120000"/>
+              <a:defRPr sz="4224">
+                <a:solidFill>
+                  <a:srgbClr val="3D3D3D"/>
+                </a:solidFill>
+                <a:latin typeface="Montserrat Regular"/>
+                <a:ea typeface="Montserrat Regular"/>
+                <a:cs typeface="Montserrat Regular"/>
+                <a:sym typeface="Montserrat Regular"/>
+              </a:defRPr>
+            </a:pPr>
+            <a:r>
+              <a:t>Partecipare ad un evento</a:t>
+            </a:r>
+          </a:p>
+          <a:p>
+            <a:pPr marL="536447" indent="-536447" defTabSz="2145738">
+              <a:lnSpc>
+                <a:spcPct val="40000"/>
+              </a:lnSpc>
+              <a:spcBef>
+                <a:spcPts val="3900"/>
+              </a:spcBef>
+              <a:buSzPct val="120000"/>
+              <a:defRPr sz="4224" u="sng">
+                <a:solidFill>
+                  <a:srgbClr val="3D3D3D"/>
+                </a:solidFill>
+                <a:latin typeface="Montserrat Regular"/>
+                <a:ea typeface="Montserrat Regular"/>
+                <a:cs typeface="Montserrat Regular"/>
+                <a:sym typeface="Montserrat Regular"/>
+              </a:defRPr>
+            </a:pPr>
+            <a:r>
+              <a:t>Utenti Suggeriti</a:t>
+            </a:r>
+          </a:p>
+        </p:txBody>
+      </p:sp>
+      <p:sp>
+        <p:nvSpPr>
+          <p:cNvPr id="191" name="Essenziali"/>
+          <p:cNvSpPr txBox="1"/>
+          <p:nvPr/>
+        </p:nvSpPr>
+        <p:spPr>
+          <a:xfrm>
+            <a:off x="1358900" y="2355185"/>
+            <a:ext cx="21971000" cy="934780"/>
+          </a:xfrm>
+          <a:prstGeom prst="rect">
+            <a:avLst/>
+          </a:prstGeom>
+          <a:ln w="12700">
+            <a:miter lim="400000"/>
+          </a:ln>
+          <a:extLst>
+            <a:ext uri="{C572A759-6A51-4108-AA02-DFA0A04FC94B}">
+              <ma14:wrappingTextBoxFlag xmlns:ma14="http://schemas.microsoft.com/office/mac/drawingml/2011/main" val="1"/>
+            </a:ext>
+          </a:extLst>
+        </p:spPr>
+        <p:txBody>
+          <a:bodyPr lIns="45719" rIns="45719">
+            <a:normAutofit fontScale="100000" lnSpcReduction="0"/>
+          </a:bodyPr>
+          <a:lstStyle>
+            <a:lvl1pPr algn="l" defTabSz="825500">
+              <a:defRPr sz="5500">
+                <a:solidFill>
+                  <a:srgbClr val="3D3D3D"/>
+                </a:solidFill>
+                <a:latin typeface="Montserrat SemiBold"/>
+                <a:ea typeface="Montserrat SemiBold"/>
+                <a:cs typeface="Montserrat SemiBold"/>
+                <a:sym typeface="Montserrat SemiBold"/>
+              </a:defRPr>
+            </a:lvl1pPr>
+          </a:lstStyle>
+          <a:p>
+            <a:pPr/>
+            <a:r>
+              <a:t>Essenziali</a:t>
+            </a:r>
+          </a:p>
+        </p:txBody>
+      </p:sp>
+      <p:pic>
+        <p:nvPicPr>
+          <p:cNvPr id="192" name="Screenshot 2023-01-25 at 17.51.png" descr="Screenshot 2023-01-25 at 17.51.png"/>
+          <p:cNvPicPr>
+            <a:picLocks noChangeAspect="1"/>
+          </p:cNvPicPr>
+          <p:nvPr/>
+        </p:nvPicPr>
+        <p:blipFill>
+          <a:blip r:embed="rId2">
+            <a:extLst/>
+          </a:blip>
+          <a:stretch>
+            <a:fillRect/>
+          </a:stretch>
+        </p:blipFill>
+        <p:spPr>
+          <a:xfrm>
+            <a:off x="1544296" y="4026581"/>
+            <a:ext cx="9520430" cy="8258284"/>
+          </a:xfrm>
+          <a:prstGeom prst="rect">
+            <a:avLst/>
+          </a:prstGeom>
+          <a:ln w="12700">
+            <a:miter lim="400000"/>
+          </a:ln>
+        </p:spPr>
+      </p:pic>
+      <p:sp>
+        <p:nvSpPr>
+          <p:cNvPr id="193" name="Rectangle"/>
+          <p:cNvSpPr/>
+          <p:nvPr/>
+        </p:nvSpPr>
+        <p:spPr>
+          <a:xfrm>
+            <a:off x="-282179" y="-651934"/>
+            <a:ext cx="24948358" cy="1270001"/>
+          </a:xfrm>
+          <a:prstGeom prst="rect">
+            <a:avLst/>
+          </a:prstGeom>
+          <a:solidFill>
+            <a:srgbClr val="5E5E5E"/>
+          </a:solidFill>
+          <a:ln w="12700">
+            <a:miter lim="400000"/>
+          </a:ln>
+        </p:spPr>
+        <p:txBody>
+          <a:bodyPr lIns="50800" tIns="50800" rIns="50800" bIns="50800" anchor="ctr"/>
+          <a:lstStyle/>
+          <a:p>
+            <a:pPr defTabSz="825500">
+              <a:defRPr sz="3200">
+                <a:solidFill>
+                  <a:srgbClr val="FFFFFF"/>
+                </a:solidFill>
+                <a:latin typeface="Helvetica Neue Medium"/>
+                <a:ea typeface="Helvetica Neue Medium"/>
+                <a:cs typeface="Helvetica Neue Medium"/>
+                <a:sym typeface="Helvetica Neue Medium"/>
+              </a:defRPr>
+            </a:pPr>
+          </a:p>
+        </p:txBody>
+      </p:sp>
+      <p:sp>
+        <p:nvSpPr>
+          <p:cNvPr id="194" name="Ornament 16"/>
+          <p:cNvSpPr/>
+          <p:nvPr/>
+        </p:nvSpPr>
+        <p:spPr>
+          <a:xfrm>
+            <a:off x="11497122" y="13203921"/>
+            <a:ext cx="1389757" cy="148386"/>
+          </a:xfrm>
+          <a:custGeom>
+            <a:avLst/>
+            <a:gdLst/>
+            <a:ahLst/>
+            <a:cxnLst>
+              <a:cxn ang="0">
+                <a:pos x="wd2" y="hd2"/>
+              </a:cxn>
+              <a:cxn ang="5400000">
+                <a:pos x="wd2" y="hd2"/>
+              </a:cxn>
+              <a:cxn ang="10800000">
+                <a:pos x="wd2" y="hd2"/>
+              </a:cxn>
+              <a:cxn ang="16200000">
+                <a:pos x="wd2" y="hd2"/>
+              </a:cxn>
+            </a:cxnLst>
+            <a:rect l="0" t="0" r="r" b="b"/>
+            <a:pathLst>
+              <a:path w="21600" h="16007" fill="norm" stroke="1" extrusionOk="0">
+                <a:moveTo>
+                  <a:pt x="9472" y="21"/>
+                </a:moveTo>
+                <a:cubicBezTo>
+                  <a:pt x="9223" y="53"/>
+                  <a:pt x="8975" y="641"/>
+                  <a:pt x="8772" y="1801"/>
+                </a:cubicBezTo>
+                <a:cubicBezTo>
+                  <a:pt x="8137" y="-1445"/>
+                  <a:pt x="7234" y="1021"/>
+                  <a:pt x="7074" y="6181"/>
+                </a:cubicBezTo>
+                <a:cubicBezTo>
+                  <a:pt x="7070" y="6301"/>
+                  <a:pt x="7067" y="6425"/>
+                  <a:pt x="7064" y="6545"/>
+                </a:cubicBezTo>
+                <a:cubicBezTo>
+                  <a:pt x="3830" y="6672"/>
+                  <a:pt x="1931" y="6955"/>
+                  <a:pt x="24" y="7259"/>
+                </a:cubicBezTo>
+                <a:cubicBezTo>
+                  <a:pt x="10" y="7263"/>
+                  <a:pt x="0" y="7349"/>
+                  <a:pt x="0" y="7446"/>
+                </a:cubicBezTo>
+                <a:lnTo>
+                  <a:pt x="0" y="8477"/>
+                </a:lnTo>
+                <a:cubicBezTo>
+                  <a:pt x="0" y="8574"/>
+                  <a:pt x="10" y="8649"/>
+                  <a:pt x="24" y="8653"/>
+                </a:cubicBezTo>
+                <a:cubicBezTo>
+                  <a:pt x="2070" y="8979"/>
+                  <a:pt x="3801" y="9240"/>
+                  <a:pt x="7072" y="9367"/>
+                </a:cubicBezTo>
+                <a:cubicBezTo>
+                  <a:pt x="7243" y="14966"/>
+                  <a:pt x="8249" y="17172"/>
+                  <a:pt x="8848" y="13068"/>
+                </a:cubicBezTo>
+                <a:cubicBezTo>
+                  <a:pt x="9572" y="8106"/>
+                  <a:pt x="9322" y="9816"/>
+                  <a:pt x="9376" y="9449"/>
+                </a:cubicBezTo>
+                <a:cubicBezTo>
+                  <a:pt x="9794" y="12417"/>
+                  <a:pt x="10494" y="19166"/>
+                  <a:pt x="11426" y="14286"/>
+                </a:cubicBezTo>
+                <a:cubicBezTo>
+                  <a:pt x="11850" y="16535"/>
+                  <a:pt x="12432" y="16401"/>
+                  <a:pt x="12832" y="14134"/>
+                </a:cubicBezTo>
+                <a:cubicBezTo>
+                  <a:pt x="13467" y="17338"/>
+                  <a:pt x="14364" y="14891"/>
+                  <a:pt x="14524" y="9730"/>
+                </a:cubicBezTo>
+                <a:cubicBezTo>
+                  <a:pt x="14528" y="9610"/>
+                  <a:pt x="14531" y="9487"/>
+                  <a:pt x="14534" y="9367"/>
+                </a:cubicBezTo>
+                <a:cubicBezTo>
+                  <a:pt x="17341" y="9258"/>
+                  <a:pt x="19089" y="9035"/>
+                  <a:pt x="21575" y="8641"/>
+                </a:cubicBezTo>
+                <a:cubicBezTo>
+                  <a:pt x="21589" y="8637"/>
+                  <a:pt x="21600" y="8563"/>
+                  <a:pt x="21600" y="8465"/>
+                </a:cubicBezTo>
+                <a:lnTo>
+                  <a:pt x="21600" y="7435"/>
+                </a:lnTo>
+                <a:cubicBezTo>
+                  <a:pt x="21600" y="7337"/>
+                  <a:pt x="21590" y="7263"/>
+                  <a:pt x="21576" y="7259"/>
+                </a:cubicBezTo>
+                <a:cubicBezTo>
+                  <a:pt x="21279" y="7214"/>
+                  <a:pt x="18303" y="6694"/>
+                  <a:pt x="14528" y="6545"/>
+                </a:cubicBezTo>
+                <a:cubicBezTo>
+                  <a:pt x="14357" y="934"/>
+                  <a:pt x="13349" y="-1260"/>
+                  <a:pt x="12751" y="2843"/>
+                </a:cubicBezTo>
+                <a:cubicBezTo>
+                  <a:pt x="12026" y="7806"/>
+                  <a:pt x="12277" y="6095"/>
+                  <a:pt x="12223" y="6463"/>
+                </a:cubicBezTo>
+                <a:cubicBezTo>
+                  <a:pt x="12091" y="5529"/>
+                  <a:pt x="11785" y="3355"/>
+                  <a:pt x="11654" y="2422"/>
+                </a:cubicBezTo>
+                <a:cubicBezTo>
+                  <a:pt x="11648" y="2407"/>
+                  <a:pt x="10958" y="-2434"/>
+                  <a:pt x="10177" y="1614"/>
+                </a:cubicBezTo>
+                <a:cubicBezTo>
+                  <a:pt x="9969" y="521"/>
+                  <a:pt x="9721" y="-11"/>
+                  <a:pt x="9472" y="21"/>
+                </a:cubicBezTo>
+                <a:close/>
+                <a:moveTo>
+                  <a:pt x="13483" y="2586"/>
+                </a:moveTo>
+                <a:cubicBezTo>
+                  <a:pt x="13809" y="2629"/>
+                  <a:pt x="14122" y="4076"/>
+                  <a:pt x="14222" y="6545"/>
+                </a:cubicBezTo>
+                <a:cubicBezTo>
+                  <a:pt x="12283" y="6470"/>
+                  <a:pt x="14951" y="6558"/>
+                  <a:pt x="12558" y="6498"/>
+                </a:cubicBezTo>
+                <a:cubicBezTo>
+                  <a:pt x="12563" y="6456"/>
+                  <a:pt x="12951" y="3936"/>
+                  <a:pt x="12926" y="4097"/>
+                </a:cubicBezTo>
+                <a:cubicBezTo>
+                  <a:pt x="13088" y="3040"/>
+                  <a:pt x="13287" y="2560"/>
+                  <a:pt x="13483" y="2586"/>
+                </a:cubicBezTo>
+                <a:close/>
+                <a:moveTo>
+                  <a:pt x="8117" y="2691"/>
+                </a:moveTo>
+                <a:cubicBezTo>
+                  <a:pt x="8311" y="2707"/>
+                  <a:pt x="8507" y="3237"/>
+                  <a:pt x="8659" y="4354"/>
+                </a:cubicBezTo>
+                <a:cubicBezTo>
+                  <a:pt x="8665" y="4403"/>
+                  <a:pt x="8971" y="6573"/>
+                  <a:pt x="8961" y="6498"/>
+                </a:cubicBezTo>
+                <a:cubicBezTo>
+                  <a:pt x="7707" y="6531"/>
+                  <a:pt x="9154" y="6465"/>
+                  <a:pt x="7379" y="6533"/>
+                </a:cubicBezTo>
+                <a:cubicBezTo>
+                  <a:pt x="7476" y="4057"/>
+                  <a:pt x="7793" y="2666"/>
+                  <a:pt x="8117" y="2691"/>
+                </a:cubicBezTo>
+                <a:close/>
+                <a:moveTo>
+                  <a:pt x="9529" y="2961"/>
+                </a:moveTo>
+                <a:cubicBezTo>
+                  <a:pt x="9927" y="3168"/>
+                  <a:pt x="10207" y="6148"/>
+                  <a:pt x="10284" y="6474"/>
+                </a:cubicBezTo>
+                <a:lnTo>
+                  <a:pt x="9480" y="6486"/>
+                </a:lnTo>
+                <a:lnTo>
+                  <a:pt x="9096" y="3874"/>
+                </a:lnTo>
+                <a:cubicBezTo>
+                  <a:pt x="9251" y="3127"/>
+                  <a:pt x="9397" y="2891"/>
+                  <a:pt x="9529" y="2961"/>
+                </a:cubicBezTo>
+                <a:close/>
+                <a:moveTo>
+                  <a:pt x="10947" y="3019"/>
+                </a:moveTo>
+                <a:cubicBezTo>
+                  <a:pt x="11376" y="3474"/>
+                  <a:pt x="11709" y="6643"/>
+                  <a:pt x="11684" y="6474"/>
+                </a:cubicBezTo>
+                <a:lnTo>
+                  <a:pt x="10895" y="6463"/>
+                </a:lnTo>
+                <a:lnTo>
+                  <a:pt x="10496" y="3698"/>
+                </a:lnTo>
+                <a:cubicBezTo>
+                  <a:pt x="10651" y="3023"/>
+                  <a:pt x="10804" y="2868"/>
+                  <a:pt x="10947" y="3019"/>
+                </a:cubicBezTo>
+                <a:close/>
+                <a:moveTo>
+                  <a:pt x="7378" y="9391"/>
+                </a:moveTo>
+                <a:cubicBezTo>
+                  <a:pt x="8968" y="9454"/>
+                  <a:pt x="8228" y="9407"/>
+                  <a:pt x="9042" y="9426"/>
+                </a:cubicBezTo>
+                <a:cubicBezTo>
+                  <a:pt x="9036" y="9463"/>
+                  <a:pt x="8651" y="11988"/>
+                  <a:pt x="8675" y="11827"/>
+                </a:cubicBezTo>
+                <a:cubicBezTo>
+                  <a:pt x="8236" y="14694"/>
+                  <a:pt x="7535" y="13281"/>
+                  <a:pt x="7378" y="9391"/>
+                </a:cubicBezTo>
+                <a:close/>
+                <a:moveTo>
+                  <a:pt x="14221" y="9391"/>
+                </a:moveTo>
+                <a:cubicBezTo>
+                  <a:pt x="14146" y="11306"/>
+                  <a:pt x="13905" y="12840"/>
+                  <a:pt x="13627" y="13162"/>
+                </a:cubicBezTo>
+                <a:cubicBezTo>
+                  <a:pt x="13149" y="13687"/>
+                  <a:pt x="12952" y="11633"/>
+                  <a:pt x="12639" y="9426"/>
+                </a:cubicBezTo>
+                <a:cubicBezTo>
+                  <a:pt x="13881" y="9392"/>
+                  <a:pt x="12452" y="9462"/>
+                  <a:pt x="14221" y="9391"/>
+                </a:cubicBezTo>
+                <a:close/>
+                <a:moveTo>
+                  <a:pt x="12120" y="9437"/>
+                </a:moveTo>
+                <a:lnTo>
+                  <a:pt x="12509" y="12073"/>
+                </a:lnTo>
+                <a:cubicBezTo>
+                  <a:pt x="11887" y="14996"/>
+                  <a:pt x="11427" y="9888"/>
+                  <a:pt x="11325" y="9449"/>
+                </a:cubicBezTo>
+                <a:lnTo>
+                  <a:pt x="12120" y="9437"/>
+                </a:lnTo>
+                <a:close/>
+                <a:moveTo>
+                  <a:pt x="9917" y="9449"/>
+                </a:moveTo>
+                <a:lnTo>
+                  <a:pt x="10714" y="9461"/>
+                </a:lnTo>
+                <a:lnTo>
+                  <a:pt x="11111" y="12201"/>
+                </a:lnTo>
+                <a:cubicBezTo>
+                  <a:pt x="10633" y="14338"/>
+                  <a:pt x="10233" y="11576"/>
+                  <a:pt x="10228" y="11557"/>
+                </a:cubicBezTo>
+                <a:cubicBezTo>
+                  <a:pt x="10221" y="11516"/>
+                  <a:pt x="9907" y="9382"/>
+                  <a:pt x="9917" y="9449"/>
+                </a:cubicBezTo>
+                <a:close/>
+              </a:path>
+            </a:pathLst>
+          </a:custGeom>
+          <a:solidFill>
+            <a:srgbClr val="000000"/>
+          </a:solidFill>
+          <a:ln w="12700">
+            <a:miter lim="400000"/>
+          </a:ln>
+        </p:spPr>
+        <p:txBody>
+          <a:bodyPr lIns="50800" tIns="50800" rIns="50800" bIns="50800" anchor="ctr"/>
+          <a:lstStyle/>
+          <a:p>
+            <a:pPr defTabSz="825500">
+              <a:defRPr sz="3200">
+                <a:solidFill>
+                  <a:srgbClr val="FFFFFF"/>
+                </a:solidFill>
+                <a:latin typeface="Helvetica Neue Medium"/>
+                <a:ea typeface="Helvetica Neue Medium"/>
+                <a:cs typeface="Helvetica Neue Medium"/>
+                <a:sym typeface="Helvetica Neue Medium"/>
+              </a:defRPr>
+            </a:pPr>
+          </a:p>
+        </p:txBody>
+      </p:sp>
+      <p:sp>
+        <p:nvSpPr>
+          <p:cNvPr id="195" name="5"/>
+          <p:cNvSpPr txBox="1"/>
+          <p:nvPr/>
+        </p:nvSpPr>
+        <p:spPr>
+          <a:xfrm>
+            <a:off x="12048591" y="12778316"/>
+            <a:ext cx="286818" cy="469901"/>
+          </a:xfrm>
+          <a:prstGeom prst="rect">
+            <a:avLst/>
+          </a:prstGeom>
+          <a:ln w="12700">
+            <a:miter lim="400000"/>
+          </a:ln>
+          <a:extLst>
+            <a:ext uri="{C572A759-6A51-4108-AA02-DFA0A04FC94B}">
+              <ma14:wrappingTextBoxFlag xmlns:ma14="http://schemas.microsoft.com/office/mac/drawingml/2011/main" val="1"/>
+            </a:ext>
+          </a:extLst>
+        </p:spPr>
+        <p:txBody>
+          <a:bodyPr wrap="none" lIns="50800" tIns="50800" rIns="50800" bIns="50800" anchor="ctr">
+            <a:spAutoFit/>
+          </a:bodyPr>
+          <a:lstStyle>
+            <a:lvl1pPr>
+              <a:defRPr>
+                <a:solidFill>
+                  <a:srgbClr val="000000"/>
+                </a:solidFill>
+                <a:latin typeface="Montserrat Regular"/>
+                <a:ea typeface="Montserrat Regular"/>
+                <a:cs typeface="Montserrat Regular"/>
+                <a:sym typeface="Montserrat Regular"/>
+              </a:defRPr>
+            </a:lvl1pPr>
+          </a:lstStyle>
+          <a:p>
+            <a:pPr/>
+            <a:r>
+              <a:t>5</a:t>
+            </a:r>
+          </a:p>
+        </p:txBody>
+      </p:sp>
+    </p:spTree>
+  </p:cSld>
+  <p:clrMapOvr>
+    <a:masterClrMapping/>
+  </p:clrMapOvr>
+  <p:transition xmlns:p14="http://schemas.microsoft.com/office/powerpoint/2010/main" spd="med" advClick="1"/>
+</p:sld>
+</file>
+
+<file path=ppt/slides/slide7.xml><?xml version="1.0" encoding="utf-8"?>
+<p:sld xmlns:a="http://schemas.openxmlformats.org/drawingml/2006/main" xmlns:r="http://schemas.openxmlformats.org/officeDocument/2006/relationships" xmlns:p="http://schemas.openxmlformats.org/presentationml/2006/main" xmlns:m="http://schemas.openxmlformats.org/officeDocument/2006/math" xmlns:a14="http://schemas.microsoft.com/office/drawing/2010/main" showMasterSp="1" showMasterPhAnim="1">
+  <p:cSld>
+    <p:spTree>
+      <p:nvGrpSpPr>
+        <p:cNvPr id="1" name=""/>
+        <p:cNvGrpSpPr/>
+        <p:nvPr/>
+      </p:nvGrpSpPr>
+      <p:grpSpPr>
+        <a:xfrm>
+          <a:off x="0" y="0"/>
+          <a:ext cx="0" cy="0"/>
+          <a:chOff x="0" y="0"/>
+          <a:chExt cx="0" cy="0"/>
+        </a:xfrm>
+      </p:grpSpPr>
+      <p:sp>
+        <p:nvSpPr>
+          <p:cNvPr id="197" name="Requisiti"/>
+          <p:cNvSpPr txBox="1"/>
+          <p:nvPr>
+            <p:ph type="title"/>
+          </p:nvPr>
+        </p:nvSpPr>
+        <p:spPr>
+          <a:xfrm>
+            <a:off x="1206500" y="1077359"/>
+            <a:ext cx="21971000" cy="1433164"/>
+          </a:xfrm>
+          <a:prstGeom prst="rect">
+            <a:avLst/>
+          </a:prstGeom>
+        </p:spPr>
+        <p:txBody>
+          <a:bodyPr/>
+          <a:lstStyle>
+            <a:lvl1pPr>
+              <a:defRPr b="0" u="sng">
+                <a:solidFill>
+                  <a:srgbClr val="3D3D3D"/>
+                </a:solidFill>
+                <a:latin typeface="Montserrat Thin SemiBold"/>
+                <a:ea typeface="Montserrat Thin SemiBold"/>
+                <a:cs typeface="Montserrat Thin SemiBold"/>
+                <a:sym typeface="Montserrat Thin SemiBold"/>
+              </a:defRPr>
+            </a:lvl1pPr>
+          </a:lstStyle>
+          <a:p>
+            <a:pPr/>
+            <a:r>
+              <a:t>Requisiti</a:t>
+            </a:r>
+          </a:p>
+        </p:txBody>
+      </p:sp>
+      <p:sp>
+        <p:nvSpPr>
+          <p:cNvPr id="198" name="Registrazione e Login…"/>
+          <p:cNvSpPr txBox="1"/>
+          <p:nvPr>
+            <p:ph type="body" sz="quarter" idx="1"/>
+          </p:nvPr>
+        </p:nvSpPr>
+        <p:spPr>
+          <a:xfrm>
+            <a:off x="12819376" y="4424381"/>
+            <a:ext cx="10691051" cy="5365775"/>
+          </a:xfrm>
+          <a:prstGeom prst="rect">
+            <a:avLst/>
+          </a:prstGeom>
+        </p:spPr>
+        <p:txBody>
+          <a:bodyPr/>
+          <a:lstStyle/>
+          <a:p>
+            <a:pPr marL="536447" indent="-536447" defTabSz="2145738">
+              <a:lnSpc>
+                <a:spcPct val="40000"/>
+              </a:lnSpc>
+              <a:spcBef>
+                <a:spcPts val="3900"/>
+              </a:spcBef>
+              <a:buSzPct val="120000"/>
+              <a:defRPr sz="4224">
+                <a:solidFill>
+                  <a:srgbClr val="3D3D3D"/>
+                </a:solidFill>
+                <a:latin typeface="Montserrat Regular"/>
+                <a:ea typeface="Montserrat Regular"/>
+                <a:cs typeface="Montserrat Regular"/>
+                <a:sym typeface="Montserrat Regular"/>
+              </a:defRPr>
+            </a:pPr>
+            <a:r>
+              <a:t>Registrazione e Login</a:t>
+            </a:r>
+          </a:p>
+          <a:p>
+            <a:pPr marL="536447" indent="-536447" defTabSz="2145738">
+              <a:lnSpc>
+                <a:spcPct val="40000"/>
+              </a:lnSpc>
+              <a:spcBef>
+                <a:spcPts val="3900"/>
+              </a:spcBef>
+              <a:buSzPct val="120000"/>
+              <a:defRPr sz="4224">
+                <a:solidFill>
+                  <a:srgbClr val="3D3D3D"/>
+                </a:solidFill>
+                <a:latin typeface="Montserrat Regular"/>
+                <a:ea typeface="Montserrat Regular"/>
+                <a:cs typeface="Montserrat Regular"/>
+                <a:sym typeface="Montserrat Regular"/>
+              </a:defRPr>
+            </a:pPr>
+            <a:r>
+              <a:t>Creazione di un evento</a:t>
+            </a:r>
+          </a:p>
+          <a:p>
+            <a:pPr marL="536447" indent="-536447" defTabSz="2145738">
+              <a:lnSpc>
+                <a:spcPct val="40000"/>
+              </a:lnSpc>
+              <a:spcBef>
+                <a:spcPts val="3900"/>
+              </a:spcBef>
+              <a:buSzPct val="120000"/>
+              <a:defRPr sz="4224">
+                <a:solidFill>
+                  <a:srgbClr val="3D3D3D"/>
+                </a:solidFill>
+                <a:latin typeface="Montserrat Regular"/>
+                <a:ea typeface="Montserrat Regular"/>
+                <a:cs typeface="Montserrat Regular"/>
+                <a:sym typeface="Montserrat Regular"/>
+              </a:defRPr>
+            </a:pPr>
+            <a:r>
+              <a:t>Timeline con eventi</a:t>
+            </a:r>
+          </a:p>
+          <a:p>
+            <a:pPr marL="536447" indent="-536447" defTabSz="2145738">
+              <a:lnSpc>
+                <a:spcPct val="40000"/>
+              </a:lnSpc>
+              <a:spcBef>
+                <a:spcPts val="3900"/>
+              </a:spcBef>
+              <a:buSzPct val="120000"/>
+              <a:defRPr sz="4224" u="sng">
+                <a:solidFill>
+                  <a:srgbClr val="3D3D3D"/>
+                </a:solidFill>
+                <a:latin typeface="Montserrat Regular"/>
+                <a:ea typeface="Montserrat Regular"/>
+                <a:cs typeface="Montserrat Regular"/>
+                <a:sym typeface="Montserrat Regular"/>
+              </a:defRPr>
+            </a:pPr>
+            <a:r>
+              <a:t>Seguire un utente</a:t>
+            </a:r>
+          </a:p>
+          <a:p>
+            <a:pPr marL="536447" indent="-536447" defTabSz="2145738">
+              <a:lnSpc>
+                <a:spcPct val="40000"/>
+              </a:lnSpc>
+              <a:spcBef>
+                <a:spcPts val="3900"/>
+              </a:spcBef>
+              <a:buSzPct val="120000"/>
+              <a:defRPr sz="4224">
+                <a:solidFill>
+                  <a:srgbClr val="3D3D3D"/>
+                </a:solidFill>
+                <a:latin typeface="Montserrat Regular"/>
+                <a:ea typeface="Montserrat Regular"/>
+                <a:cs typeface="Montserrat Regular"/>
+                <a:sym typeface="Montserrat Regular"/>
+              </a:defRPr>
+            </a:pPr>
+            <a:r>
+              <a:t>Commentare / Mi piace post</a:t>
+            </a:r>
+          </a:p>
+          <a:p>
+            <a:pPr marL="536447" indent="-536447" defTabSz="2145738">
+              <a:lnSpc>
+                <a:spcPct val="40000"/>
+              </a:lnSpc>
+              <a:spcBef>
+                <a:spcPts val="3900"/>
+              </a:spcBef>
+              <a:buSzPct val="120000"/>
+              <a:defRPr sz="4224">
+                <a:solidFill>
+                  <a:srgbClr val="3D3D3D"/>
+                </a:solidFill>
+                <a:latin typeface="Montserrat Regular"/>
+                <a:ea typeface="Montserrat Regular"/>
+                <a:cs typeface="Montserrat Regular"/>
+                <a:sym typeface="Montserrat Regular"/>
+              </a:defRPr>
+            </a:pPr>
+            <a:r>
+              <a:t>Partecipare ad un evento</a:t>
+            </a:r>
+          </a:p>
+          <a:p>
+            <a:pPr marL="536447" indent="-536447" defTabSz="2145738">
+              <a:lnSpc>
+                <a:spcPct val="40000"/>
+              </a:lnSpc>
+              <a:spcBef>
+                <a:spcPts val="3900"/>
+              </a:spcBef>
+              <a:buSzPct val="120000"/>
+              <a:defRPr sz="4224">
+                <a:solidFill>
+                  <a:srgbClr val="3D3D3D"/>
+                </a:solidFill>
+                <a:latin typeface="Montserrat Regular"/>
+                <a:ea typeface="Montserrat Regular"/>
+                <a:cs typeface="Montserrat Regular"/>
+                <a:sym typeface="Montserrat Regular"/>
+              </a:defRPr>
+            </a:pPr>
+            <a:r>
+              <a:t>Utenti Suggeriti</a:t>
+            </a:r>
+          </a:p>
+        </p:txBody>
+      </p:sp>
+      <p:sp>
+        <p:nvSpPr>
+          <p:cNvPr id="199" name="Essenziali"/>
+          <p:cNvSpPr txBox="1"/>
+          <p:nvPr/>
+        </p:nvSpPr>
+        <p:spPr>
+          <a:xfrm>
+            <a:off x="1358900" y="2355185"/>
+            <a:ext cx="21971000" cy="934780"/>
+          </a:xfrm>
+          <a:prstGeom prst="rect">
+            <a:avLst/>
+          </a:prstGeom>
+          <a:ln w="12700">
+            <a:miter lim="400000"/>
+          </a:ln>
+          <a:extLst>
+            <a:ext uri="{C572A759-6A51-4108-AA02-DFA0A04FC94B}">
+              <ma14:wrappingTextBoxFlag xmlns:ma14="http://schemas.microsoft.com/office/mac/drawingml/2011/main" val="1"/>
+            </a:ext>
+          </a:extLst>
+        </p:spPr>
+        <p:txBody>
+          <a:bodyPr lIns="45719" rIns="45719">
+            <a:normAutofit fontScale="100000" lnSpcReduction="0"/>
+          </a:bodyPr>
+          <a:lstStyle>
+            <a:lvl1pPr algn="l" defTabSz="825500">
+              <a:defRPr sz="5500">
+                <a:solidFill>
+                  <a:srgbClr val="3D3D3D"/>
+                </a:solidFill>
+                <a:latin typeface="Montserrat SemiBold"/>
+                <a:ea typeface="Montserrat SemiBold"/>
+                <a:cs typeface="Montserrat SemiBold"/>
+                <a:sym typeface="Montserrat SemiBold"/>
+              </a:defRPr>
+            </a:lvl1pPr>
+          </a:lstStyle>
+          <a:p>
+            <a:pPr/>
+            <a:r>
+              <a:t>Essenziali</a:t>
+            </a:r>
+          </a:p>
+        </p:txBody>
+      </p:sp>
+      <p:pic>
+        <p:nvPicPr>
+          <p:cNvPr id="200" name="profilo-utente-v1.png" descr="profilo-utente-v1.png"/>
           <p:cNvPicPr>
             <a:picLocks noChangeAspect="1"/>
           </p:cNvPicPr>
@@ -6210,6 +9440,434 @@
           </a:ln>
         </p:spPr>
       </p:pic>
+      <p:sp>
+        <p:nvSpPr>
+          <p:cNvPr id="201" name="Rectangle"/>
+          <p:cNvSpPr/>
+          <p:nvPr/>
+        </p:nvSpPr>
+        <p:spPr>
+          <a:xfrm>
+            <a:off x="-282179" y="-651934"/>
+            <a:ext cx="24948358" cy="1270001"/>
+          </a:xfrm>
+          <a:prstGeom prst="rect">
+            <a:avLst/>
+          </a:prstGeom>
+          <a:solidFill>
+            <a:srgbClr val="5E5E5E"/>
+          </a:solidFill>
+          <a:ln w="12700">
+            <a:miter lim="400000"/>
+          </a:ln>
+        </p:spPr>
+        <p:txBody>
+          <a:bodyPr lIns="50800" tIns="50800" rIns="50800" bIns="50800" anchor="ctr"/>
+          <a:lstStyle/>
+          <a:p>
+            <a:pPr defTabSz="825500">
+              <a:defRPr sz="3200">
+                <a:solidFill>
+                  <a:srgbClr val="FFFFFF"/>
+                </a:solidFill>
+                <a:latin typeface="Helvetica Neue Medium"/>
+                <a:ea typeface="Helvetica Neue Medium"/>
+                <a:cs typeface="Helvetica Neue Medium"/>
+                <a:sym typeface="Helvetica Neue Medium"/>
+              </a:defRPr>
+            </a:pPr>
+          </a:p>
+        </p:txBody>
+      </p:sp>
+      <p:sp>
+        <p:nvSpPr>
+          <p:cNvPr id="202" name="Ornament 16"/>
+          <p:cNvSpPr/>
+          <p:nvPr/>
+        </p:nvSpPr>
+        <p:spPr>
+          <a:xfrm>
+            <a:off x="11497122" y="13203921"/>
+            <a:ext cx="1389757" cy="148386"/>
+          </a:xfrm>
+          <a:custGeom>
+            <a:avLst/>
+            <a:gdLst/>
+            <a:ahLst/>
+            <a:cxnLst>
+              <a:cxn ang="0">
+                <a:pos x="wd2" y="hd2"/>
+              </a:cxn>
+              <a:cxn ang="5400000">
+                <a:pos x="wd2" y="hd2"/>
+              </a:cxn>
+              <a:cxn ang="10800000">
+                <a:pos x="wd2" y="hd2"/>
+              </a:cxn>
+              <a:cxn ang="16200000">
+                <a:pos x="wd2" y="hd2"/>
+              </a:cxn>
+            </a:cxnLst>
+            <a:rect l="0" t="0" r="r" b="b"/>
+            <a:pathLst>
+              <a:path w="21600" h="16007" fill="norm" stroke="1" extrusionOk="0">
+                <a:moveTo>
+                  <a:pt x="9472" y="21"/>
+                </a:moveTo>
+                <a:cubicBezTo>
+                  <a:pt x="9223" y="53"/>
+                  <a:pt x="8975" y="641"/>
+                  <a:pt x="8772" y="1801"/>
+                </a:cubicBezTo>
+                <a:cubicBezTo>
+                  <a:pt x="8137" y="-1445"/>
+                  <a:pt x="7234" y="1021"/>
+                  <a:pt x="7074" y="6181"/>
+                </a:cubicBezTo>
+                <a:cubicBezTo>
+                  <a:pt x="7070" y="6301"/>
+                  <a:pt x="7067" y="6425"/>
+                  <a:pt x="7064" y="6545"/>
+                </a:cubicBezTo>
+                <a:cubicBezTo>
+                  <a:pt x="3830" y="6672"/>
+                  <a:pt x="1931" y="6955"/>
+                  <a:pt x="24" y="7259"/>
+                </a:cubicBezTo>
+                <a:cubicBezTo>
+                  <a:pt x="10" y="7263"/>
+                  <a:pt x="0" y="7349"/>
+                  <a:pt x="0" y="7446"/>
+                </a:cubicBezTo>
+                <a:lnTo>
+                  <a:pt x="0" y="8477"/>
+                </a:lnTo>
+                <a:cubicBezTo>
+                  <a:pt x="0" y="8574"/>
+                  <a:pt x="10" y="8649"/>
+                  <a:pt x="24" y="8653"/>
+                </a:cubicBezTo>
+                <a:cubicBezTo>
+                  <a:pt x="2070" y="8979"/>
+                  <a:pt x="3801" y="9240"/>
+                  <a:pt x="7072" y="9367"/>
+                </a:cubicBezTo>
+                <a:cubicBezTo>
+                  <a:pt x="7243" y="14966"/>
+                  <a:pt x="8249" y="17172"/>
+                  <a:pt x="8848" y="13068"/>
+                </a:cubicBezTo>
+                <a:cubicBezTo>
+                  <a:pt x="9572" y="8106"/>
+                  <a:pt x="9322" y="9816"/>
+                  <a:pt x="9376" y="9449"/>
+                </a:cubicBezTo>
+                <a:cubicBezTo>
+                  <a:pt x="9794" y="12417"/>
+                  <a:pt x="10494" y="19166"/>
+                  <a:pt x="11426" y="14286"/>
+                </a:cubicBezTo>
+                <a:cubicBezTo>
+                  <a:pt x="11850" y="16535"/>
+                  <a:pt x="12432" y="16401"/>
+                  <a:pt x="12832" y="14134"/>
+                </a:cubicBezTo>
+                <a:cubicBezTo>
+                  <a:pt x="13467" y="17338"/>
+                  <a:pt x="14364" y="14891"/>
+                  <a:pt x="14524" y="9730"/>
+                </a:cubicBezTo>
+                <a:cubicBezTo>
+                  <a:pt x="14528" y="9610"/>
+                  <a:pt x="14531" y="9487"/>
+                  <a:pt x="14534" y="9367"/>
+                </a:cubicBezTo>
+                <a:cubicBezTo>
+                  <a:pt x="17341" y="9258"/>
+                  <a:pt x="19089" y="9035"/>
+                  <a:pt x="21575" y="8641"/>
+                </a:cubicBezTo>
+                <a:cubicBezTo>
+                  <a:pt x="21589" y="8637"/>
+                  <a:pt x="21600" y="8563"/>
+                  <a:pt x="21600" y="8465"/>
+                </a:cubicBezTo>
+                <a:lnTo>
+                  <a:pt x="21600" y="7435"/>
+                </a:lnTo>
+                <a:cubicBezTo>
+                  <a:pt x="21600" y="7337"/>
+                  <a:pt x="21590" y="7263"/>
+                  <a:pt x="21576" y="7259"/>
+                </a:cubicBezTo>
+                <a:cubicBezTo>
+                  <a:pt x="21279" y="7214"/>
+                  <a:pt x="18303" y="6694"/>
+                  <a:pt x="14528" y="6545"/>
+                </a:cubicBezTo>
+                <a:cubicBezTo>
+                  <a:pt x="14357" y="934"/>
+                  <a:pt x="13349" y="-1260"/>
+                  <a:pt x="12751" y="2843"/>
+                </a:cubicBezTo>
+                <a:cubicBezTo>
+                  <a:pt x="12026" y="7806"/>
+                  <a:pt x="12277" y="6095"/>
+                  <a:pt x="12223" y="6463"/>
+                </a:cubicBezTo>
+                <a:cubicBezTo>
+                  <a:pt x="12091" y="5529"/>
+                  <a:pt x="11785" y="3355"/>
+                  <a:pt x="11654" y="2422"/>
+                </a:cubicBezTo>
+                <a:cubicBezTo>
+                  <a:pt x="11648" y="2407"/>
+                  <a:pt x="10958" y="-2434"/>
+                  <a:pt x="10177" y="1614"/>
+                </a:cubicBezTo>
+                <a:cubicBezTo>
+                  <a:pt x="9969" y="521"/>
+                  <a:pt x="9721" y="-11"/>
+                  <a:pt x="9472" y="21"/>
+                </a:cubicBezTo>
+                <a:close/>
+                <a:moveTo>
+                  <a:pt x="13483" y="2586"/>
+                </a:moveTo>
+                <a:cubicBezTo>
+                  <a:pt x="13809" y="2629"/>
+                  <a:pt x="14122" y="4076"/>
+                  <a:pt x="14222" y="6545"/>
+                </a:cubicBezTo>
+                <a:cubicBezTo>
+                  <a:pt x="12283" y="6470"/>
+                  <a:pt x="14951" y="6558"/>
+                  <a:pt x="12558" y="6498"/>
+                </a:cubicBezTo>
+                <a:cubicBezTo>
+                  <a:pt x="12563" y="6456"/>
+                  <a:pt x="12951" y="3936"/>
+                  <a:pt x="12926" y="4097"/>
+                </a:cubicBezTo>
+                <a:cubicBezTo>
+                  <a:pt x="13088" y="3040"/>
+                  <a:pt x="13287" y="2560"/>
+                  <a:pt x="13483" y="2586"/>
+                </a:cubicBezTo>
+                <a:close/>
+                <a:moveTo>
+                  <a:pt x="8117" y="2691"/>
+                </a:moveTo>
+                <a:cubicBezTo>
+                  <a:pt x="8311" y="2707"/>
+                  <a:pt x="8507" y="3237"/>
+                  <a:pt x="8659" y="4354"/>
+                </a:cubicBezTo>
+                <a:cubicBezTo>
+                  <a:pt x="8665" y="4403"/>
+                  <a:pt x="8971" y="6573"/>
+                  <a:pt x="8961" y="6498"/>
+                </a:cubicBezTo>
+                <a:cubicBezTo>
+                  <a:pt x="7707" y="6531"/>
+                  <a:pt x="9154" y="6465"/>
+                  <a:pt x="7379" y="6533"/>
+                </a:cubicBezTo>
+                <a:cubicBezTo>
+                  <a:pt x="7476" y="4057"/>
+                  <a:pt x="7793" y="2666"/>
+                  <a:pt x="8117" y="2691"/>
+                </a:cubicBezTo>
+                <a:close/>
+                <a:moveTo>
+                  <a:pt x="9529" y="2961"/>
+                </a:moveTo>
+                <a:cubicBezTo>
+                  <a:pt x="9927" y="3168"/>
+                  <a:pt x="10207" y="6148"/>
+                  <a:pt x="10284" y="6474"/>
+                </a:cubicBezTo>
+                <a:lnTo>
+                  <a:pt x="9480" y="6486"/>
+                </a:lnTo>
+                <a:lnTo>
+                  <a:pt x="9096" y="3874"/>
+                </a:lnTo>
+                <a:cubicBezTo>
+                  <a:pt x="9251" y="3127"/>
+                  <a:pt x="9397" y="2891"/>
+                  <a:pt x="9529" y="2961"/>
+                </a:cubicBezTo>
+                <a:close/>
+                <a:moveTo>
+                  <a:pt x="10947" y="3019"/>
+                </a:moveTo>
+                <a:cubicBezTo>
+                  <a:pt x="11376" y="3474"/>
+                  <a:pt x="11709" y="6643"/>
+                  <a:pt x="11684" y="6474"/>
+                </a:cubicBezTo>
+                <a:lnTo>
+                  <a:pt x="10895" y="6463"/>
+                </a:lnTo>
+                <a:lnTo>
+                  <a:pt x="10496" y="3698"/>
+                </a:lnTo>
+                <a:cubicBezTo>
+                  <a:pt x="10651" y="3023"/>
+                  <a:pt x="10804" y="2868"/>
+                  <a:pt x="10947" y="3019"/>
+                </a:cubicBezTo>
+                <a:close/>
+                <a:moveTo>
+                  <a:pt x="7378" y="9391"/>
+                </a:moveTo>
+                <a:cubicBezTo>
+                  <a:pt x="8968" y="9454"/>
+                  <a:pt x="8228" y="9407"/>
+                  <a:pt x="9042" y="9426"/>
+                </a:cubicBezTo>
+                <a:cubicBezTo>
+                  <a:pt x="9036" y="9463"/>
+                  <a:pt x="8651" y="11988"/>
+                  <a:pt x="8675" y="11827"/>
+                </a:cubicBezTo>
+                <a:cubicBezTo>
+                  <a:pt x="8236" y="14694"/>
+                  <a:pt x="7535" y="13281"/>
+                  <a:pt x="7378" y="9391"/>
+                </a:cubicBezTo>
+                <a:close/>
+                <a:moveTo>
+                  <a:pt x="14221" y="9391"/>
+                </a:moveTo>
+                <a:cubicBezTo>
+                  <a:pt x="14146" y="11306"/>
+                  <a:pt x="13905" y="12840"/>
+                  <a:pt x="13627" y="13162"/>
+                </a:cubicBezTo>
+                <a:cubicBezTo>
+                  <a:pt x="13149" y="13687"/>
+                  <a:pt x="12952" y="11633"/>
+                  <a:pt x="12639" y="9426"/>
+                </a:cubicBezTo>
+                <a:cubicBezTo>
+                  <a:pt x="13881" y="9392"/>
+                  <a:pt x="12452" y="9462"/>
+                  <a:pt x="14221" y="9391"/>
+                </a:cubicBezTo>
+                <a:close/>
+                <a:moveTo>
+                  <a:pt x="12120" y="9437"/>
+                </a:moveTo>
+                <a:lnTo>
+                  <a:pt x="12509" y="12073"/>
+                </a:lnTo>
+                <a:cubicBezTo>
+                  <a:pt x="11887" y="14996"/>
+                  <a:pt x="11427" y="9888"/>
+                  <a:pt x="11325" y="9449"/>
+                </a:cubicBezTo>
+                <a:lnTo>
+                  <a:pt x="12120" y="9437"/>
+                </a:lnTo>
+                <a:close/>
+                <a:moveTo>
+                  <a:pt x="9917" y="9449"/>
+                </a:moveTo>
+                <a:lnTo>
+                  <a:pt x="10714" y="9461"/>
+                </a:lnTo>
+                <a:lnTo>
+                  <a:pt x="11111" y="12201"/>
+                </a:lnTo>
+                <a:cubicBezTo>
+                  <a:pt x="10633" y="14338"/>
+                  <a:pt x="10233" y="11576"/>
+                  <a:pt x="10228" y="11557"/>
+                </a:cubicBezTo>
+                <a:cubicBezTo>
+                  <a:pt x="10221" y="11516"/>
+                  <a:pt x="9907" y="9382"/>
+                  <a:pt x="9917" y="9449"/>
+                </a:cubicBezTo>
+                <a:close/>
+              </a:path>
+            </a:pathLst>
+          </a:custGeom>
+          <a:solidFill>
+            <a:srgbClr val="000000"/>
+          </a:solidFill>
+          <a:ln w="12700">
+            <a:miter lim="400000"/>
+          </a:ln>
+        </p:spPr>
+        <p:txBody>
+          <a:bodyPr lIns="50800" tIns="50800" rIns="50800" bIns="50800" anchor="ctr"/>
+          <a:lstStyle/>
+          <a:p>
+            <a:pPr defTabSz="825500">
+              <a:defRPr sz="3200">
+                <a:solidFill>
+                  <a:srgbClr val="FFFFFF"/>
+                </a:solidFill>
+                <a:latin typeface="Helvetica Neue Medium"/>
+                <a:ea typeface="Helvetica Neue Medium"/>
+                <a:cs typeface="Helvetica Neue Medium"/>
+                <a:sym typeface="Helvetica Neue Medium"/>
+              </a:defRPr>
+            </a:pPr>
+          </a:p>
+        </p:txBody>
+      </p:sp>
+      <p:sp>
+        <p:nvSpPr>
+          <p:cNvPr id="203" name="6"/>
+          <p:cNvSpPr txBox="1"/>
+          <p:nvPr/>
+        </p:nvSpPr>
+        <p:spPr>
+          <a:xfrm>
+            <a:off x="12042038" y="12778316"/>
+            <a:ext cx="299924" cy="469901"/>
+          </a:xfrm>
+          <a:prstGeom prst="rect">
+            <a:avLst/>
+          </a:prstGeom>
+          <a:ln w="12700">
+            <a:miter lim="400000"/>
+          </a:ln>
+          <a:extLst>
+            <a:ext uri="{C572A759-6A51-4108-AA02-DFA0A04FC94B}">
+              <ma14:wrappingTextBoxFlag xmlns:ma14="http://schemas.microsoft.com/office/mac/drawingml/2011/main" val="1"/>
+            </a:ext>
+          </a:extLst>
+        </p:spPr>
+        <p:txBody>
+          <a:bodyPr wrap="none" lIns="50800" tIns="50800" rIns="50800" bIns="50800" anchor="ctr">
+            <a:spAutoFit/>
+          </a:bodyPr>
+          <a:lstStyle>
+            <a:lvl1pPr>
+              <a:defRPr>
+                <a:solidFill>
+                  <a:srgbClr val="000000"/>
+                </a:solidFill>
+                <a:latin typeface="Montserrat Regular"/>
+                <a:ea typeface="Montserrat Regular"/>
+                <a:cs typeface="Montserrat Regular"/>
+                <a:sym typeface="Montserrat Regular"/>
+              </a:defRPr>
+            </a:lvl1pPr>
+          </a:lstStyle>
+          <a:p>
+            <a:pPr/>
+            <a:r>
+              <a:t>6</a:t>
+            </a:r>
+          </a:p>
+        </p:txBody>
+      </p:sp>
     </p:spTree>
   </p:cSld>
   <p:clrMapOvr>
@@ -6238,7 +9896,7 @@
       </p:grpSpPr>
       <p:pic>
         <p:nvPicPr>
-          <p:cNvPr id="186" name="Screenshot 2023-01-25 at 17.58.png" descr="Screenshot 2023-01-25 at 17.58.png"/>
+          <p:cNvPr id="205" name="Screenshot 2023-01-25 at 17.58.png" descr="Screenshot 2023-01-25 at 17.58.png"/>
           <p:cNvPicPr>
             <a:picLocks noChangeAspect="1"/>
           </p:cNvPicPr>
@@ -6267,7 +9925,7 @@
       </p:pic>
       <p:sp>
         <p:nvSpPr>
-          <p:cNvPr id="187" name="Requisiti"/>
+          <p:cNvPr id="206" name="Requisiti"/>
           <p:cNvSpPr txBox="1"/>
           <p:nvPr>
             <p:ph type="title"/>
@@ -6287,6 +9945,9 @@
           <a:lstStyle>
             <a:lvl1pPr>
               <a:defRPr b="0" u="sng">
+                <a:solidFill>
+                  <a:srgbClr val="3D3D3D"/>
+                </a:solidFill>
                 <a:latin typeface="Montserrat Thin SemiBold"/>
                 <a:ea typeface="Montserrat Thin SemiBold"/>
                 <a:cs typeface="Montserrat Thin SemiBold"/>
@@ -6304,7 +9965,7 @@
       </p:sp>
       <p:sp>
         <p:nvSpPr>
-          <p:cNvPr id="188" name="Registrazione e Login…"/>
+          <p:cNvPr id="207" name="Registrazione e Login…"/>
           <p:cNvSpPr txBox="1"/>
           <p:nvPr>
             <p:ph type="body" sz="quarter" idx="1"/>
@@ -6332,6 +9993,9 @@
               </a:spcBef>
               <a:buSzPct val="120000"/>
               <a:defRPr sz="4224">
+                <a:solidFill>
+                  <a:srgbClr val="3D3D3D"/>
+                </a:solidFill>
                 <a:latin typeface="Montserrat Regular"/>
                 <a:ea typeface="Montserrat Regular"/>
                 <a:cs typeface="Montserrat Regular"/>
@@ -6352,6 +10016,9 @@
               </a:spcBef>
               <a:buSzPct val="120000"/>
               <a:defRPr sz="4224">
+                <a:solidFill>
+                  <a:srgbClr val="3D3D3D"/>
+                </a:solidFill>
                 <a:latin typeface="Montserrat Regular"/>
                 <a:ea typeface="Montserrat Regular"/>
                 <a:cs typeface="Montserrat Regular"/>
@@ -6372,6 +10039,9 @@
               </a:spcBef>
               <a:buSzPct val="120000"/>
               <a:defRPr sz="4224">
+                <a:solidFill>
+                  <a:srgbClr val="3D3D3D"/>
+                </a:solidFill>
                 <a:latin typeface="Montserrat Regular"/>
                 <a:ea typeface="Montserrat Regular"/>
                 <a:cs typeface="Montserrat Regular"/>
@@ -6392,6 +10062,9 @@
               </a:spcBef>
               <a:buSzPct val="120000"/>
               <a:defRPr sz="4224">
+                <a:solidFill>
+                  <a:srgbClr val="3D3D3D"/>
+                </a:solidFill>
                 <a:latin typeface="Montserrat Regular"/>
                 <a:ea typeface="Montserrat Regular"/>
                 <a:cs typeface="Montserrat Regular"/>
@@ -6412,6 +10085,9 @@
               </a:spcBef>
               <a:buSzPct val="120000"/>
               <a:defRPr sz="4224" u="sng">
+                <a:solidFill>
+                  <a:srgbClr val="3D3D3D"/>
+                </a:solidFill>
                 <a:latin typeface="Montserrat Regular"/>
                 <a:ea typeface="Montserrat Regular"/>
                 <a:cs typeface="Montserrat Regular"/>
@@ -6432,6 +10108,9 @@
               </a:spcBef>
               <a:buSzPct val="120000"/>
               <a:defRPr sz="4224" u="sng">
+                <a:solidFill>
+                  <a:srgbClr val="3D3D3D"/>
+                </a:solidFill>
                 <a:latin typeface="Montserrat Regular"/>
                 <a:ea typeface="Montserrat Regular"/>
                 <a:cs typeface="Montserrat Regular"/>
@@ -6452,6 +10131,9 @@
               </a:spcBef>
               <a:buSzPct val="120000"/>
               <a:defRPr sz="4224">
+                <a:solidFill>
+                  <a:srgbClr val="3D3D3D"/>
+                </a:solidFill>
                 <a:latin typeface="Montserrat Regular"/>
                 <a:ea typeface="Montserrat Regular"/>
                 <a:cs typeface="Montserrat Regular"/>
@@ -6466,7 +10148,7 @@
       </p:sp>
       <p:sp>
         <p:nvSpPr>
-          <p:cNvPr id="189" name="Essenziali"/>
+          <p:cNvPr id="208" name="Essenziali"/>
           <p:cNvSpPr txBox="1"/>
           <p:nvPr/>
         </p:nvSpPr>
@@ -6495,7 +10177,7 @@
             <a:lvl1pPr algn="l" defTabSz="825500">
               <a:defRPr sz="5500">
                 <a:solidFill>
-                  <a:srgbClr val="000000"/>
+                  <a:srgbClr val="3D3D3D"/>
                 </a:solidFill>
                 <a:latin typeface="Montserrat SemiBold"/>
                 <a:ea typeface="Montserrat SemiBold"/>
@@ -6508,6 +10190,434 @@
             <a:pPr/>
             <a:r>
               <a:t>Essenziali</a:t>
+            </a:r>
+          </a:p>
+        </p:txBody>
+      </p:sp>
+      <p:sp>
+        <p:nvSpPr>
+          <p:cNvPr id="209" name="Rectangle"/>
+          <p:cNvSpPr/>
+          <p:nvPr/>
+        </p:nvSpPr>
+        <p:spPr>
+          <a:xfrm>
+            <a:off x="-282179" y="-651934"/>
+            <a:ext cx="24948358" cy="1270001"/>
+          </a:xfrm>
+          <a:prstGeom prst="rect">
+            <a:avLst/>
+          </a:prstGeom>
+          <a:solidFill>
+            <a:srgbClr val="5E5E5E"/>
+          </a:solidFill>
+          <a:ln w="12700">
+            <a:miter lim="400000"/>
+          </a:ln>
+        </p:spPr>
+        <p:txBody>
+          <a:bodyPr lIns="50800" tIns="50800" rIns="50800" bIns="50800" anchor="ctr"/>
+          <a:lstStyle/>
+          <a:p>
+            <a:pPr defTabSz="825500">
+              <a:defRPr sz="3200">
+                <a:solidFill>
+                  <a:srgbClr val="FFFFFF"/>
+                </a:solidFill>
+                <a:latin typeface="Helvetica Neue Medium"/>
+                <a:ea typeface="Helvetica Neue Medium"/>
+                <a:cs typeface="Helvetica Neue Medium"/>
+                <a:sym typeface="Helvetica Neue Medium"/>
+              </a:defRPr>
+            </a:pPr>
+          </a:p>
+        </p:txBody>
+      </p:sp>
+      <p:sp>
+        <p:nvSpPr>
+          <p:cNvPr id="210" name="Ornament 16"/>
+          <p:cNvSpPr/>
+          <p:nvPr/>
+        </p:nvSpPr>
+        <p:spPr>
+          <a:xfrm>
+            <a:off x="11497122" y="13203921"/>
+            <a:ext cx="1389757" cy="148386"/>
+          </a:xfrm>
+          <a:custGeom>
+            <a:avLst/>
+            <a:gdLst/>
+            <a:ahLst/>
+            <a:cxnLst>
+              <a:cxn ang="0">
+                <a:pos x="wd2" y="hd2"/>
+              </a:cxn>
+              <a:cxn ang="5400000">
+                <a:pos x="wd2" y="hd2"/>
+              </a:cxn>
+              <a:cxn ang="10800000">
+                <a:pos x="wd2" y="hd2"/>
+              </a:cxn>
+              <a:cxn ang="16200000">
+                <a:pos x="wd2" y="hd2"/>
+              </a:cxn>
+            </a:cxnLst>
+            <a:rect l="0" t="0" r="r" b="b"/>
+            <a:pathLst>
+              <a:path w="21600" h="16007" fill="norm" stroke="1" extrusionOk="0">
+                <a:moveTo>
+                  <a:pt x="9472" y="21"/>
+                </a:moveTo>
+                <a:cubicBezTo>
+                  <a:pt x="9223" y="53"/>
+                  <a:pt x="8975" y="641"/>
+                  <a:pt x="8772" y="1801"/>
+                </a:cubicBezTo>
+                <a:cubicBezTo>
+                  <a:pt x="8137" y="-1445"/>
+                  <a:pt x="7234" y="1021"/>
+                  <a:pt x="7074" y="6181"/>
+                </a:cubicBezTo>
+                <a:cubicBezTo>
+                  <a:pt x="7070" y="6301"/>
+                  <a:pt x="7067" y="6425"/>
+                  <a:pt x="7064" y="6545"/>
+                </a:cubicBezTo>
+                <a:cubicBezTo>
+                  <a:pt x="3830" y="6672"/>
+                  <a:pt x="1931" y="6955"/>
+                  <a:pt x="24" y="7259"/>
+                </a:cubicBezTo>
+                <a:cubicBezTo>
+                  <a:pt x="10" y="7263"/>
+                  <a:pt x="0" y="7349"/>
+                  <a:pt x="0" y="7446"/>
+                </a:cubicBezTo>
+                <a:lnTo>
+                  <a:pt x="0" y="8477"/>
+                </a:lnTo>
+                <a:cubicBezTo>
+                  <a:pt x="0" y="8574"/>
+                  <a:pt x="10" y="8649"/>
+                  <a:pt x="24" y="8653"/>
+                </a:cubicBezTo>
+                <a:cubicBezTo>
+                  <a:pt x="2070" y="8979"/>
+                  <a:pt x="3801" y="9240"/>
+                  <a:pt x="7072" y="9367"/>
+                </a:cubicBezTo>
+                <a:cubicBezTo>
+                  <a:pt x="7243" y="14966"/>
+                  <a:pt x="8249" y="17172"/>
+                  <a:pt x="8848" y="13068"/>
+                </a:cubicBezTo>
+                <a:cubicBezTo>
+                  <a:pt x="9572" y="8106"/>
+                  <a:pt x="9322" y="9816"/>
+                  <a:pt x="9376" y="9449"/>
+                </a:cubicBezTo>
+                <a:cubicBezTo>
+                  <a:pt x="9794" y="12417"/>
+                  <a:pt x="10494" y="19166"/>
+                  <a:pt x="11426" y="14286"/>
+                </a:cubicBezTo>
+                <a:cubicBezTo>
+                  <a:pt x="11850" y="16535"/>
+                  <a:pt x="12432" y="16401"/>
+                  <a:pt x="12832" y="14134"/>
+                </a:cubicBezTo>
+                <a:cubicBezTo>
+                  <a:pt x="13467" y="17338"/>
+                  <a:pt x="14364" y="14891"/>
+                  <a:pt x="14524" y="9730"/>
+                </a:cubicBezTo>
+                <a:cubicBezTo>
+                  <a:pt x="14528" y="9610"/>
+                  <a:pt x="14531" y="9487"/>
+                  <a:pt x="14534" y="9367"/>
+                </a:cubicBezTo>
+                <a:cubicBezTo>
+                  <a:pt x="17341" y="9258"/>
+                  <a:pt x="19089" y="9035"/>
+                  <a:pt x="21575" y="8641"/>
+                </a:cubicBezTo>
+                <a:cubicBezTo>
+                  <a:pt x="21589" y="8637"/>
+                  <a:pt x="21600" y="8563"/>
+                  <a:pt x="21600" y="8465"/>
+                </a:cubicBezTo>
+                <a:lnTo>
+                  <a:pt x="21600" y="7435"/>
+                </a:lnTo>
+                <a:cubicBezTo>
+                  <a:pt x="21600" y="7337"/>
+                  <a:pt x="21590" y="7263"/>
+                  <a:pt x="21576" y="7259"/>
+                </a:cubicBezTo>
+                <a:cubicBezTo>
+                  <a:pt x="21279" y="7214"/>
+                  <a:pt x="18303" y="6694"/>
+                  <a:pt x="14528" y="6545"/>
+                </a:cubicBezTo>
+                <a:cubicBezTo>
+                  <a:pt x="14357" y="934"/>
+                  <a:pt x="13349" y="-1260"/>
+                  <a:pt x="12751" y="2843"/>
+                </a:cubicBezTo>
+                <a:cubicBezTo>
+                  <a:pt x="12026" y="7806"/>
+                  <a:pt x="12277" y="6095"/>
+                  <a:pt x="12223" y="6463"/>
+                </a:cubicBezTo>
+                <a:cubicBezTo>
+                  <a:pt x="12091" y="5529"/>
+                  <a:pt x="11785" y="3355"/>
+                  <a:pt x="11654" y="2422"/>
+                </a:cubicBezTo>
+                <a:cubicBezTo>
+                  <a:pt x="11648" y="2407"/>
+                  <a:pt x="10958" y="-2434"/>
+                  <a:pt x="10177" y="1614"/>
+                </a:cubicBezTo>
+                <a:cubicBezTo>
+                  <a:pt x="9969" y="521"/>
+                  <a:pt x="9721" y="-11"/>
+                  <a:pt x="9472" y="21"/>
+                </a:cubicBezTo>
+                <a:close/>
+                <a:moveTo>
+                  <a:pt x="13483" y="2586"/>
+                </a:moveTo>
+                <a:cubicBezTo>
+                  <a:pt x="13809" y="2629"/>
+                  <a:pt x="14122" y="4076"/>
+                  <a:pt x="14222" y="6545"/>
+                </a:cubicBezTo>
+                <a:cubicBezTo>
+                  <a:pt x="12283" y="6470"/>
+                  <a:pt x="14951" y="6558"/>
+                  <a:pt x="12558" y="6498"/>
+                </a:cubicBezTo>
+                <a:cubicBezTo>
+                  <a:pt x="12563" y="6456"/>
+                  <a:pt x="12951" y="3936"/>
+                  <a:pt x="12926" y="4097"/>
+                </a:cubicBezTo>
+                <a:cubicBezTo>
+                  <a:pt x="13088" y="3040"/>
+                  <a:pt x="13287" y="2560"/>
+                  <a:pt x="13483" y="2586"/>
+                </a:cubicBezTo>
+                <a:close/>
+                <a:moveTo>
+                  <a:pt x="8117" y="2691"/>
+                </a:moveTo>
+                <a:cubicBezTo>
+                  <a:pt x="8311" y="2707"/>
+                  <a:pt x="8507" y="3237"/>
+                  <a:pt x="8659" y="4354"/>
+                </a:cubicBezTo>
+                <a:cubicBezTo>
+                  <a:pt x="8665" y="4403"/>
+                  <a:pt x="8971" y="6573"/>
+                  <a:pt x="8961" y="6498"/>
+                </a:cubicBezTo>
+                <a:cubicBezTo>
+                  <a:pt x="7707" y="6531"/>
+                  <a:pt x="9154" y="6465"/>
+                  <a:pt x="7379" y="6533"/>
+                </a:cubicBezTo>
+                <a:cubicBezTo>
+                  <a:pt x="7476" y="4057"/>
+                  <a:pt x="7793" y="2666"/>
+                  <a:pt x="8117" y="2691"/>
+                </a:cubicBezTo>
+                <a:close/>
+                <a:moveTo>
+                  <a:pt x="9529" y="2961"/>
+                </a:moveTo>
+                <a:cubicBezTo>
+                  <a:pt x="9927" y="3168"/>
+                  <a:pt x="10207" y="6148"/>
+                  <a:pt x="10284" y="6474"/>
+                </a:cubicBezTo>
+                <a:lnTo>
+                  <a:pt x="9480" y="6486"/>
+                </a:lnTo>
+                <a:lnTo>
+                  <a:pt x="9096" y="3874"/>
+                </a:lnTo>
+                <a:cubicBezTo>
+                  <a:pt x="9251" y="3127"/>
+                  <a:pt x="9397" y="2891"/>
+                  <a:pt x="9529" y="2961"/>
+                </a:cubicBezTo>
+                <a:close/>
+                <a:moveTo>
+                  <a:pt x="10947" y="3019"/>
+                </a:moveTo>
+                <a:cubicBezTo>
+                  <a:pt x="11376" y="3474"/>
+                  <a:pt x="11709" y="6643"/>
+                  <a:pt x="11684" y="6474"/>
+                </a:cubicBezTo>
+                <a:lnTo>
+                  <a:pt x="10895" y="6463"/>
+                </a:lnTo>
+                <a:lnTo>
+                  <a:pt x="10496" y="3698"/>
+                </a:lnTo>
+                <a:cubicBezTo>
+                  <a:pt x="10651" y="3023"/>
+                  <a:pt x="10804" y="2868"/>
+                  <a:pt x="10947" y="3019"/>
+                </a:cubicBezTo>
+                <a:close/>
+                <a:moveTo>
+                  <a:pt x="7378" y="9391"/>
+                </a:moveTo>
+                <a:cubicBezTo>
+                  <a:pt x="8968" y="9454"/>
+                  <a:pt x="8228" y="9407"/>
+                  <a:pt x="9042" y="9426"/>
+                </a:cubicBezTo>
+                <a:cubicBezTo>
+                  <a:pt x="9036" y="9463"/>
+                  <a:pt x="8651" y="11988"/>
+                  <a:pt x="8675" y="11827"/>
+                </a:cubicBezTo>
+                <a:cubicBezTo>
+                  <a:pt x="8236" y="14694"/>
+                  <a:pt x="7535" y="13281"/>
+                  <a:pt x="7378" y="9391"/>
+                </a:cubicBezTo>
+                <a:close/>
+                <a:moveTo>
+                  <a:pt x="14221" y="9391"/>
+                </a:moveTo>
+                <a:cubicBezTo>
+                  <a:pt x="14146" y="11306"/>
+                  <a:pt x="13905" y="12840"/>
+                  <a:pt x="13627" y="13162"/>
+                </a:cubicBezTo>
+                <a:cubicBezTo>
+                  <a:pt x="13149" y="13687"/>
+                  <a:pt x="12952" y="11633"/>
+                  <a:pt x="12639" y="9426"/>
+                </a:cubicBezTo>
+                <a:cubicBezTo>
+                  <a:pt x="13881" y="9392"/>
+                  <a:pt x="12452" y="9462"/>
+                  <a:pt x="14221" y="9391"/>
+                </a:cubicBezTo>
+                <a:close/>
+                <a:moveTo>
+                  <a:pt x="12120" y="9437"/>
+                </a:moveTo>
+                <a:lnTo>
+                  <a:pt x="12509" y="12073"/>
+                </a:lnTo>
+                <a:cubicBezTo>
+                  <a:pt x="11887" y="14996"/>
+                  <a:pt x="11427" y="9888"/>
+                  <a:pt x="11325" y="9449"/>
+                </a:cubicBezTo>
+                <a:lnTo>
+                  <a:pt x="12120" y="9437"/>
+                </a:lnTo>
+                <a:close/>
+                <a:moveTo>
+                  <a:pt x="9917" y="9449"/>
+                </a:moveTo>
+                <a:lnTo>
+                  <a:pt x="10714" y="9461"/>
+                </a:lnTo>
+                <a:lnTo>
+                  <a:pt x="11111" y="12201"/>
+                </a:lnTo>
+                <a:cubicBezTo>
+                  <a:pt x="10633" y="14338"/>
+                  <a:pt x="10233" y="11576"/>
+                  <a:pt x="10228" y="11557"/>
+                </a:cubicBezTo>
+                <a:cubicBezTo>
+                  <a:pt x="10221" y="11516"/>
+                  <a:pt x="9907" y="9382"/>
+                  <a:pt x="9917" y="9449"/>
+                </a:cubicBezTo>
+                <a:close/>
+              </a:path>
+            </a:pathLst>
+          </a:custGeom>
+          <a:solidFill>
+            <a:srgbClr val="000000"/>
+          </a:solidFill>
+          <a:ln w="12700">
+            <a:miter lim="400000"/>
+          </a:ln>
+        </p:spPr>
+        <p:txBody>
+          <a:bodyPr lIns="50800" tIns="50800" rIns="50800" bIns="50800" anchor="ctr"/>
+          <a:lstStyle/>
+          <a:p>
+            <a:pPr defTabSz="825500">
+              <a:defRPr sz="3200">
+                <a:solidFill>
+                  <a:srgbClr val="FFFFFF"/>
+                </a:solidFill>
+                <a:latin typeface="Helvetica Neue Medium"/>
+                <a:ea typeface="Helvetica Neue Medium"/>
+                <a:cs typeface="Helvetica Neue Medium"/>
+                <a:sym typeface="Helvetica Neue Medium"/>
+              </a:defRPr>
+            </a:pPr>
+          </a:p>
+        </p:txBody>
+      </p:sp>
+      <p:sp>
+        <p:nvSpPr>
+          <p:cNvPr id="211" name="7"/>
+          <p:cNvSpPr txBox="1"/>
+          <p:nvPr/>
+        </p:nvSpPr>
+        <p:spPr>
+          <a:xfrm>
+            <a:off x="12045086" y="12778316"/>
+            <a:ext cx="293828" cy="469901"/>
+          </a:xfrm>
+          <a:prstGeom prst="rect">
+            <a:avLst/>
+          </a:prstGeom>
+          <a:ln w="12700">
+            <a:miter lim="400000"/>
+          </a:ln>
+          <a:extLst>
+            <a:ext uri="{C572A759-6A51-4108-AA02-DFA0A04FC94B}">
+              <ma14:wrappingTextBoxFlag xmlns:ma14="http://schemas.microsoft.com/office/mac/drawingml/2011/main" val="1"/>
+            </a:ext>
+          </a:extLst>
+        </p:spPr>
+        <p:txBody>
+          <a:bodyPr wrap="none" lIns="50800" tIns="50800" rIns="50800" bIns="50800" anchor="ctr">
+            <a:spAutoFit/>
+          </a:bodyPr>
+          <a:lstStyle>
+            <a:lvl1pPr>
+              <a:defRPr>
+                <a:solidFill>
+                  <a:srgbClr val="000000"/>
+                </a:solidFill>
+                <a:latin typeface="Montserrat Regular"/>
+                <a:ea typeface="Montserrat Regular"/>
+                <a:cs typeface="Montserrat Regular"/>
+                <a:sym typeface="Montserrat Regular"/>
+              </a:defRPr>
+            </a:lvl1pPr>
+          </a:lstStyle>
+          <a:p>
+            <a:pPr/>
+            <a:r>
+              <a:t>7</a:t>
             </a:r>
           </a:p>
         </p:txBody>
@@ -6540,7 +10650,7 @@
       </p:grpSpPr>
       <p:sp>
         <p:nvSpPr>
-          <p:cNvPr id="191" name="Ux Prototyping"/>
+          <p:cNvPr id="213" name="Ux Prototyping"/>
           <p:cNvSpPr txBox="1"/>
           <p:nvPr>
             <p:ph type="title"/>
@@ -6560,6 +10670,9 @@
           <a:lstStyle>
             <a:lvl1pPr>
               <a:defRPr b="0" u="sng">
+                <a:solidFill>
+                  <a:srgbClr val="3D3D3D"/>
+                </a:solidFill>
                 <a:latin typeface="Montserrat Thin SemiBold"/>
                 <a:ea typeface="Montserrat Thin SemiBold"/>
                 <a:cs typeface="Montserrat Thin SemiBold"/>
@@ -6577,7 +10690,7 @@
       </p:sp>
       <p:sp>
         <p:nvSpPr>
-          <p:cNvPr id="192" name="Dopo aver costruito i prototipi partendo dai mockup mostrati, è stato effettuato un test su un campione variegato di possibili utenti, compresi anche utenti con ridotte abilità informatico-digitali (e.g. persone in età adulta non confidenti con il mondo "/>
+          <p:cNvPr id="214" name="Dopo aver costruito i prototipi partendo dai mockup mostrati, è stato effettuato un test su un campione variegato di possibili utenti, compresi anche utenti con ridotte abilità informatico-digitali (e.g. persone in età adulta non confidenti con il mondo "/>
           <p:cNvSpPr txBox="1"/>
           <p:nvPr/>
         </p:nvSpPr>
@@ -6613,7 +10726,7 @@
               </a:spcBef>
               <a:defRPr sz="4224">
                 <a:solidFill>
-                  <a:srgbClr val="000000"/>
+                  <a:srgbClr val="3D3D3D"/>
                 </a:solidFill>
                 <a:latin typeface="Montserrat Regular"/>
                 <a:ea typeface="Montserrat Regular"/>
@@ -6622,7 +10735,19 @@
               </a:defRPr>
             </a:pPr>
             <a:r>
-              <a:t>Dopo aver costruito i prototipi partendo dai mockup mostrati, è stato effettuato un test su un campione variegato di possibili utenti, compresi anche utenti con ridotte abilità informatico-digitali (e.g. persone in età adulta non confidenti con il mondo digitale).</a:t>
+              <a:t>Dopo aver costruito i prototipi partendo dai mockup mostrati, è stato effettuato un </a:t>
+            </a:r>
+            <a:r>
+              <a:rPr>
+                <a:latin typeface="Montserrat Thin Medium"/>
+                <a:ea typeface="Montserrat Thin Medium"/>
+                <a:cs typeface="Montserrat Thin Medium"/>
+                <a:sym typeface="Montserrat Thin Medium"/>
+              </a:rPr>
+              <a:t>test</a:t>
+            </a:r>
+            <a:r>
+              <a:t> su un campione variegato di possibili utenti, compresi anche utenti con ridotte abilità informatico-digitali (e.g. persone in età adulta non confidenti con il mondo digitale).</a:t>
             </a:r>
           </a:p>
           <a:p>
@@ -6635,7 +10760,7 @@
               </a:spcBef>
               <a:defRPr sz="4224">
                 <a:solidFill>
-                  <a:srgbClr val="000000"/>
+                  <a:srgbClr val="3D3D3D"/>
                 </a:solidFill>
                 <a:latin typeface="Montserrat Regular"/>
                 <a:ea typeface="Montserrat Regular"/>
@@ -6644,7 +10769,19 @@
               </a:defRPr>
             </a:pPr>
             <a:r>
-              <a:t>Da questa esperienza, sono emerse le qualità d’uso positive della piattaforma, quali l’interazione con i post e con gli utenti. </a:t>
+              <a:t>Da questa esperienza, sono emerse le </a:t>
+            </a:r>
+            <a:r>
+              <a:rPr>
+                <a:latin typeface="Montserrat Thin Medium"/>
+                <a:ea typeface="Montserrat Thin Medium"/>
+                <a:cs typeface="Montserrat Thin Medium"/>
+                <a:sym typeface="Montserrat Thin Medium"/>
+              </a:rPr>
+              <a:t>qualità d’uso positive</a:t>
+            </a:r>
+            <a:r>
+              <a:t> della piattaforma, quali l’interazione con i post e con gli utenti. </a:t>
             </a:r>
           </a:p>
           <a:p>
@@ -6657,6 +10794,455 @@
               </a:spcBef>
               <a:defRPr sz="4224">
                 <a:solidFill>
+                  <a:srgbClr val="3D3D3D"/>
+                </a:solidFill>
+                <a:latin typeface="Montserrat Regular"/>
+                <a:ea typeface="Montserrat Regular"/>
+                <a:cs typeface="Montserrat Regular"/>
+                <a:sym typeface="Montserrat Regular"/>
+              </a:defRPr>
+            </a:pPr>
+            <a:r>
+              <a:t>È risultata invece di </a:t>
+            </a:r>
+            <a:r>
+              <a:rPr>
+                <a:latin typeface="Montserrat Thin Medium"/>
+                <a:ea typeface="Montserrat Thin Medium"/>
+                <a:cs typeface="Montserrat Thin Medium"/>
+                <a:sym typeface="Montserrat Thin Medium"/>
+              </a:rPr>
+              <a:t>difficile comprensione</a:t>
+            </a:r>
+            <a:r>
+              <a:t>, la navigazione attraverso le pagine della piattaforma, rendendo così necessaria una </a:t>
+            </a:r>
+            <a:r>
+              <a:rPr>
+                <a:latin typeface="Montserrat Thin Medium"/>
+                <a:ea typeface="Montserrat Thin Medium"/>
+                <a:cs typeface="Montserrat Thin Medium"/>
+                <a:sym typeface="Montserrat Thin Medium"/>
+              </a:rPr>
+              <a:t>rielaborazione</a:t>
+            </a:r>
+            <a:r>
+              <a:t> dei modelli del dominio applicativo.</a:t>
+            </a:r>
+          </a:p>
+        </p:txBody>
+      </p:sp>
+      <p:sp>
+        <p:nvSpPr>
+          <p:cNvPr id="215" name="Rectangle"/>
+          <p:cNvSpPr/>
+          <p:nvPr/>
+        </p:nvSpPr>
+        <p:spPr>
+          <a:xfrm>
+            <a:off x="-282179" y="-651934"/>
+            <a:ext cx="24948358" cy="1270001"/>
+          </a:xfrm>
+          <a:prstGeom prst="rect">
+            <a:avLst/>
+          </a:prstGeom>
+          <a:solidFill>
+            <a:srgbClr val="5E5E5E"/>
+          </a:solidFill>
+          <a:ln w="12700">
+            <a:miter lim="400000"/>
+          </a:ln>
+        </p:spPr>
+        <p:txBody>
+          <a:bodyPr lIns="50800" tIns="50800" rIns="50800" bIns="50800" anchor="ctr"/>
+          <a:lstStyle/>
+          <a:p>
+            <a:pPr defTabSz="825500">
+              <a:defRPr sz="3200">
+                <a:solidFill>
+                  <a:srgbClr val="FFFFFF"/>
+                </a:solidFill>
+                <a:latin typeface="Helvetica Neue Medium"/>
+                <a:ea typeface="Helvetica Neue Medium"/>
+                <a:cs typeface="Helvetica Neue Medium"/>
+                <a:sym typeface="Helvetica Neue Medium"/>
+              </a:defRPr>
+            </a:pPr>
+          </a:p>
+        </p:txBody>
+      </p:sp>
+      <p:sp>
+        <p:nvSpPr>
+          <p:cNvPr id="216" name="Ornament 16"/>
+          <p:cNvSpPr/>
+          <p:nvPr/>
+        </p:nvSpPr>
+        <p:spPr>
+          <a:xfrm>
+            <a:off x="11497122" y="13203921"/>
+            <a:ext cx="1389757" cy="148386"/>
+          </a:xfrm>
+          <a:custGeom>
+            <a:avLst/>
+            <a:gdLst/>
+            <a:ahLst/>
+            <a:cxnLst>
+              <a:cxn ang="0">
+                <a:pos x="wd2" y="hd2"/>
+              </a:cxn>
+              <a:cxn ang="5400000">
+                <a:pos x="wd2" y="hd2"/>
+              </a:cxn>
+              <a:cxn ang="10800000">
+                <a:pos x="wd2" y="hd2"/>
+              </a:cxn>
+              <a:cxn ang="16200000">
+                <a:pos x="wd2" y="hd2"/>
+              </a:cxn>
+            </a:cxnLst>
+            <a:rect l="0" t="0" r="r" b="b"/>
+            <a:pathLst>
+              <a:path w="21600" h="16007" fill="norm" stroke="1" extrusionOk="0">
+                <a:moveTo>
+                  <a:pt x="9472" y="21"/>
+                </a:moveTo>
+                <a:cubicBezTo>
+                  <a:pt x="9223" y="53"/>
+                  <a:pt x="8975" y="641"/>
+                  <a:pt x="8772" y="1801"/>
+                </a:cubicBezTo>
+                <a:cubicBezTo>
+                  <a:pt x="8137" y="-1445"/>
+                  <a:pt x="7234" y="1021"/>
+                  <a:pt x="7074" y="6181"/>
+                </a:cubicBezTo>
+                <a:cubicBezTo>
+                  <a:pt x="7070" y="6301"/>
+                  <a:pt x="7067" y="6425"/>
+                  <a:pt x="7064" y="6545"/>
+                </a:cubicBezTo>
+                <a:cubicBezTo>
+                  <a:pt x="3830" y="6672"/>
+                  <a:pt x="1931" y="6955"/>
+                  <a:pt x="24" y="7259"/>
+                </a:cubicBezTo>
+                <a:cubicBezTo>
+                  <a:pt x="10" y="7263"/>
+                  <a:pt x="0" y="7349"/>
+                  <a:pt x="0" y="7446"/>
+                </a:cubicBezTo>
+                <a:lnTo>
+                  <a:pt x="0" y="8477"/>
+                </a:lnTo>
+                <a:cubicBezTo>
+                  <a:pt x="0" y="8574"/>
+                  <a:pt x="10" y="8649"/>
+                  <a:pt x="24" y="8653"/>
+                </a:cubicBezTo>
+                <a:cubicBezTo>
+                  <a:pt x="2070" y="8979"/>
+                  <a:pt x="3801" y="9240"/>
+                  <a:pt x="7072" y="9367"/>
+                </a:cubicBezTo>
+                <a:cubicBezTo>
+                  <a:pt x="7243" y="14966"/>
+                  <a:pt x="8249" y="17172"/>
+                  <a:pt x="8848" y="13068"/>
+                </a:cubicBezTo>
+                <a:cubicBezTo>
+                  <a:pt x="9572" y="8106"/>
+                  <a:pt x="9322" y="9816"/>
+                  <a:pt x="9376" y="9449"/>
+                </a:cubicBezTo>
+                <a:cubicBezTo>
+                  <a:pt x="9794" y="12417"/>
+                  <a:pt x="10494" y="19166"/>
+                  <a:pt x="11426" y="14286"/>
+                </a:cubicBezTo>
+                <a:cubicBezTo>
+                  <a:pt x="11850" y="16535"/>
+                  <a:pt x="12432" y="16401"/>
+                  <a:pt x="12832" y="14134"/>
+                </a:cubicBezTo>
+                <a:cubicBezTo>
+                  <a:pt x="13467" y="17338"/>
+                  <a:pt x="14364" y="14891"/>
+                  <a:pt x="14524" y="9730"/>
+                </a:cubicBezTo>
+                <a:cubicBezTo>
+                  <a:pt x="14528" y="9610"/>
+                  <a:pt x="14531" y="9487"/>
+                  <a:pt x="14534" y="9367"/>
+                </a:cubicBezTo>
+                <a:cubicBezTo>
+                  <a:pt x="17341" y="9258"/>
+                  <a:pt x="19089" y="9035"/>
+                  <a:pt x="21575" y="8641"/>
+                </a:cubicBezTo>
+                <a:cubicBezTo>
+                  <a:pt x="21589" y="8637"/>
+                  <a:pt x="21600" y="8563"/>
+                  <a:pt x="21600" y="8465"/>
+                </a:cubicBezTo>
+                <a:lnTo>
+                  <a:pt x="21600" y="7435"/>
+                </a:lnTo>
+                <a:cubicBezTo>
+                  <a:pt x="21600" y="7337"/>
+                  <a:pt x="21590" y="7263"/>
+                  <a:pt x="21576" y="7259"/>
+                </a:cubicBezTo>
+                <a:cubicBezTo>
+                  <a:pt x="21279" y="7214"/>
+                  <a:pt x="18303" y="6694"/>
+                  <a:pt x="14528" y="6545"/>
+                </a:cubicBezTo>
+                <a:cubicBezTo>
+                  <a:pt x="14357" y="934"/>
+                  <a:pt x="13349" y="-1260"/>
+                  <a:pt x="12751" y="2843"/>
+                </a:cubicBezTo>
+                <a:cubicBezTo>
+                  <a:pt x="12026" y="7806"/>
+                  <a:pt x="12277" y="6095"/>
+                  <a:pt x="12223" y="6463"/>
+                </a:cubicBezTo>
+                <a:cubicBezTo>
+                  <a:pt x="12091" y="5529"/>
+                  <a:pt x="11785" y="3355"/>
+                  <a:pt x="11654" y="2422"/>
+                </a:cubicBezTo>
+                <a:cubicBezTo>
+                  <a:pt x="11648" y="2407"/>
+                  <a:pt x="10958" y="-2434"/>
+                  <a:pt x="10177" y="1614"/>
+                </a:cubicBezTo>
+                <a:cubicBezTo>
+                  <a:pt x="9969" y="521"/>
+                  <a:pt x="9721" y="-11"/>
+                  <a:pt x="9472" y="21"/>
+                </a:cubicBezTo>
+                <a:close/>
+                <a:moveTo>
+                  <a:pt x="13483" y="2586"/>
+                </a:moveTo>
+                <a:cubicBezTo>
+                  <a:pt x="13809" y="2629"/>
+                  <a:pt x="14122" y="4076"/>
+                  <a:pt x="14222" y="6545"/>
+                </a:cubicBezTo>
+                <a:cubicBezTo>
+                  <a:pt x="12283" y="6470"/>
+                  <a:pt x="14951" y="6558"/>
+                  <a:pt x="12558" y="6498"/>
+                </a:cubicBezTo>
+                <a:cubicBezTo>
+                  <a:pt x="12563" y="6456"/>
+                  <a:pt x="12951" y="3936"/>
+                  <a:pt x="12926" y="4097"/>
+                </a:cubicBezTo>
+                <a:cubicBezTo>
+                  <a:pt x="13088" y="3040"/>
+                  <a:pt x="13287" y="2560"/>
+                  <a:pt x="13483" y="2586"/>
+                </a:cubicBezTo>
+                <a:close/>
+                <a:moveTo>
+                  <a:pt x="8117" y="2691"/>
+                </a:moveTo>
+                <a:cubicBezTo>
+                  <a:pt x="8311" y="2707"/>
+                  <a:pt x="8507" y="3237"/>
+                  <a:pt x="8659" y="4354"/>
+                </a:cubicBezTo>
+                <a:cubicBezTo>
+                  <a:pt x="8665" y="4403"/>
+                  <a:pt x="8971" y="6573"/>
+                  <a:pt x="8961" y="6498"/>
+                </a:cubicBezTo>
+                <a:cubicBezTo>
+                  <a:pt x="7707" y="6531"/>
+                  <a:pt x="9154" y="6465"/>
+                  <a:pt x="7379" y="6533"/>
+                </a:cubicBezTo>
+                <a:cubicBezTo>
+                  <a:pt x="7476" y="4057"/>
+                  <a:pt x="7793" y="2666"/>
+                  <a:pt x="8117" y="2691"/>
+                </a:cubicBezTo>
+                <a:close/>
+                <a:moveTo>
+                  <a:pt x="9529" y="2961"/>
+                </a:moveTo>
+                <a:cubicBezTo>
+                  <a:pt x="9927" y="3168"/>
+                  <a:pt x="10207" y="6148"/>
+                  <a:pt x="10284" y="6474"/>
+                </a:cubicBezTo>
+                <a:lnTo>
+                  <a:pt x="9480" y="6486"/>
+                </a:lnTo>
+                <a:lnTo>
+                  <a:pt x="9096" y="3874"/>
+                </a:lnTo>
+                <a:cubicBezTo>
+                  <a:pt x="9251" y="3127"/>
+                  <a:pt x="9397" y="2891"/>
+                  <a:pt x="9529" y="2961"/>
+                </a:cubicBezTo>
+                <a:close/>
+                <a:moveTo>
+                  <a:pt x="10947" y="3019"/>
+                </a:moveTo>
+                <a:cubicBezTo>
+                  <a:pt x="11376" y="3474"/>
+                  <a:pt x="11709" y="6643"/>
+                  <a:pt x="11684" y="6474"/>
+                </a:cubicBezTo>
+                <a:lnTo>
+                  <a:pt x="10895" y="6463"/>
+                </a:lnTo>
+                <a:lnTo>
+                  <a:pt x="10496" y="3698"/>
+                </a:lnTo>
+                <a:cubicBezTo>
+                  <a:pt x="10651" y="3023"/>
+                  <a:pt x="10804" y="2868"/>
+                  <a:pt x="10947" y="3019"/>
+                </a:cubicBezTo>
+                <a:close/>
+                <a:moveTo>
+                  <a:pt x="7378" y="9391"/>
+                </a:moveTo>
+                <a:cubicBezTo>
+                  <a:pt x="8968" y="9454"/>
+                  <a:pt x="8228" y="9407"/>
+                  <a:pt x="9042" y="9426"/>
+                </a:cubicBezTo>
+                <a:cubicBezTo>
+                  <a:pt x="9036" y="9463"/>
+                  <a:pt x="8651" y="11988"/>
+                  <a:pt x="8675" y="11827"/>
+                </a:cubicBezTo>
+                <a:cubicBezTo>
+                  <a:pt x="8236" y="14694"/>
+                  <a:pt x="7535" y="13281"/>
+                  <a:pt x="7378" y="9391"/>
+                </a:cubicBezTo>
+                <a:close/>
+                <a:moveTo>
+                  <a:pt x="14221" y="9391"/>
+                </a:moveTo>
+                <a:cubicBezTo>
+                  <a:pt x="14146" y="11306"/>
+                  <a:pt x="13905" y="12840"/>
+                  <a:pt x="13627" y="13162"/>
+                </a:cubicBezTo>
+                <a:cubicBezTo>
+                  <a:pt x="13149" y="13687"/>
+                  <a:pt x="12952" y="11633"/>
+                  <a:pt x="12639" y="9426"/>
+                </a:cubicBezTo>
+                <a:cubicBezTo>
+                  <a:pt x="13881" y="9392"/>
+                  <a:pt x="12452" y="9462"/>
+                  <a:pt x="14221" y="9391"/>
+                </a:cubicBezTo>
+                <a:close/>
+                <a:moveTo>
+                  <a:pt x="12120" y="9437"/>
+                </a:moveTo>
+                <a:lnTo>
+                  <a:pt x="12509" y="12073"/>
+                </a:lnTo>
+                <a:cubicBezTo>
+                  <a:pt x="11887" y="14996"/>
+                  <a:pt x="11427" y="9888"/>
+                  <a:pt x="11325" y="9449"/>
+                </a:cubicBezTo>
+                <a:lnTo>
+                  <a:pt x="12120" y="9437"/>
+                </a:lnTo>
+                <a:close/>
+                <a:moveTo>
+                  <a:pt x="9917" y="9449"/>
+                </a:moveTo>
+                <a:lnTo>
+                  <a:pt x="10714" y="9461"/>
+                </a:lnTo>
+                <a:lnTo>
+                  <a:pt x="11111" y="12201"/>
+                </a:lnTo>
+                <a:cubicBezTo>
+                  <a:pt x="10633" y="14338"/>
+                  <a:pt x="10233" y="11576"/>
+                  <a:pt x="10228" y="11557"/>
+                </a:cubicBezTo>
+                <a:cubicBezTo>
+                  <a:pt x="10221" y="11516"/>
+                  <a:pt x="9907" y="9382"/>
+                  <a:pt x="9917" y="9449"/>
+                </a:cubicBezTo>
+                <a:close/>
+              </a:path>
+            </a:pathLst>
+          </a:custGeom>
+          <a:solidFill>
+            <a:srgbClr val="000000"/>
+          </a:solidFill>
+          <a:ln w="12700">
+            <a:miter lim="400000"/>
+          </a:ln>
+        </p:spPr>
+        <p:txBody>
+          <a:bodyPr lIns="50800" tIns="50800" rIns="50800" bIns="50800" anchor="ctr"/>
+          <a:lstStyle/>
+          <a:p>
+            <a:pPr defTabSz="825500">
+              <a:defRPr sz="3200">
+                <a:solidFill>
+                  <a:srgbClr val="FFFFFF"/>
+                </a:solidFill>
+                <a:latin typeface="Helvetica Neue Medium"/>
+                <a:ea typeface="Helvetica Neue Medium"/>
+                <a:cs typeface="Helvetica Neue Medium"/>
+                <a:sym typeface="Helvetica Neue Medium"/>
+              </a:defRPr>
+            </a:pPr>
+          </a:p>
+        </p:txBody>
+      </p:sp>
+      <p:sp>
+        <p:nvSpPr>
+          <p:cNvPr id="217" name="8"/>
+          <p:cNvSpPr txBox="1"/>
+          <p:nvPr/>
+        </p:nvSpPr>
+        <p:spPr>
+          <a:xfrm>
+            <a:off x="12037618" y="12778316"/>
+            <a:ext cx="308764" cy="469901"/>
+          </a:xfrm>
+          <a:prstGeom prst="rect">
+            <a:avLst/>
+          </a:prstGeom>
+          <a:ln w="12700">
+            <a:miter lim="400000"/>
+          </a:ln>
+          <a:extLst>
+            <a:ext uri="{C572A759-6A51-4108-AA02-DFA0A04FC94B}">
+              <ma14:wrappingTextBoxFlag xmlns:ma14="http://schemas.microsoft.com/office/mac/drawingml/2011/main" val="1"/>
+            </a:ext>
+          </a:extLst>
+        </p:spPr>
+        <p:txBody>
+          <a:bodyPr wrap="none" lIns="50800" tIns="50800" rIns="50800" bIns="50800" anchor="ctr">
+            <a:spAutoFit/>
+          </a:bodyPr>
+          <a:lstStyle>
+            <a:lvl1pPr>
+              <a:defRPr>
+                <a:solidFill>
                   <a:srgbClr val="000000"/>
                 </a:solidFill>
                 <a:latin typeface="Montserrat Regular"/>
@@ -6664,9 +11250,12 @@
                 <a:cs typeface="Montserrat Regular"/>
                 <a:sym typeface="Montserrat Regular"/>
               </a:defRPr>
-            </a:pPr>
-            <a:r>
-              <a:t>È risultata invece di difficile comprensione, la navigazione attraverso le pagine della piattaforma, rendendo così necessaria una rielaborazione dei modelli del dominio applicativo.</a:t>
+            </a:lvl1pPr>
+          </a:lstStyle>
+          <a:p>
+            <a:pPr/>
+            <a:r>
+              <a:t>8</a:t>
             </a:r>
           </a:p>
         </p:txBody>
